--- a/presentation/Kotlin Extension and Scope Functions. Presentation.pptx
+++ b/presentation/Kotlin Extension and Scope Functions. Presentation.pptx
@@ -228,7 +228,7 @@
           <a:p>
             <a:fld id="{DC8E96FC-DC88-7940-A066-234AC0C9AA4C}" type="datetimeFigureOut">
               <a:rPr lang="en-US" smtClean="0"/>
-              <a:t>4/29/20</a:t>
+              <a:t>10/11/20</a:t>
             </a:fld>
             <a:endParaRPr lang="en-US"/>
           </a:p>
@@ -603,14 +603,14 @@
           <inkml:channelProperty channel="F" name="resolution" value="0" units="1/dev"/>
         </inkml:channelProperties>
       </inkml:inkSource>
-      <inkml:timestamp xml:id="ts0" timeString="2020-04-24T22:13:36.286"/>
+      <inkml:timestamp xml:id="ts0" timeString="2020-04-24T22:13:33.865"/>
     </inkml:context>
     <inkml:brush xml:id="br0">
       <inkml:brushProperty name="width" value="0.08571" units="cm"/>
       <inkml:brushProperty name="height" value="0.08571" units="cm"/>
     </inkml:brush>
   </inkml:definitions>
-  <inkml:trace contextRef="#ctx0" brushRef="#br0">14615 462 8027,'-52'-27'0,"-9"-2"0,-20-5 0,-8 3 0,-5 2 0,-8 4 0,-5 3 0,-6 2 0,-5 1 0,-6 1 0,-2-1 0,-7 1 0,1 2 0,-23-1 0,-4 5 0,-14-1 0,5 4 0,9 0 0,69 4 0,0 0 0,-83-1 0,67 3 0,-1 0 0,10 0 0,3 0 0,-82-3 0,80 2 0,2 0 0,4 0 0,-2 1 0,-8-1 0,-1 0 0,-4 1 0,1 0 0,-72-3 0,72 4 0,-3 0 0,10-1 0,-1 0 0,-8 2 0,-1 0 0,3-1 0,-1 0 0,0 2 0,-1 0 0,1 0 0,1 0 0,-3-2 0,0 1 0,2-1 0,1 1 0,2-1 0,0 0 0,11 2 0,-1 0 0,-17 0 0,-1 0 0,12 0 0,0 0 0,-7 0 0,1 0 0,7 0 0,2 0 0,-83 0 0,85 0 0,-1 0 0,-84 0 0,75 0 0,-2 0 0,10 0 0,1 0 0,-74 0 0,79 0 0,0 0 0,-71 0 0,66 2 0,-2 0 0,-3-1 0,2 1 0,-78 4 0,21-2 0,-1 1 0,0-2 0,2 4 0,3-3 0,1 1 0,-2-2 0,6 4 0,0-5 0,10 1 0,-2 1 0,5-1 0,1 3 0,-1-2 0,1-1 0,3-3 0,16 0 0,0 0 0,12 0 0,-16 0 0,11 0 0,9 0 0,-1 0 0,3 0 0,2 0 0,10 0 0,7 0 0,0 0 0,-5 0 0,2 0 0,6 0 0,1 0 0,4 3 0,1 1 0,1 1 0,2 2 0,-5 2 0,2 6 0,-10 3 0,10 8 0,-10 8 0,9 6 0,-1 10 0,5 8 0,-1 8 0,2 5 0,3 7 0,0 2 0,3 1 0,2 3 0,5-2 0,-2 2 0,5-1 0,-2-1 0,4 3 0,0-1 0,-1 6 0,5 8 0,0 1 0,4 5 0,2-1 0,1 1 0,0 4 0,5 2 0,0 5 0,4 1 0,1 1 0,3 0 0,-2 6 0,2 15 0,2-18 0,2 11 0,9-61 0,2 1 0,-2 4 0,1 0 0,2 3 0,1-2 0,1-3 0,0-1 0,2-1 0,-1 1 0,1 2 0,0 1 0,0 0 0,0 1 0,0 2 0,0-1 0,0 3 0,0 1 0,1-1 0,-2 0 0,1 0 0,-1 0 0,0-1 0,-1 1 0,0-2 0,0 1 0,0 0 0,0 0 0,2-2 0,0 0 0,0 1 0,0 1 0,0-2 0,0 0 0,0 0 0,0-1 0,0 0 0,0-1 0,0 1 0,0-1 0,0 0 0,0 1 0,0-1 0,0 0 0,0 1 0,0-1 0,0 0 0,0 0 0,0-2 0,0 1 0,0 1 0,0 0 0,0-1 0,0-1 0,0 57 0,0-1 0,0 3 0,0-54 0,0 1 0,0 51 0,0 8 0,0-13 0,0 7 0,6 2 0,1 0 0,4-4 0,-3-57 0,1-1 0,10 43 0,4 22 0,-3-7 0,-11-56 0,-1-2 0,6 39 0,0 22 0,2-3 0,0-6 0,-4 2 0,0-3 0,0 0 0,0-4 0,-1 0 0,2-4 0,-1 2 0,0-3 0,0-1 0,4 0 0,0 0 0,3-3 0,0-1 0,-1-2 0,0 0 0,2-3 0,4-5 0,-4-1 0,8-7 0,-2-6 0,4-5 0,0-4 0,3 2 0,0-6 0,1-1 0,2 1 0,4-3 0,0 4 0,5-5 0,-1 1 0,0-11 0,4 2 0,2-8 0,11 8 0,4-5 0,4-5 0,2-2 0,5 2 0,-2 2 0,1 2 0,3 1 0,-2 2 0,0-1 0,-4 1 0,7 3 0,4-1 0,8-2 0,9-6 0,4-3 0,4 0 0,4-7 0,-2-1 0,7-6 0,3-5 0,4-7 0,5-2 0,-1-2 0,-1 0 0,1-2 0,-4 1 0,4-5 0,4 1 0,9-4 0,1 1 0,2-1 0,1-4 0,-2-2 0,22 2 0,4-2 0,-16 0 0,-17-3 0,1 0 0,18 1 0,12 2 0,-21-2 0,26 2 0,-37-1 0,21 1 0,-11-1 0,11 1 0,22-2 0,-88-1 0,-1 0 0,74 1 0,-15 2 0,-4-2 0,20 2 0,-75-2 0,2-1 0,1 0 0,0 0 0,76 0 0,-16 0 0,2 1 0,-62 1 0,0-1 0,82 0 0,-76 1 0,-1-1 0,65 0 0,-1-1 0,3 0 0,-71 0 0,3 0 0,3 0 0,0 0 0,1 0 0,-2 0 0,66 0 0,-5 0 0,3 0 0,-66 0 0,1 0 0,1 0 0,0 0 0,-8 0 0,-1 0 0,70 0 0,3 0 0,-67 0 0,2 0 0,-6 0 0,-1 0 0,9 0 0,-2 0 0,67 0 0,-8 0 0,4 0 0,-66 0 0,0 0 0,-4 0 0,2 0 0,8 0 0,0 0 0,60 0 0,-3 0 0,0 0 0,-64 0 0,2 0 0,76 0 0,-80 0 0,-3 0 0,70 0 0,-10 0 0,16 0 0,-73 0 0,2 0 0,-1 0 0,0 0 0,85 0 0,-25 0 0,9 0 0,-16 0 0,28 0 0,-10 0 0,-71 0 0,-4 0 0,60 0 0,9 0 0,3 0 0,-3 0 0,-1 0 0,0 0 0,0 0 0,-1 0 0,-4 0 0,-1 0 0,-6 0 0,-1 0 0,5 0 0,0 0 0,0 0 0,-3 0 0,-1 0 0,-1 0 0,2 1 0,3 3 0,-2-3 0,2 2 0,-3-2 0,-1-1 0,2 1 0,2 2 0,-2-2 0,7 2 0,-11-2 0,2-1 0,-4 0 0,0 0 0,3 0 0,2 0 0,-5 0 0,3 0 0,-6 0 0,-1 0 0,-7 0 0,-1 0 0,1 0 0,8 0 0,-6 0 0,1 0 0,0 0 0,-4 0 0,5 0 0,2 0 0,4 0 0,5 0 0,-1 0 0,-2 0 0,-1 0 0,-4 0 0,4 0 0,0 0 0,4 0 0,-11 0 0,-5 0 0,-10 0 0,-7 0 0,-2 0 0,-5 0 0,1 0 0,-5 0 0,4 0 0,-1 0 0,0 0 0,-12 0 0,14 0 0,-5 0 0,7 0 0,-7 0 0,2-1 0,7-1 0,-1-1 0,-2 0 0,-2 3 0,-12 0 0,-8 0 0,2 0 0,1 0 0,9 0 0,-3 0 0,0 0 0,-5 0 0,2 0 0,6 0 0,6-1 0,2-2 0,-3-3 0,-5-3 0,-8 0 0,0-5 0,0-2 0,0-1 0,-24-2 0,-1-1 0,-3-2 0,-6 1 0,-5-4 0,-7 0 0,-2-4 0,-8-2 0,-4 0 0,-3-7 0,-1-3 0,-4 2 0,0-11 0,-5-2 0,1-14 0,-2-5 0,-3-5 0,-4-3 0,-3-6 0,-2-1 0,-2-2 0,0-20 0,0-9 0,0-3 0,0 15 0,0-16 0,0 8 0,0 39 0,0-2 0,0 0 0,0 1 0,0-64 0,0 63 0,0 0 0,0 4 0,0 0 0,0-2 0,0-3 0,0-8 0,0-2 0,0 4 0,0 0 0,0 2 0,0-1 0,0-1 0,0 0 0,0-4 0,0 1 0,0 0 0,0 0 0,0-2 0,0 0 0,0 0 0,0-2 0,0-3 0,0 1 0,0 9 0,0 0 0,0-9 0,0-1 0,0-1 0,0-1 0,0-9 0,0-2 0,0-2 0,0 2 0,0 21 0,0 1 0,0-9 0,0-2 0,0-1 0,0-1 0,0 0 0,0-1 0,0-8 0,0 0 0,0 5 0,0 1 0,0-8 0,0 2 0,0 18 0,0 0 0,0-7 0,0-2 0,0-3 0,0 0 0,0 1 0,0 0 0,0 1 0,0-1 0,0 1 0,0 1 0,0-1 0,0 1 0,0 2 0,0 0 0,0 3 0,0-1 0,-2 1 0,-1 0 0,2-1 0,-2 1 0,-1 1 0,0 1 0,2 0 0,0 1 0,-1-1 0,-2 0 0,3-4 0,0 2 0,-2 9 0,0 0 0,2-3 0,0-1 0,-1 6 0,1-2 0,0-15 0,0 1 0,1 17 0,-1 2 0,-2 8 0,0-1 0,2-7 0,0-1 0,-2-8 0,1 1 0,1 10 0,-1 2 0,-5-58 0,-1-1 0,7 57 0,-1-1 0,-7-62 0,7 68 0,1 1 0,-4-53 0,-3 10 0,-3-13 0,0-1 0,0-8 0,0 21 0,0-9 0,-1 17 0,-3-3 0,-4 7 0,-8 5 0,-2 2 0,-7 4 0,-5 7 0,-6 5 0,-11 4 0,-9 3 0,-6 1 0,-2 5 0,-17-6 0,6 6 0,-13-5 0,7 17 0,-8-6 0,-5 1 0,-3 3 0,0 7 0,-3 4 0,-3 3 0,-5 9 0,-1 5 0,-3 5 0,-1 3 0,-3 1 0,1 5 0,3 1 0,2 6 0,-6 1 0,0 0 0,-5 0 0,2-2 0,-1 1 0,1 2 0,3-1 0,-6 3 0,2-3 0,-12 0 0,5 0 0,-5 2 0,6 4 0,0 0 0,-2 0 0,-4 0 0,-5 0 0,-4 0 0,4-1 0,1-2 0,-8 2 0,-12-3 0,10 3 0,-2 1 0,-2 0 0,19 0 0,-30 0 0,80 0 0,1 0 0,1 0 0,1 0 0,-62 0 0,-13 0 0,17 0 0,55 0 0,-1 0 0,-4 0 0,0 0 0,1 0 0,2 0 0,-65 0 0,70 0 0,0 0 0,-83 0 0,77 0 0,-1 0 0,-7 0 0,2 0 0,-64 0 0,-1 0 0,75 1 0,-2-1 0,-8 2 0,0 0 0,1-2 0,3 1 0,-77 2 0,11-2 0,-4 2 0,69-1 0,-2-1 0,5 1 0,1-1 0,-8-1 0,2 0 0,-72 0 0,13 0 0,70 2 0,-3-1 0,-4 1 0,-1 0 0,-5-1 0,2 1 0,6-2 0,1 0 0,-78 0 0,81 0 0,-1 0 0,-82 0 0,71 0 0,-1 0 0,7 0 0,2 0 0,-76 0 0,78 0 0,-1 0 0,5 0 0,0 0 0,-10 0 0,-1 0 0,-4 0 0,1 0 0,-67 0 0,1 0 0,77 0 0,-2 1 0,-8 0 0,0 0 0,0 0 0,3 1 0,-75 1 0,6-3 0,3 3 0,66-1 0,-2-1 0,7 2 0,0 1 0,-8-3 0,0 1 0,-68 4 0,15-3 0,-1 3 0,63-4 0,2 0 0,-61 4 0,-20-3 0,21 3 0,-12-3 0,4 5 0,3-2 0,-1 2 0,1 2 0,6-1 0,1 1 0,6-1 0,3 0 0,2 1 0,6-1 0,27-1 0</inkml:trace>
+  <inkml:trace contextRef="#ctx0" brushRef="#br0">9903 142 8026,'-45'-16'1,"-26"-6"-1,-4 3 0,-6 1 0,-8 2 0,-9 3 0,-4 4 0,-3 0 0,-2 4 0,-21-3 0,-6 5 0,10 0 0,9 3 0,-3 0 0,45-1 0,0 2 0,-67 4 0,62-1 0,0 1 0,3 3 0,2 3 0,-1 2 0,1 2 0,0 0 0,0 2 0,-1 1 0,-1 2 0,-2 0 0,0 0 0,-2 2 0,0 1 0,-2 1 0,0 1 0,-1 0 0,1 1 0,-1 2 0,-2 0 0,1 0 0,0 0 0,-1 2 0,0-1 0,0 1 0,0 1 0,1 2 0,1 0 0,-4 1 0,0 0 0,-3 0 0,0 1 0,-2 0 0,2 2 0,-2-2 0,0 1 0,-9 4 0,0 2 0,6-2 0,0 0 0,-9 6 0,2-1 0,15-3 0,2 0 0,-5 4 0,-1 1 0,-5 1 0,2 0 0,3 2 0,1 1 0,0-2 0,-1 1 0,5 1 0,0-1 0,0 1 0,1 0 0,2 2 0,1 0 0,0 0 0,0 0 0,2 1 0,1 0 0,-1 1 0,1 0 0,0 1 0,0 2 0,0 2 0,1 0 0,0 2 0,1 0 0,2 1 0,1 0 0,0-2 0,2 1 0,1 1 0,1 2 0,2 1 0,0 1 0,1-1 0,0 0 0,0 2 0,2 0 0,1 0 0,3 1 0,2 0 0,1 2 0,0 0 0,1 0 0,1 1 0,2-1 0,-2 1 0,2 0 0,2-1 0,0 1 0,1-2 0,2 1 0,1 2 0,2 0 0,1-4 0,2-2 0,5-4 0,1 1 0,-6 12 0,2-1 0,6-5 0,1 0 0,-2 5 0,4 1 0,4-4 0,3-2 0,-20 52 0,9 7 0,17-59 0,0 0 0,1-1 0,2 0 0,0 1 0,3 0 0,-8 54 0,1 1 0,4 5 0,5 0 0,5-60 0,2 1 0,-4 59 0,3 6 0,4-27 0,0 4 0,0 5 0,4-3 0,3-1 0,10-2 0,5-4 0,6 0 0,4-3 0,1 0 0,6 3 0,4 0 0,4 4 0,5-1 0,6-3 0,6 4 0,-27-53 0,-1 0 0,31 36 0,6 11 0,-2-13 0,3 7 0,4-4 0,11 9 0,-42-54 0,2 1 0,0 1 0,1-2 0,48 39 0,-10-8 0,4 3 0,4 2 0,-40-36 0,2 0 0,-2-4 0,1-1 0,3 3 0,0 1 0,-3-5 0,-2-1 0,47 37 0,-46-38 0,-1 1 0,47 33 0,-42-30 0,3-1 0,-1 0 0,3-2 0,-1 0 0,-1-4 0,46 26 0,-50-29 0,1 1 0,0-2 0,1 1 0,-1 1 0,1-1 0,7 5 0,2 0 0,-5-3 0,1-1 0,1 0 0,0-1 0,50 24 0,7-1 0,-55-26 0,-1-1 0,-2-3 0,3 0 0,9 3 0,-1-1 0,52 20 0,-5-1 0,-57-24 0,2 1 0,6 4 0,3-1 0,1-2 0,0 0 0,-7-2 0,-1-1 0,-4-2 0,1-1 0,3 3 0,0 1 0,-5-3 0,2-1 0,12 3 0,2 0 0,-7-3 0,-2 0 0,-5-4 0,2-1 0,4 4 0,1 0 0,0-4 0,0 1 0,-1 1 0,1 1 0,10-1 0,-2 0 0,-7 0 0,-3-1 0,57 12 0,-58-11 0,0 0 0,-2-1 0,-1 2 0,7 1 0,1 0 0,3 0 0,-3-1 0,53 19 0,-60-20 0,-3-1 0,54 18 0,-49-16 0,2 1 0,3 1 0,-1-2 0,59 16 0,-14-6 0,-7-4 0,13 4 0,3 2 0,7 1 0,-10-2 0,1-1 0,-2-1 0,-14 1 0,16-2 0,-57-13 0,1-1 0,63 8 0,-1-3 0,1-6 0,-18-5 0,-43-6 0,1 0 0,2-2 0,2 1 0,-2-2 0,-2 0 0,65-8 0,-67 0 0,0-2 0,62-17 0,-54 7 0,3-3 0,-4 0 0,-1-1 0,0-2 0,1-1 0,0-2 0,1 0 0,1 0 0,-2-1 0,3-3 0,1 0 0,0 1 0,0-1 0,2-2 0,-1-1 0,1 0 0,0 0 0,0 0 0,0-1 0,0 0 0,0-1 0,-3 0 0,1-2 0,-1-1 0,0 1 0,-6-1 0,1-1 0,-1-2 0,-1 1 0,-3-2 0,0 1 0,1-3 0,-1 1 0,-3-1 0,0 0 0,-2-1 0,1-1 0,-5 1 0,-1-2 0,-1-3 0,0 0 0,-1-1 0,0 1 0,0-3 0,1-1 0,-2-1 0,0 0 0,0 2 0,-1-2 0,-1-2 0,-1-1 0,-3 2 0,-3-1 0,1-2 0,-2 1 0,-1-2 0,1-1 0,-2 1 0,-1-1 0,-1 1 0,-1-1 0,-1 2 0,1-2 0,-2-1 0,-1-1 0,0 0 0,-1-1 0,-1 0 0,0 0 0,-3 0 0,-1 1 0,-2-3 0,-1-2 0,-2 1 0,-2-2 0,1-1 0,-1-1 0,2 2 0,-1-2 0,-1 1 0,1-2 0,-1-1 0,2 0 0,-2 1 0,0 0 0,0-1 0,0 0 0,-1-1 0,0 1 0,1 0 0,0 0 0,-2 0 0,-1 1 0,0 2 0,-1 0 0,-3 2 0,-2 1 0,15-57 0,-18 56 0,0 0 0,-2 2 0,-2 1 0,8-65 0,-11 63 0,-1 0 0,3-51 0,-2-2 0,-4 51 0,-2 1 0,1-48 0,-2-11 0,-2 10 0,-1-11 0,0 6 0,0 0 0,-9 2 0,-3-1 0,-8 3 0,-2 0 0,-4 4 0,0 6 0,-3-2 0,-3-1 0,-2 1 0,-4-3 0,1 8 0,-2 3 0,1-2 0,-1 2 0,2-2 0,-2 4 0,1 0 0,0-1 0,0 7 0,-2-3 0,-1 1 0,-3-1 0,-7-2 0,-3 3 0,-7-1 0,-2 5 0,-7-5 0,0 5 0,-3-1 0,0 2 0,-3 1 0,-5-3 0,-7-6 0,1 13 0,-5 1 0,-10-2 0,14 15 0,-18-14 0,1 9 0,-2 1 0,46 37 0,-2 0 0,-50-31 0,11 11 0,-9-4 0,10 10 0,-14-5 0,52 28 0,-1 1 0,-2-2 0,-2 1 0,2 2 0,1 0 0,-46-19 0,-6-4 0,9 5 0,-12-3 0,51 23 0,0 2 0,-55-20 0,0 0 0,1 1 0,15 9 0,-16-3 0,56 19 0,0 2 0,-57-16 0,-2 1 0,2 3 0,14 1 0,-13-4 0,56 13 0,-2 1 0,-54-16 0,0 1 0,0 3 0,14 4 0,-11-2 0,-5-1 0,-10 0 0,22 8 0,-14-2 0,17 4 0,-7-4 0,2 2 0,2 4 0,-2 4 0,-2-1 0,3 6 0,-3 1 0,3 3 0,0 6 0,-12 0 0,5 0 0,-7 0 0,34 0 0</inkml:trace>
 </inkml:ink>
 </file>
 
@@ -663,14 +663,14 @@
           <inkml:channelProperty channel="F" name="resolution" value="0" units="1/dev"/>
         </inkml:channelProperties>
       </inkml:inkSource>
-      <inkml:timestamp xml:id="ts0" timeString="2020-04-24T22:13:27.565"/>
+      <inkml:timestamp xml:id="ts0" timeString="2020-04-24T21:56:40.066"/>
     </inkml:context>
     <inkml:brush xml:id="br0">
       <inkml:brushProperty name="width" value="0.08571" units="cm"/>
       <inkml:brushProperty name="height" value="0.08571" units="cm"/>
     </inkml:brush>
   </inkml:definitions>
-  <inkml:trace contextRef="#ctx0" brushRef="#br0">304 182 8027,'-3'-4'0,"-38"-39"0,-5 15 0,-1 5 0,18 5 0</inkml:trace>
+  <inkml:trace contextRef="#ctx0" brushRef="#br0">2978 281 8027,'-100'-40'0,"22"16"0,17 12 0,11 8 0,-5-2 0,2 2 0,2-3 0,-7 4 0,3-1 0,-2 4 0,1 0 0,-3 0 0,6 2 0,-2 2 0,4 7 0,-1 6 0,0 8 0,2 3 0,-3-4 0,4 5 0,0-2 0,4-2 0,3 0 0,6 1 0,2-2 0,2 5 0,1-2 0,4-1 0,0 3 0,4-2 0,-1 4 0,3 2 0,1 1 0,-2 3 0,2 6 0,-1 2 0,-3 11 0,4-9 0,0 6 0,1-4 0,0 1 0,-2 1 0,-1 0 0,-2-2 0,2 2 0,-6-3 0,1 7 0,-4 4 0,2-7 0,-7 4 0,10-10 0,-7 12 0,0-5 0,-2 2 0,-2-2 0,2-1 0,0-4 0,0 0 0,4-4 0,-3 1 0,1-2 0,4-1 0,1 0 0,0-1 0,5 0 0,-12 15 0,12-7 0,-7 11 0,6-9 0,-2 0 0,1 2 0,1 5 0,-4-3 0,0 1 0,4-1 0,-5 1 0,2 7 0,0-9 0,0 8 0,5-4 0,-3 13 0,7-11 0,1 9 0,4-14 0,-6 14 0,7-10 0,-1 7 0,5-1 0,2 1 0,3 2 0,-1 0 0,3-7 0,1-3 0,0 7 0,0 0 0,0-3 0,5-1 0,2-6 0,6 1 0,4-5 0,4-3 0,3-3 0,-2-1 0,1 0 0,2-1 0,0 2 0,3-5 0,0-3 0,1 5 0,2 3 0,0 1 0,0-1 0,1 1 0,2 2 0,-1-2 0,5-4 0,-2 0 0,6 0 0,-1-4 0,1-1 0,2 3 0,7 0 0,4 2 0,-8-8 0,-2 1 0,-2-4 0,5 7 0,0-4 0,-4 5 0,1-6 0,3 2 0,9 5 0,-3 2 0,5-2 0,-5-2 0,9-4 0,5 0 0,-1-3 0,-5-3 0,9 2 0,-4-2 0,-7-7 0,5 0 0,-1-2 0,8 2 0,0-1 0,2-4 0,1 3 0,-1-5 0,2-2 0,-5 0 0,5-2 0,-10 1 0,9-1 0,5 0 0,-8-4 0,7 2 0,-3-4 0,4 3 0,3-4 0,0 1 0,6-4 0,-5 0 0,2 0 0,-2 0 0,2 0 0,-2 0 0,5 0 0,1 0 0,6 0 0,3 0 0,-2 0 0,4-2 0,-5 0 0,3-1 0,0-5 0,3 1 0,4-3 0,0-5 0,4 4 0,-4-3 0,4-2 0,-5-1 0,6-3 0,-1 0 0,-2-5 0,2 1 0,-6-5 0,2 1 0,-6-1 0,-4-3 0,0 1 0,0 0 0,1-5 0,0-2 0,-5-2 0,5-2 0,-5 0 0,1-3 0,-4-2 0,-1-6 0,4 1 0,-1 0 0,1-4 0,-1-3 0,-3-6 0,-4 0 0,-5-4 0,-8 1 0,1-1 0,-11-2 0,2 5 0,-9-3 0,1 3 0,-3 0 0,0 0 0,-6-1 0,-2-2 0,-1-3 0,-2 3 0,-5-2 0,-1-3 0,-4 2 0,0-1 0,-1 1 0,1-2 0,-5 2 0,-1-1 0,-4 0 0,0-3 0,-1 1 0,0-6 0,-2 6 0,-4-4 0,-3 2 0,-2 5 0,2 0 0,-1 1 0,1-13 0,-6 4 0,-2 4 0,-1 5 0,-2 2 0,0-1 0,0 7 0,0-2 0,0 3 0,-9 0 0,-4 0 0,-7-4 0,-1 1 0,-3 2 0,-3 10 0,-3-13 0,-3 10 0,-5-2 0,7 10 0,-7-8 0,0 8 0,-7 0 0,-1 4 0,2-1 0,2 2 0,-2 2 0,-2 0 0,2-1 0,-7 0 0,0-3 0,7 9 0,-5 2 0,-5-4 0,-6-4 0,-4 2 0,1 2 0,2 4 0,-5 0 0,10 1 0,-2 3 0,-7-5 0,-8 1 0,0 2 0,8 5 0,-3 2 0,-3 1 0,-1 3 0,-4 1 0,-3 4 0,2-3 0,-2 5 0,13 0 0,1 4 0,-1-4 0,-1 0 0,-2 0 0,-2 4 0,5-4 0,-2 0 0,11 3 0,3 1 0,-1 3 0,-8-6 0,3 3 0,1-3 0,4-2 0,3 0 0,1 2 0,1 2 0,2 1 0,0-4 0,2 1 0,-1-1 0,3 4 0,-4-1 0,2 1 0,-2-4 0,1-1 0,-4 2 0,-1 2 0,4-2 0,1-1 0,-1-1 0,-3 1 0,5 2 0,0-1 0,4-2 0,0 0 0,6 2 0,-3 2 0,1 1 0,-2-1 0,0 5 0,2-1 0,-2 4 0,3-5 0,-4 6 0,-2-1 0,-1 2 0,-1 1 0,4 0 0,0 0 0,0 0 0,3 0 0,1 0 0,3 0 0,0 0 0,3 0 0,4 0 0,-2 0 0,5 0 0,-3 0 0,2 0 0,2 0 0,2 0 0,-2 0 0,-2 0 0,-3 0 0,0 0 0,-1 0 0,-1 0 0,-2 0 0,-4 0 0,-5 0 0,-2 0 0,-4 0 0,3 0 0,-5 0 0,2 1 0,0 2 0,2-2 0,3 2 0,3 3 0,0-3 0,0 4 0,6-4 0,0 0 0,5-3 0,0 2 0,4 2 0,-2-3 0,3 2 0,1 0 0,-3 0 0,5-2 0,4 2 0,-3 2 0,2 0 0,1 1 0,-2-1 0,4 2 0,-1 1 0,2-4 0,1 3 0,-2 1 0,2 0 0,3-2 0,0 4 0,2-3 0,-2-2 0,2 3 0,-2-1 0,-1 3 0,-1-3 0,1 0 0,0-1 0,-1 5 0,2-4 0,-2-1 0,0 1 0,1 1 0,1-2 0,2 2 0,-1-1 0,1-2 0,-3 0 0,3 2 0,0-4 0,1 1 0,0 0 0,1 2 0,-13 9 0,-5 1 0</inkml:trace>
 </inkml:ink>
 </file>
 
@@ -717,126 +717,6 @@
           <inkml:channel name="X" type="integer" min="-2.14748E9" max="2.14748E9" units="cm"/>
           <inkml:channel name="Y" type="integer" min="-2.14748E9" max="2.14748E9" units="cm"/>
           <inkml:channel name="F" type="integer" max="32767" units="dev"/>
-        </inkml:traceFormat>
-        <inkml:channelProperties>
-          <inkml:channelProperty channel="X" name="resolution" value="1000" units="1/cm"/>
-          <inkml:channelProperty channel="Y" name="resolution" value="1000" units="1/cm"/>
-          <inkml:channelProperty channel="F" name="resolution" value="0" units="1/dev"/>
-        </inkml:channelProperties>
-      </inkml:inkSource>
-      <inkml:timestamp xml:id="ts0" timeString="2020-04-24T22:13:33.865"/>
-    </inkml:context>
-    <inkml:brush xml:id="br0">
-      <inkml:brushProperty name="width" value="0.08571" units="cm"/>
-      <inkml:brushProperty name="height" value="0.08571" units="cm"/>
-    </inkml:brush>
-  </inkml:definitions>
-  <inkml:trace contextRef="#ctx0" brushRef="#br0">9903 147 8026,'-45'-17'1,"-26"-5"-1,-4 2 0,-6 1 0,-8 3 0,-9 2 0,-4 5 0,-3 0 0,-2 3 0,-21-2 0,-6 5 0,10 0 0,9 3 0,-3 0 0,45-1 0,0 2 0,-67 4 0,62-1 0,0 2 0,3 2 0,2 3 0,-1 3 0,1 1 0,0 1 0,0 1 0,-1 2 0,-1 1 0,-2 1 0,0 0 0,-2 2 0,0 0 0,-2 2 0,0 1 0,-1 0 0,1 1 0,-1 2 0,-2 0 0,1 0 0,0 0 0,-1 2 0,0-1 0,0 1 0,0 1 0,1 2 0,1 0 0,-4 1 0,0 0 0,-3 0 0,0 1 0,-2 1 0,2 1 0,-2-2 0,0 1 0,-9 5 0,0 1 0,6-2 0,0 1 0,-9 5 0,2 0 0,15-4 0,2 1 0,-5 3 0,-1 2 0,-5 0 0,2 1 0,3 2 0,1 0 0,0-1 0,-1 1 0,5 0 0,0 0 0,0 1 0,1 0 0,2 1 0,1 1 0,0 0 0,0 0 0,2 1 0,1-1 0,-1 2 0,1 0 0,0 1 0,0 2 0,0 2 0,1 0 0,0 2 0,1 0 0,2 1 0,1 0 0,0-1 0,2 0 0,1 1 0,1 2 0,2 1 0,0 1 0,1 0 0,0-1 0,0 2 0,2 1 0,1-1 0,3 1 0,2 1 0,1 1 0,0 0 0,1 1 0,1 0 0,2 0 0,-2 0 0,2 0 0,2 0 0,0 0 0,1-1 0,2 0 0,1 2 0,2 1 0,1-5 0,2-1 0,5-5 0,1 1 0,-6 12 0,2 0 0,6-6 0,1 1 0,-2 4 0,4 2 0,4-5 0,3-1 0,-20 53 0,9 7 0,17-61 0,0 1 0,1-2 0,2 0 0,0 2 0,3-1 0,-8 56 0,1 2 0,4 4 0,5 0 0,5-61 0,2 0 0,-4 61 0,3 7 0,4-28 0,0 4 0,0 5 0,4-4 0,3 0 0,10-2 0,5-4 0,6-1 0,4-2 0,1-1 0,6 4 0,4 0 0,4 4 0,5-2 0,6-2 0,6 4 0,-27-55 0,-1 0 0,31 37 0,6 11 0,-2-12 0,3 6 0,4-4 0,11 10 0,-42-56 0,2 0 0,0 2 0,1-2 0,48 40 0,-10-8 0,4 2 0,4 3 0,-40-37 0,2 0 0,-2-5 0,1 0 0,3 3 0,0 0 0,-3-4 0,-2-2 0,47 39 0,-46-39 0,-1 0 0,47 35 0,-42-32 0,3 0 0,-1-1 0,3-1 0,-1-1 0,-1-3 0,46 26 0,-50-30 0,1 1 0,0-1 0,1 0 0,-1 1 0,1-1 0,7 6 0,2-1 0,-5-2 0,1-2 0,1 0 0,0-1 0,50 25 0,7 0 0,-55-28 0,-1-1 0,-2-3 0,3 0 0,9 3 0,-1-1 0,52 21 0,-5-2 0,-57-24 0,2 1 0,6 4 0,3-1 0,1-2 0,0 0 0,-7-2 0,-1-1 0,-4-2 0,1-1 0,3 3 0,0 1 0,-5-4 0,2 0 0,12 3 0,2 0 0,-7-3 0,-2-1 0,-5-3 0,2-1 0,4 3 0,1 1 0,0-4 0,0 0 0,-1 2 0,1 1 0,10-1 0,-2-1 0,-7 1 0,-3-1 0,57 12 0,-58-12 0,0 1 0,-2-1 0,-1 1 0,7 2 0,1 0 0,3-1 0,-3 0 0,53 20 0,-60-22 0,-3 0 0,54 18 0,-49-16 0,2 1 0,3 0 0,-1-1 0,59 16 0,-14-6 0,-7-4 0,13 4 0,3 2 0,7 2 0,-10-3 0,1-1 0,-2-1 0,-14 1 0,16-2 0,-57-14 0,1 0 0,63 8 0,-1-4 0,1-5 0,-18-6 0,-43-6 0,1 0 0,2-2 0,2 1 0,-2-2 0,-2 0 0,65-8 0,-67 0 0,0-3 0,62-16 0,-54 6 0,3-3 0,-4 0 0,-1-1 0,0-1 0,1-2 0,0-2 0,1 0 0,1 0 0,-2-1 0,3-3 0,1 0 0,0 0 0,0 0 0,2-2 0,-1-1 0,1 0 0,0 0 0,0-1 0,0 0 0,0 0 0,0-1 0,-3-1 0,1-1 0,-1-1 0,0 0 0,-6 0 0,1-2 0,-1-1 0,-1 0 0,-3-1 0,0 0 0,1-2 0,-1 0 0,-3 0 0,0-1 0,-2-1 0,1 0 0,-5 0 0,-1-2 0,-1-2 0,0-1 0,-1-1 0,0 1 0,0-3 0,1-1 0,-2 0 0,0-1 0,0 2 0,-1-2 0,-1-2 0,-1-1 0,-3 2 0,-3-1 0,1-2 0,-2 0 0,-1-1 0,1-1 0,-2 1 0,-1-1 0,-1 1 0,-1-1 0,-1 1 0,1-1 0,-2-1 0,-1-1 0,0 0 0,-1-2 0,-1 1 0,0 0 0,-3 0 0,-1 0 0,-2-2 0,-1-2 0,-2 0 0,-2-1 0,1-2 0,-1 0 0,2 1 0,-1-1 0,-1 0 0,1-1 0,-1-2 0,2 1 0,-2 0 0,0 1 0,0-2 0,0 1 0,-1-2 0,0 1 0,1 1 0,0-1 0,-2 1 0,-1 0 0,0 3 0,-1-1 0,-3 3 0,-2 0 0,15-58 0,-18 58 0,0-1 0,-2 3 0,-2 1 0,8-68 0,-11 66 0,-1 0 0,3-54 0,-2-1 0,-4 53 0,-2 0 0,1-49 0,-2-11 0,-2 10 0,-1-11 0,0 5 0,0 1 0,-9 2 0,-3-1 0,-8 3 0,-2 0 0,-4 4 0,0 6 0,-3-2 0,-3-1 0,-2 1 0,-4-2 0,1 7 0,-2 3 0,1-1 0,-1 1 0,2-1 0,-2 3 0,1 1 0,0-2 0,0 8 0,-2-4 0,-1 2 0,-3-1 0,-7-3 0,-3 4 0,-7-1 0,-2 4 0,-7-4 0,0 5 0,-3-2 0,0 3 0,-3 1 0,-5-3 0,-7-7 0,1 14 0,-5 2 0,-10-4 0,14 17 0,-18-15 0,1 9 0,-2 2 0,46 37 0,-2 1 0,-50-33 0,11 12 0,-9-4 0,10 10 0,-14-5 0,52 29 0,-1 1 0,-2-2 0,-2 1 0,2 1 0,1 1 0,-46-19 0,-6-5 0,9 5 0,-12-3 0,51 25 0,0 1 0,-55-21 0,0 0 0,1 2 0,15 9 0,-16-4 0,56 21 0,0 1 0,-57-16 0,-2 1 0,2 3 0,14 0 0,-13-3 0,56 14 0,-2 0 0,-54-16 0,0 1 0,0 2 0,14 6 0,-11-3 0,-5-2 0,-10 1 0,22 9 0,-14-3 0,17 4 0,-7-4 0,2 2 0,2 5 0,-2 3 0,-2 0 0,3 5 0,-3 2 0,3 3 0,0 6 0,-12 0 0,5 0 0,-7 0 0,34 0 0</inkml:trace>
-</inkml:ink>
-</file>
-
-<file path=ppt/ink/ink21.xml><?xml version="1.0" encoding="utf-8"?>
-<inkml:ink xmlns:inkml="http://www.w3.org/2003/InkML">
-  <inkml:definitions>
-    <inkml:context xml:id="ctx0">
-      <inkml:inkSource xml:id="inkSrc0">
-        <inkml:traceFormat>
-          <inkml:channel name="X" type="integer" min="-2.14748E9" max="2.14748E9" units="cm"/>
-          <inkml:channel name="Y" type="integer" min="-2.14748E9" max="2.14748E9" units="cm"/>
-          <inkml:channel name="F" type="integer" max="32767" units="dev"/>
-        </inkml:traceFormat>
-        <inkml:channelProperties>
-          <inkml:channelProperty channel="X" name="resolution" value="1000" units="1/cm"/>
-          <inkml:channelProperty channel="Y" name="resolution" value="1000" units="1/cm"/>
-          <inkml:channelProperty channel="F" name="resolution" value="0" units="1/dev"/>
-        </inkml:channelProperties>
-      </inkml:inkSource>
-      <inkml:timestamp xml:id="ts0" timeString="2020-04-24T21:56:40.066"/>
-    </inkml:context>
-    <inkml:brush xml:id="br0">
-      <inkml:brushProperty name="width" value="0.08571" units="cm"/>
-      <inkml:brushProperty name="height" value="0.08571" units="cm"/>
-    </inkml:brush>
-  </inkml:definitions>
-  <inkml:trace contextRef="#ctx0" brushRef="#br0">2769 269 8027,'-93'-39'0,"20"16"0,17 12 0,9 7 0,-4-2 0,2 3 0,1-4 0,-6 4 0,3-1 0,-2 4 0,1 0 0,-3 0 0,6 2 0,-2 2 0,3 6 0,0 7 0,0 7 0,1 2 0,-2-3 0,3 5 0,1-2 0,3-2 0,3 0 0,6 0 0,1-1 0,2 5 0,1-2 0,4-1 0,0 2 0,4-1 0,-2 4 0,4 1 0,0 2 0,-1 2 0,1 6 0,0 2 0,-4 11 0,5-9 0,-1 5 0,2-3 0,-1 1 0,-2 1 0,0 0 0,-2-3 0,1 3 0,-5-3 0,1 7 0,-4 3 0,2-6 0,-6 3 0,9-9 0,-7 12 0,0-6 0,-1 3 0,-3-3 0,3 0 0,-1-4 0,1 0 0,3-4 0,-3 1 0,2-2 0,3-1 0,1 0 0,0-1 0,4 1 0,-10 13 0,10-6 0,-6 10 0,6-8 0,-2 0 0,1 1 0,0 6 0,-3-4 0,0 2 0,4-1 0,-5 0 0,2 7 0,0-8 0,0 7 0,4-3 0,-2 11 0,6-9 0,1 8 0,4-14 0,-5 14 0,6-9 0,-2 6 0,6-1 0,1 1 0,4 2 0,-2 0 0,3-7 0,1-2 0,0 6 0,0 0 0,0-3 0,5-1 0,1-5 0,6 0 0,4-4 0,4-3 0,2-3 0,-2-1 0,2 0 0,1-1 0,0 2 0,3-5 0,0-2 0,1 4 0,2 3 0,0 1 0,0-1 0,0 1 0,3 2 0,-1-2 0,4-4 0,-1 0 0,5 0 0,-1-4 0,1 0 0,2 2 0,6 0 0,4 2 0,-7-7 0,-2 0 0,-2-3 0,4 6 0,1-3 0,-4 4 0,1-5 0,2 1 0,9 5 0,-2 2 0,3-1 0,-3-3 0,7-4 0,5 1 0,0-3 0,-6-4 0,9 3 0,-3-2 0,-8-7 0,6 0 0,-2-2 0,8 2 0,0-1 0,2-3 0,1 2 0,-1-5 0,1-1 0,-4-1 0,5-1 0,-10 0 0,9 0 0,4-1 0,-7-3 0,7 2 0,-4-5 0,5 4 0,2-4 0,0 1 0,6-4 0,-5 0 0,2 0 0,-2 0 0,2 0 0,-2 0 0,5 0 0,0 0 0,7 0 0,2 0 0,-2 0 0,4-2 0,-5 0 0,3-1 0,0-5 0,3 2 0,4-4 0,-1-4 0,4 3 0,-3-2 0,3-2 0,-4-2 0,5-2 0,-1 0 0,-1-5 0,1 1 0,-5-4 0,1 0 0,-5-1 0,-4-2 0,1 0 0,-1 0 0,1-4 0,0-2 0,-4-3 0,4-1 0,-4 0 0,0-3 0,-3-2 0,-1-5 0,3 0 0,0 0 0,0-3 0,0-4 0,-3-5 0,-4 0 0,-5-4 0,-7 1 0,1-1 0,-10-2 0,1 5 0,-7-3 0,0 3 0,-3 0 0,0 0 0,-5-1 0,-2-2 0,-1-3 0,-2 3 0,-4-2 0,-2-2 0,-3 1 0,0-1 0,-1 1 0,1-1 0,-5 1 0,-1-1 0,-3 0 0,-1-2 0,0 0 0,-1-5 0,-1 5 0,-4-4 0,-3 3 0,-1 4 0,1 0 0,-1 1 0,1-12 0,-5 4 0,-2 3 0,-1 5 0,-2 2 0,0-1 0,0 7 0,0-2 0,0 3 0,-9-1 0,-3 1 0,-6-4 0,-2 1 0,-2 2 0,-3 9 0,-3-12 0,-3 10 0,-4-3 0,6 10 0,-6-7 0,-1 7 0,-6 0 0,0 4 0,1-1 0,2 2 0,-2 2 0,-2-1 0,2 0 0,-6 0 0,-1-3 0,7 9 0,-4 1 0,-5-3 0,-6-4 0,-4 2 0,2 1 0,1 5 0,-4-1 0,9 2 0,-2 2 0,-7-4 0,-7 0 0,1 3 0,6 4 0,-2 2 0,-3 1 0,-1 3 0,-4 1 0,-2 3 0,1-2 0,-1 5 0,11 0 0,2 3 0,-1-3 0,-2-1 0,-1 1 0,-2 3 0,5-3 0,-2 0 0,10 2 0,2 1 0,0 4 0,-7-7 0,2 4 0,1-4 0,4-1 0,3 0 0,0 1 0,2 3 0,1 0 0,0-3 0,3 0 0,-2 0 0,3 3 0,-4 0 0,3 0 0,-3-3 0,1-1 0,-3 1 0,-1 3 0,3-3 0,1 0 0,0-1 0,-4 0 0,5 3 0,1-2 0,3-1 0,0 0 0,5 1 0,-2 3 0,1 0 0,-3 0 0,1 4 0,2-1 0,-2 4 0,2-4 0,-3 5 0,-2-1 0,-1 2 0,-1 1 0,4 0 0,0 0 0,0 0 0,3 0 0,0 0 0,4 0 0,-1 0 0,3 0 0,4 0 0,-2 0 0,5 0 0,-3 0 0,2 0 0,1 0 0,3 0 0,-3 0 0,-1 0 0,-3 0 0,0 0 0,-1 0 0,-1 0 0,-2 0 0,-3 0 0,-5 0 0,-2 0 0,-4 0 0,3 0 0,-4 0 0,1 1 0,0 2 0,2-2 0,3 2 0,3 2 0,0-2 0,0 4 0,5-4 0,0 0 0,5-3 0,0 2 0,4 1 0,-2-2 0,2 2 0,2 0 0,-3 0 0,4-2 0,4 2 0,-3 2 0,3-1 0,0 2 0,-2-1 0,4 2 0,-1 0 0,2-3 0,1 3 0,-2 0 0,2 1 0,2-2 0,1 3 0,1-2 0,-1-2 0,2 2 0,-3 0 0,0 3 0,-1-4 0,0 1 0,1-1 0,-1 4 0,1-3 0,-1-1 0,0 0 0,1 2 0,0-2 0,3 1 0,-2 0 0,2-2 0,-3 0 0,2 1 0,1-3 0,0 1 0,0 0 0,2 2 0,-13 8 0,-4 1 0</inkml:trace>
-</inkml:ink>
-</file>
-
-<file path=ppt/ink/ink22.xml><?xml version="1.0" encoding="utf-8"?>
-<inkml:ink xmlns:inkml="http://www.w3.org/2003/InkML">
-  <inkml:definitions>
-    <inkml:context xml:id="ctx0">
-      <inkml:inkSource xml:id="inkSrc0">
-        <inkml:traceFormat>
-          <inkml:channel name="X" type="integer" min="-2.14748E9" max="2.14748E9" units="cm"/>
-          <inkml:channel name="Y" type="integer" min="-2.14748E9" max="2.14748E9" units="cm"/>
-          <inkml:channel name="F" type="integer" max="32767" units="dev"/>
-          <inkml:channel name="OA" type="integer" max="360" units="deg"/>
-          <inkml:channel name="OE" type="integer" max="90" units="deg"/>
-        </inkml:traceFormat>
-        <inkml:channelProperties>
-          <inkml:channelProperty channel="X" name="resolution" value="1000" units="1/cm"/>
-          <inkml:channelProperty channel="Y" name="resolution" value="1000" units="1/cm"/>
-          <inkml:channelProperty channel="F" name="resolution" value="0" units="1/dev"/>
-          <inkml:channelProperty channel="OA" name="resolution" value="1000" units="1/deg"/>
-          <inkml:channelProperty channel="OE" name="resolution" value="1000" units="1/deg"/>
-        </inkml:channelProperties>
-      </inkml:inkSource>
-      <inkml:timestamp xml:id="ts0" timeString="2020-04-24T21:57:17.386"/>
-    </inkml:context>
-    <inkml:brush xml:id="br0">
-      <inkml:brushProperty name="width" value="0.2" units="cm"/>
-      <inkml:brushProperty name="height" value="1.2" units="cm"/>
-      <inkml:brushProperty name="color" value="#FFC114"/>
-      <inkml:brushProperty name="inkEffects" value="pencil"/>
-    </inkml:brush>
-  </inkml:definitions>
-  <inkml:trace contextRef="#ctx0" brushRef="#br0">163 11 12123 180000 90000,'28'6'0'0'0,"-8"3"0"0"0,-2-8 0 0 0,-8-10 0 0 0,-13 6 0 0 0,-4-11 0 0 0,-8 14 0 0 0,-3 0 0 0 0,4 0 0 0 0,-5 0 0 0 0,-1 0 0 0 0,-3 0 0 0 0,3 0 0 0 0,-4 0 0 0 0,6 0 0 0 0,-6 0 0 0 0,8 0 0 0 0,-2 0 0 0 0</inkml:trace>
-</inkml:ink>
-</file>
-
-<file path=ppt/ink/ink23.xml><?xml version="1.0" encoding="utf-8"?>
-<inkml:ink xmlns:inkml="http://www.w3.org/2003/InkML">
-  <inkml:definitions>
-    <inkml:context xml:id="ctx0">
-      <inkml:inkSource xml:id="inkSrc0">
-        <inkml:traceFormat>
-          <inkml:channel name="X" type="integer" min="-2.14748E9" max="2.14748E9" units="cm"/>
-          <inkml:channel name="Y" type="integer" min="-2.14748E9" max="2.14748E9" units="cm"/>
-          <inkml:channel name="F" type="integer" max="32767" units="dev"/>
-          <inkml:channel name="OA" type="integer" max="360" units="deg"/>
-          <inkml:channel name="OE" type="integer" max="90" units="deg"/>
-        </inkml:traceFormat>
-        <inkml:channelProperties>
-          <inkml:channelProperty channel="X" name="resolution" value="1000" units="1/cm"/>
-          <inkml:channelProperty channel="Y" name="resolution" value="1000" units="1/cm"/>
-          <inkml:channelProperty channel="F" name="resolution" value="0" units="1/dev"/>
-          <inkml:channelProperty channel="OA" name="resolution" value="1000" units="1/deg"/>
-          <inkml:channelProperty channel="OE" name="resolution" value="1000" units="1/deg"/>
-        </inkml:channelProperties>
-      </inkml:inkSource>
-      <inkml:timestamp xml:id="ts0" timeString="2020-04-24T21:57:21.066"/>
-    </inkml:context>
-    <inkml:brush xml:id="br0">
-      <inkml:brushProperty name="width" value="0.2" units="cm"/>
-      <inkml:brushProperty name="height" value="1.2" units="cm"/>
-      <inkml:brushProperty name="color" value="#FFC114"/>
-      <inkml:brushProperty name="inkEffects" value="pencil"/>
-    </inkml:brush>
-  </inkml:definitions>
-  <inkml:trace contextRef="#ctx0" brushRef="#br0">1 1 12123 180000 90000,'39'44'0'0'0,"-2"-8"0"0"0,-4-36 0 0 0,-4 0 0 0 0,4 0 0 0 0,-8 0 0 0 0,-2 0 0 0 0,-3 4 0 0 0,-10 2 0 0 0,-6-1 0 0 0,-21-1 0 0 0,12-4 0 0 0,-11 0 0 0 0,20 0 0 0 0</inkml:trace>
-</inkml:ink>
-</file>
-
-<file path=ppt/ink/ink24.xml><?xml version="1.0" encoding="utf-8"?>
-<inkml:ink xmlns:inkml="http://www.w3.org/2003/InkML">
-  <inkml:definitions>
-    <inkml:context xml:id="ctx0">
-      <inkml:inkSource xml:id="inkSrc0">
-        <inkml:traceFormat>
-          <inkml:channel name="X" type="integer" min="-2.14748E9" max="2.14748E9" units="cm"/>
-          <inkml:channel name="Y" type="integer" min="-2.14748E9" max="2.14748E9" units="cm"/>
-          <inkml:channel name="F" type="integer" max="32767" units="dev"/>
           <inkml:channel name="OA" type="integer" max="360" units="deg"/>
           <inkml:channel name="OE" type="integer" max="90" units="deg"/>
         </inkml:traceFormat>
@@ -861,7 +741,7 @@
 </inkml:ink>
 </file>
 
-<file path=ppt/ink/ink25.xml><?xml version="1.0" encoding="utf-8"?>
+<file path=ppt/ink/ink21.xml><?xml version="1.0" encoding="utf-8"?>
 <inkml:ink xmlns:inkml="http://www.w3.org/2003/InkML">
   <inkml:definitions>
     <inkml:context xml:id="ctx0">
@@ -894,7 +774,7 @@
 </inkml:ink>
 </file>
 
-<file path=ppt/ink/ink26.xml><?xml version="1.0" encoding="utf-8"?>
+<file path=ppt/ink/ink22.xml><?xml version="1.0" encoding="utf-8"?>
 <inkml:ink xmlns:inkml="http://www.w3.org/2003/InkML">
   <inkml:definitions>
     <inkml:context xml:id="ctx0">
@@ -927,7 +807,34 @@
 </inkml:ink>
 </file>
 
-<file path=ppt/ink/ink27.xml><?xml version="1.0" encoding="utf-8"?>
+<file path=ppt/ink/ink23.xml><?xml version="1.0" encoding="utf-8"?>
+<inkml:ink xmlns:inkml="http://www.w3.org/2003/InkML">
+  <inkml:definitions>
+    <inkml:context xml:id="ctx0">
+      <inkml:inkSource xml:id="inkSrc0">
+        <inkml:traceFormat>
+          <inkml:channel name="X" type="integer" min="-2.14748E9" max="2.14748E9" units="cm"/>
+          <inkml:channel name="Y" type="integer" min="-2.14748E9" max="2.14748E9" units="cm"/>
+          <inkml:channel name="F" type="integer" max="32767" units="dev"/>
+        </inkml:traceFormat>
+        <inkml:channelProperties>
+          <inkml:channelProperty channel="X" name="resolution" value="1000" units="1/cm"/>
+          <inkml:channelProperty channel="Y" name="resolution" value="1000" units="1/cm"/>
+          <inkml:channelProperty channel="F" name="resolution" value="0" units="1/dev"/>
+        </inkml:channelProperties>
+      </inkml:inkSource>
+      <inkml:timestamp xml:id="ts0" timeString="2020-07-09T01:33:52.210"/>
+    </inkml:context>
+    <inkml:brush xml:id="br0">
+      <inkml:brushProperty name="width" value="0.08571" units="cm"/>
+      <inkml:brushProperty name="height" value="0.08571" units="cm"/>
+    </inkml:brush>
+  </inkml:definitions>
+  <inkml:trace contextRef="#ctx0" brushRef="#br0">14615 462 8027,'-52'-27'0,"-9"-2"0,-20-5 0,-8 3 0,-5 2 0,-8 4 0,-5 3 0,-6 2 0,-5 1 0,-6 1 0,-2-1 0,-7 1 0,1 2 0,-23-1 0,-4 5 0,-14-1 0,5 4 0,9 0 0,69 4 0,0 0 0,-83-1 0,67 3 0,-1 0 0,10 0 0,3 0 0,-82-3 0,80 2 0,2 0 0,4 0 0,-2 1 0,-8-1 0,-1 0 0,-4 1 0,1 0 0,-72-3 0,72 4 0,-3 0 0,10-1 0,-1 0 0,-8 2 0,-1 0 0,3-1 0,-1 0 0,0 2 0,-1 0 0,1 0 0,1 0 0,-3-2 0,0 1 0,2-1 0,1 1 0,2-1 0,0 0 0,11 2 0,-1 0 0,-17 0 0,-1 0 0,12 0 0,0 0 0,-7 0 0,1 0 0,7 0 0,2 0 0,-83 0 0,85 0 0,-1 0 0,-84 0 0,75 0 0,-2 0 0,10 0 0,1 0 0,-74 0 0,79 0 0,0 0 0,-71 0 0,66 2 0,-2 0 0,-3-1 0,2 1 0,-78 4 0,21-2 0,-1 1 0,0-2 0,2 4 0,3-3 0,1 1 0,-2-2 0,6 4 0,0-5 0,10 1 0,-2 1 0,5-1 0,1 3 0,-1-2 0,1-1 0,3-3 0,16 0 0,0 0 0,12 0 0,-16 0 0,11 0 0,9 0 0,-1 0 0,3 0 0,2 0 0,10 0 0,7 0 0,0 0 0,-5 0 0,2 0 0,6 0 0,1 0 0,4 3 0,1 1 0,1 1 0,2 2 0,-5 2 0,2 6 0,-10 3 0,10 8 0,-10 8 0,9 6 0,-1 10 0,5 8 0,-1 8 0,2 5 0,3 7 0,0 2 0,3 1 0,2 3 0,5-2 0,-2 2 0,5-1 0,-2-1 0,4 3 0,0-1 0,-1 6 0,5 8 0,0 1 0,4 5 0,2-1 0,1 1 0,0 4 0,5 2 0,0 5 0,4 1 0,1 1 0,3 0 0,-2 6 0,2 15 0,2-18 0,2 11 0,9-61 0,2 1 0,-2 4 0,1 0 0,2 3 0,1-2 0,1-3 0,0-1 0,2-1 0,-1 1 0,1 2 0,0 1 0,0 0 0,0 1 0,0 2 0,0-1 0,0 3 0,0 1 0,1-1 0,-2 0 0,1 0 0,-1 0 0,0-1 0,-1 1 0,0-2 0,0 1 0,0 0 0,0 0 0,2-2 0,0 0 0,0 1 0,0 1 0,0-2 0,0 0 0,0 0 0,0-1 0,0 0 0,0-1 0,0 1 0,0-1 0,0 0 0,0 1 0,0-1 0,0 0 0,0 1 0,0-1 0,0 0 0,0 0 0,0-2 0,0 1 0,0 1 0,0 0 0,0-1 0,0-1 0,0 57 0,0-1 0,0 3 0,0-54 0,0 1 0,0 51 0,0 8 0,0-13 0,0 7 0,6 2 0,1 0 0,4-4 0,-3-57 0,1-1 0,10 43 0,4 22 0,-3-7 0,-11-56 0,-1-2 0,6 39 0,0 22 0,2-3 0,0-6 0,-4 2 0,0-3 0,0 0 0,0-4 0,-1 0 0,2-4 0,-1 2 0,0-3 0,0-1 0,4 0 0,0 0 0,3-3 0,0-1 0,-1-2 0,0 0 0,2-3 0,4-5 0,-4-1 0,8-7 0,-2-6 0,4-5 0,0-4 0,3 2 0,0-6 0,1-1 0,2 1 0,4-3 0,0 4 0,5-5 0,-1 1 0,0-11 0,4 2 0,2-8 0,11 8 0,4-5 0,4-5 0,2-2 0,5 2 0,-2 2 0,1 2 0,3 1 0,-2 2 0,0-1 0,-4 1 0,7 3 0,4-1 0,8-2 0,9-6 0,4-3 0,4 0 0,4-7 0,-2-1 0,7-6 0,3-5 0,4-7 0,5-2 0,-1-2 0,-1 0 0,1-2 0,-4 1 0,4-5 0,4 1 0,9-4 0,1 1 0,2-1 0,1-4 0,-2-2 0,22 2 0,4-2 0,-16 0 0,-17-3 0,1 0 0,18 1 0,12 2 0,-21-2 0,26 2 0,-37-1 0,21 1 0,-11-1 0,11 1 0,22-2 0,-88-1 0,-1 0 0,74 1 0,-15 2 0,-4-2 0,20 2 0,-75-2 0,2-1 0,1 0 0,0 0 0,76 0 0,-16 0 0,2 1 0,-62 1 0,0-1 0,82 0 0,-76 1 0,-1-1 0,65 0 0,-1-1 0,3 0 0,-71 0 0,3 0 0,3 0 0,0 0 0,1 0 0,-2 0 0,66 0 0,-5 0 0,3 0 0,-66 0 0,1 0 0,1 0 0,0 0 0,-8 0 0,-1 0 0,70 0 0,3 0 0,-67 0 0,2 0 0,-6 0 0,-1 0 0,9 0 0,-2 0 0,67 0 0,-8 0 0,4 0 0,-66 0 0,0 0 0,-4 0 0,2 0 0,8 0 0,0 0 0,60 0 0,-3 0 0,0 0 0,-64 0 0,2 0 0,76 0 0,-80 0 0,-3 0 0,70 0 0,-10 0 0,16 0 0,-73 0 0,2 0 0,-1 0 0,0 0 0,85 0 0,-25 0 0,9 0 0,-16 0 0,28 0 0,-10 0 0,-71 0 0,-4 0 0,60 0 0,9 0 0,3 0 0,-3 0 0,-1 0 0,0 0 0,0 0 0,-1 0 0,-4 0 0,-1 0 0,-6 0 0,-1 0 0,5 0 0,0 0 0,0 0 0,-3 0 0,-1 0 0,-1 0 0,2 1 0,3 3 0,-2-3 0,2 2 0,-3-2 0,-1-1 0,2 1 0,2 2 0,-2-2 0,7 2 0,-11-2 0,2-1 0,-4 0 0,0 0 0,3 0 0,2 0 0,-5 0 0,3 0 0,-6 0 0,-1 0 0,-7 0 0,-1 0 0,1 0 0,8 0 0,-6 0 0,1 0 0,0 0 0,-4 0 0,5 0 0,2 0 0,4 0 0,5 0 0,-1 0 0,-2 0 0,-1 0 0,-4 0 0,4 0 0,0 0 0,4 0 0,-11 0 0,-5 0 0,-10 0 0,-7 0 0,-2 0 0,-5 0 0,1 0 0,-5 0 0,4 0 0,-1 0 0,0 0 0,-12 0 0,14 0 0,-5 0 0,7 0 0,-7 0 0,2-1 0,7-1 0,-1-1 0,-2 0 0,-2 3 0,-12 0 0,-8 0 0,2 0 0,1 0 0,9 0 0,-3 0 0,0 0 0,-5 0 0,2 0 0,6 0 0,6-1 0,2-2 0,-3-3 0,-5-3 0,-8 0 0,0-5 0,0-2 0,0-1 0,-24-2 0,-1-1 0,-3-2 0,-6 1 0,-5-4 0,-7 0 0,-2-4 0,-8-2 0,-4 0 0,-3-7 0,-1-3 0,-4 2 0,0-11 0,-5-2 0,1-14 0,-2-5 0,-3-5 0,-4-3 0,-3-6 0,-2-1 0,-2-2 0,0-20 0,0-9 0,0-3 0,0 15 0,0-16 0,0 8 0,0 39 0,0-2 0,0 0 0,0 1 0,0-64 0,0 63 0,0 0 0,0 4 0,0 0 0,0-2 0,0-3 0,0-8 0,0-2 0,0 4 0,0 0 0,0 2 0,0-1 0,0-1 0,0 0 0,0-4 0,0 1 0,0 0 0,0 0 0,0-2 0,0 0 0,0 0 0,0-2 0,0-3 0,0 1 0,0 9 0,0 0 0,0-9 0,0-1 0,0-1 0,0-1 0,0-9 0,0-2 0,0-2 0,0 2 0,0 21 0,0 1 0,0-9 0,0-2 0,0-1 0,0-1 0,0 0 0,0-1 0,0-8 0,0 0 0,0 5 0,0 1 0,0-8 0,0 2 0,0 18 0,0 0 0,0-7 0,0-2 0,0-3 0,0 0 0,0 1 0,0 0 0,0 1 0,0-1 0,0 1 0,0 1 0,0-1 0,0 1 0,0 2 0,0 0 0,0 3 0,0-1 0,-2 1 0,-1 0 0,2-1 0,-2 1 0,-1 1 0,0 1 0,2 0 0,0 1 0,-1-1 0,-2 0 0,3-4 0,0 2 0,-2 9 0,0 0 0,2-3 0,0-1 0,-1 6 0,1-2 0,0-15 0,0 1 0,1 17 0,-1 2 0,-2 8 0,0-1 0,2-7 0,0-1 0,-2-8 0,1 1 0,1 10 0,-1 2 0,-5-58 0,-1-1 0,7 57 0,-1-1 0,-7-62 0,7 68 0,1 1 0,-4-53 0,-3 10 0,-3-13 0,0-1 0,0-8 0,0 21 0,0-9 0,-1 17 0,-3-3 0,-4 7 0,-8 5 0,-2 2 0,-7 4 0,-5 7 0,-6 5 0,-11 4 0,-9 3 0,-6 1 0,-2 5 0,-17-6 0,6 6 0,-13-5 0,7 17 0,-8-6 0,-5 1 0,-3 3 0,0 7 0,-3 4 0,-3 3 0,-5 9 0,-1 5 0,-3 5 0,-1 3 0,-3 1 0,1 5 0,3 1 0,2 6 0,-6 1 0,0 0 0,-5 0 0,2-2 0,-1 1 0,1 2 0,3-1 0,-6 3 0,2-3 0,-12 0 0,5 0 0,-5 2 0,6 4 0,0 0 0,-2 0 0,-4 0 0,-5 0 0,-4 0 0,4-1 0,1-2 0,-8 2 0,-12-3 0,10 3 0,-2 1 0,-2 0 0,19 0 0,-30 0 0,80 0 0,1 0 0,1 0 0,1 0 0,-62 0 0,-13 0 0,17 0 0,55 0 0,-1 0 0,-4 0 0,0 0 0,1 0 0,2 0 0,-65 0 0,70 0 0,0 0 0,-83 0 0,77 0 0,-1 0 0,-7 0 0,2 0 0,-64 0 0,-1 0 0,75 1 0,-2-1 0,-8 2 0,0 0 0,1-2 0,3 1 0,-77 2 0,11-2 0,-4 2 0,69-1 0,-2-1 0,5 1 0,1-1 0,-8-1 0,2 0 0,-72 0 0,13 0 0,70 2 0,-3-1 0,-4 1 0,-1 0 0,-5-1 0,2 1 0,6-2 0,1 0 0,-78 0 0,81 0 0,-1 0 0,-82 0 0,71 0 0,-1 0 0,7 0 0,2 0 0,-76 0 0,78 0 0,-1 0 0,5 0 0,0 0 0,-10 0 0,-1 0 0,-4 0 0,1 0 0,-67 0 0,1 0 0,77 0 0,-2 1 0,-8 0 0,0 0 0,0 0 0,3 1 0,-75 1 0,6-3 0,3 3 0,66-1 0,-2-1 0,7 2 0,0 1 0,-8-3 0,0 1 0,-68 4 0,15-3 0,-1 3 0,63-4 0,2 0 0,-61 4 0,-20-3 0,21 3 0,-12-3 0,4 5 0,3-2 0,-1 2 0,1 2 0,6-1 0,1 1 0,6-1 0,3 0 0,2 1 0,6-1 0,27-1 0</inkml:trace>
+</inkml:ink>
+</file>
+
+<file path=ppt/ink/ink24.xml><?xml version="1.0" encoding="utf-8"?>
 <inkml:ink xmlns:inkml="http://www.w3.org/2003/InkML">
   <inkml:definitions>
     <inkml:context xml:id="ctx0">
@@ -960,7 +867,7 @@
 </inkml:ink>
 </file>
 
-<file path=ppt/ink/ink28.xml><?xml version="1.0" encoding="utf-8"?>
+<file path=ppt/ink/ink25.xml><?xml version="1.0" encoding="utf-8"?>
 <inkml:ink xmlns:inkml="http://www.w3.org/2003/InkML">
   <inkml:definitions>
     <inkml:context xml:id="ctx0">
@@ -993,7 +900,7 @@
 </inkml:ink>
 </file>
 
-<file path=ppt/ink/ink29.xml><?xml version="1.0" encoding="utf-8"?>
+<file path=ppt/ink/ink26.xml><?xml version="1.0" encoding="utf-8"?>
 <inkml:ink xmlns:inkml="http://www.w3.org/2003/InkML">
   <inkml:definitions>
     <inkml:context xml:id="ctx0">
@@ -1023,6 +930,105 @@
     </inkml:brush>
   </inkml:definitions>
   <inkml:trace contextRef="#ctx0" brushRef="#br0">2088 42 12123 180000 90000,'-44'-3'0'0'0,"9"1"0"0"0,10 0 0 0 0,4 0 0 0 0,1-2 0 0 0,-2 1 0 0 0,-1-2 0 0 0,2 2 0 0 0,-2-1 0 0 0,1 1 0 0 0,1 0 0 0 0,-2 0 0 0 0,0 2 0 0 0,-1 0 0 0 0,1-1 0 0 0,1 2 0 0 0,-3 0 0 0 0,-1 0 0 0 0,-1 0 0 0 0,-3 0 0 0 0,0 0 0 0 0,-2 0 0 0 0,2 0 0 0 0,-2 0 0 0 0,2 0 0 0 0,-1 0 0 0 0,1 0 0 0 0,2 0 0 0 0,-2 2 0 0 0,1 1 0 0 0,1 2 0 0 0,-2 0 0 0 0,-4 0 0 0 0,-4 0 0 0 0,3 0 0 0 0,-4 1 0 0 0,4-1 0 0 0,-5 0 0 0 0,2 2 0 0 0,-1-1 0 0 0,-3 4 0 0 0,1-2 0 0 0,6 1 0 0 0,-2 0 0 0 0,4 1 0 0 0,-9 0 0 0 0,8-1 0 0 0,-3 3 0 0 0,-2 0 0 0 0,-3 4 0 0 0,2-2 0 0 0,5 0 0 0 0,-7 4 0 0 0,10-1 0 0 0,-9 5 0 0 0,11-3 0 0 0,-9 5 0 0 0,9-2 0 0 0,-3 4 0 0 0,7-4 0 0 0,-1 2 0 0 0,3 1 0 0 0,1 3 0 0 0,2-1 0 0 0,3-1 0 0 0,-2 1 0 0 0,4 0 0 0 0,2 1 0 0 0,3-1 0 0 0,3 1 0 0 0,1 1 0 0 0,1 1 0 0 0,4-3 0 0 0,0-1 0 0 0,2-2 0 0 0,0-3 0 0 0,0 2 0 0 0,3-3 0 0 0,1-1 0 0 0,9-1 0 0 0,3-3 0 0 0,8 2 0 0 0,4 0 0 0 0,1-1 0 0 0,3-1 0 0 0,3-2 0 0 0,11 2 0 0 0,1-2 0 0 0,1 1 0 0 0,3 0 0 0 0,1-1 0 0 0,3 0 0 0 0,4-1 0 0 0,1 2 0 0 0,4-3 0 0 0,3 1 0 0 0,2-1 0 0 0,3-1 0 0 0,-3-2 0 0 0,3-1 0 0 0,-5-1 0 0 0,0-1 0 0 0,0 0 0 0 0,2-2 0 0 0,-2-1 0 0 0,0-2 0 0 0,-3 0 0 0 0,0 0 0 0 0,-6-2 0 0 0,-3-2 0 0 0,1-2 0 0 0,-8-3 0 0 0,9-3 0 0 0,-7 2 0 0 0,-6-2 0 0 0,0 0 0 0 0,-2 0 0 0 0,-1 1 0 0 0,3-3 0 0 0,1 1 0 0 0,-6-1 0 0 0,1 0 0 0 0,-10 0 0 0 0,3 1 0 0 0,-1-1 0 0 0,1 1 0 0 0,-3-3 0 0 0,2 1 0 0 0,-2-1 0 0 0,5 0 0 0 0,-3 1 0 0 0,5-3 0 0 0,0 3 0 0 0,-6 0 0 0 0,6-2 0 0 0,-6-2 0 0 0,4 1 0 0 0,-1-1 0 0 0,-2 1 0 0 0,0-2 0 0 0,-3 0 0 0 0,-3 0 0 0 0,-2-1 0 0 0,0 1 0 0 0,-4 1 0 0 0,1 0 0 0 0,0 1 0 0 0,-7-1 0 0 0,2 0 0 0 0,-1 0 0 0 0,-4-1 0 0 0,-2-1 0 0 0,-1 0 0 0 0,-1-1 0 0 0,-1 1 0 0 0,-2-1 0 0 0,-1 1 0 0 0,-3 2 0 0 0,0-1 0 0 0,0 2 0 0 0,-1 0 0 0 0,-1 1 0 0 0,-5-1 0 0 0,-4 1 0 0 0,-5 0 0 0 0,0 2 0 0 0,-2-1 0 0 0,-1 2 0 0 0,-1 0 0 0 0,-1-1 0 0 0,0 1 0 0 0,-2 1 0 0 0,-3 0 0 0 0,-1 1 0 0 0,-3 0 0 0 0,0 2 0 0 0,-2-1 0 0 0,-1 2 0 0 0,-4 0 0 0 0,1 0 0 0 0,-3 2 0 0 0,3 0 0 0 0,-1 2 0 0 0,-1 2 0 0 0,2 2 0 0 0,-1-2 0 0 0,2 2 0 0 0,1-1 0 0 0,-1 2 0 0 0,0 0 0 0 0,1 0 0 0 0,-1 0 0 0 0,1 0 0 0 0,2 0 0 0 0,-1 0 0 0 0,3 0 0 0 0,3 0 0 0 0,4 0 0 0 0,2 0 0 0 0,-3 0 0 0 0,6 0 0 0 0,-2 0 0 0 0,-3 0 0 0 0,-6 7 0 0 0,-9 1 0 0 0</inkml:trace>
+</inkml:ink>
+</file>
+
+<file path=ppt/ink/ink27.xml><?xml version="1.0" encoding="utf-8"?>
+<inkml:ink xmlns:inkml="http://www.w3.org/2003/InkML">
+  <inkml:definitions>
+    <inkml:context xml:id="ctx0">
+      <inkml:inkSource xml:id="inkSrc0">
+        <inkml:traceFormat>
+          <inkml:channel name="X" type="integer" min="-2.14748E9" max="2.14748E9" units="cm"/>
+          <inkml:channel name="Y" type="integer" min="-2.14748E9" max="2.14748E9" units="cm"/>
+          <inkml:channel name="F" type="integer" max="32767" units="dev"/>
+          <inkml:channel name="OA" type="integer" max="360" units="deg"/>
+          <inkml:channel name="OE" type="integer" max="90" units="deg"/>
+        </inkml:traceFormat>
+        <inkml:channelProperties>
+          <inkml:channelProperty channel="X" name="resolution" value="1000" units="1/cm"/>
+          <inkml:channelProperty channel="Y" name="resolution" value="1000" units="1/cm"/>
+          <inkml:channelProperty channel="F" name="resolution" value="0" units="1/dev"/>
+          <inkml:channelProperty channel="OA" name="resolution" value="1000" units="1/deg"/>
+          <inkml:channelProperty channel="OE" name="resolution" value="1000" units="1/deg"/>
+        </inkml:channelProperties>
+      </inkml:inkSource>
+      <inkml:timestamp xml:id="ts0" timeString="2020-04-28T02:48:39.192"/>
+    </inkml:context>
+    <inkml:brush xml:id="br0">
+      <inkml:brushProperty name="width" value="0.35278" units="cm"/>
+      <inkml:brushProperty name="height" value="0.35278" units="cm"/>
+      <inkml:brushProperty name="color" value="#5080DC"/>
+      <inkml:brushProperty name="inkEffects" value="pencil"/>
+    </inkml:brush>
+  </inkml:definitions>
+  <inkml:trace contextRef="#ctx0" brushRef="#br0">2237 190 12123 180000 90000,'-79'-33'0'0'0,"3"5"0"0"0,34 25 0 0 0,-6-1 0 0 0,-4 0 0 0 0,-3 0 0 0 0,-2 0 0 0 0,-2 2 0 0 0,-3 0 0 0 0,-5 1 0 0 0,-3 1 0 0 0,-1 0 0 0 0,-3 1 0 0 0,0 1 0 0 0,1 2 0 0 0,0 5 0 0 0,2 2 0 0 0,-2 5 0 0 0,2 2 0 0 0,1 1 0 0 0,0 2 0 0 0,0 2 0 0 0,3-1 0 0 0,2 3 0 0 0,14-5 0 0 0,4 1 0 0 0,2 0 0 0 0,-1 1 0 0 0,1 0 0 0 0,6 1 0 0 0,0-2 0 0 0,3 1 0 0 0,4-1 0 0 0,4 0 0 0 0,3-1 0 0 0,-1-1 0 0 0,2 1 0 0 0,3-2 0 0 0,2 1 0 0 0,4-1 0 0 0,-1-1 0 0 0,1-1 0 0 0,-1 4 0 0 0,0 0 0 0 0,1 3 0 0 0,3-2 0 0 0,4 0 0 0 0,1-2 0 0 0,6 1 0 0 0,-2-3 0 0 0,3 1 0 0 0,0 0 0 0 0,0-2 0 0 0,3 3 0 0 0,7-1 0 0 0,8 1 0 0 0,-2-3 0 0 0,13 2 0 0 0,-6-4 0 0 0,0 1 0 0 0,-2-5 0 0 0,0 2 0 0 0,5 1 0 0 0,-1-1 0 0 0,4 1 0 0 0,1-2 0 0 0,6 3 0 0 0,2-2 0 0 0,6 0 0 0 0,1 0 0 0 0,4-2 0 0 0,6-1 0 0 0,4 0 0 0 0,3-3 0 0 0,0 1 0 0 0,1-2 0 0 0,2-1 0 0 0,5 0 0 0 0,6-2 0 0 0,2-1 0 0 0,2-1 0 0 0,3 0 0 0 0,2 0 0 0 0,1 0 0 0 0,0-2 0 0 0,-1-1 0 0 0,4-4 0 0 0,-1-2 0 0 0,0-1 0 0 0,-2-1 0 0 0,-6 3 0 0 0,-3-1 0 0 0,-1-1 0 0 0,-1-2 0 0 0,1 0 0 0 0,-3-2 0 0 0,-1 2 0 0 0,-5-2 0 0 0,-9 2 0 0 0,-7-2 0 0 0,-1 0 0 0 0,2-2 0 0 0,-4-2 0 0 0,-6 1 0 0 0,-4-1 0 0 0,-7 3 0 0 0,-6-3 0 0 0,-2 1 0 0 0,-3 0 0 0 0,-3-2 0 0 0,-4 2 0 0 0,1-3 0 0 0,-4 1 0 0 0,1-2 0 0 0,-4 0 0 0 0,0 0 0 0 0,-2 0 0 0 0,1-2 0 0 0,-3-2 0 0 0,0 1 0 0 0,-3 0 0 0 0,0 1 0 0 0,0-2 0 0 0,0 2 0 0 0,0-1 0 0 0,-2 1 0 0 0,-3-1 0 0 0,-1-1 0 0 0,-7-1 0 0 0,-1 0 0 0 0,-4 0 0 0 0,0 1 0 0 0,-2-2 0 0 0,-2 1 0 0 0,-1 1 0 0 0,0 2 0 0 0,-4 1 0 0 0,-1 1 0 0 0,-4 0 0 0 0,-1 2 0 0 0,0 1 0 0 0,-4 4 0 0 0,-2 0 0 0 0,-2 1 0 0 0,-1 2 0 0 0,0 2 0 0 0,1 0 0 0 0,-3 2 0 0 0,3 0 0 0 0,0 1 0 0 0,1 2 0 0 0,1 0 0 0 0,0 0 0 0 0,0 2 0 0 0,3 0 0 0 0,-1 2 0 0 0,5-1 0 0 0,-2-1 0 0 0,-1 0 0 0 0,1 2 0 0 0,2 0 0 0 0,0 0 0 0 0,0 0 0 0 0,1 0 0 0 0,0 0 0 0 0,2 0 0 0 0,1 0 0 0 0,-1 0 0 0 0,-2 0 0 0 0,0 1 0 0 0,0 0 0 0 0,-1 2 0 0 0,-2 0 0 0 0,-5 2 0 0 0,-11 0 0 0 0,-6 4 0 0 0</inkml:trace>
+</inkml:ink>
+</file>
+
+<file path=ppt/ink/ink28.xml><?xml version="1.0" encoding="utf-8"?>
+<inkml:ink xmlns:inkml="http://www.w3.org/2003/InkML">
+  <inkml:definitions>
+    <inkml:context xml:id="ctx0">
+      <inkml:inkSource xml:id="inkSrc0">
+        <inkml:traceFormat>
+          <inkml:channel name="X" type="integer" min="-2.14748E9" max="2.14748E9" units="cm"/>
+          <inkml:channel name="Y" type="integer" min="-2.14748E9" max="2.14748E9" units="cm"/>
+          <inkml:channel name="F" type="integer" max="32767" units="dev"/>
+          <inkml:channel name="OA" type="integer" max="360" units="deg"/>
+          <inkml:channel name="OE" type="integer" max="90" units="deg"/>
+        </inkml:traceFormat>
+        <inkml:channelProperties>
+          <inkml:channelProperty channel="X" name="resolution" value="1000" units="1/cm"/>
+          <inkml:channelProperty channel="Y" name="resolution" value="1000" units="1/cm"/>
+          <inkml:channelProperty channel="F" name="resolution" value="0" units="1/dev"/>
+          <inkml:channelProperty channel="OA" name="resolution" value="1000" units="1/deg"/>
+          <inkml:channelProperty channel="OE" name="resolution" value="1000" units="1/deg"/>
+        </inkml:channelProperties>
+      </inkml:inkSource>
+      <inkml:timestamp xml:id="ts0" timeString="2020-04-28T02:50:01.091"/>
+    </inkml:context>
+    <inkml:brush xml:id="br0">
+      <inkml:brushProperty name="width" value="0.35278" units="cm"/>
+      <inkml:brushProperty name="height" value="0.35278" units="cm"/>
+      <inkml:brushProperty name="color" value="#5080DC"/>
+      <inkml:brushProperty name="inkEffects" value="pencil"/>
+    </inkml:brush>
+  </inkml:definitions>
+  <inkml:trace contextRef="#ctx0" brushRef="#br0">77 1024 12123 180000 90000,'-35'-55'0'0'0,"14"12"0"0"0,12 9 0 0 0,7 4 0 0 0,-3 1 0 0 0,3-4 0 0 0,0 0 0 0 0,2-4 0 0 0,0 1 0 0 0,0-6 0 0 0,0 6 0 0 0,3-5 0 0 0,6 2 0 0 0,6-3 0 0 0,2 4 0 0 0,2 1 0 0 0,4 2 0 0 0,3-3 0 0 0,1 2 0 0 0,8-7 0 0 0,-3 11 0 0 0,4-2 0 0 0,1 7 0 0 0,2 2 0 0 0,5 2 0 0 0,2 2 0 0 0,5 3 0 0 0,1-1 0 0 0,3 6 0 0 0,-7-2 0 0 0,-2 6 0 0 0,-1 0 0 0 0,3 2 0 0 0,-3 1 0 0 0,-1 1 0 0 0,-2 2 0 0 0,0 3 0 0 0,-4 0 0 0 0,-1 0 0 0 0,-2 1 0 0 0,-3 1 0 0 0,0 5 0 0 0,-3 6 0 0 0,-3 5 0 0 0,0 1 0 0 0,-1 6 0 0 0,-1 1 0 0 0,-3 4 0 0 0,-3 2 0 0 0,1 2 0 0 0,-4 5 0 0 0,1 2 0 0 0,-4-4 0 0 0,-3 2 0 0 0,-2-2 0 0 0,0 2 0 0 0,-1 1 0 0 0,-1-3 0 0 0,-2 2 0 0 0,-3-2 0 0 0,0 8 0 0 0,0-2 0 0 0,-5 0 0 0 0,-4-4 0 0 0,-4-1 0 0 0,-8-1 0 0 0,-5 4 0 0 0,-1-5 0 0 0,1-4 0 0 0,-6 3 0 0 0,5-7 0 0 0,-7 3 0 0 0,4-6 0 0 0,-1-1 0 0 0,-1-1 0 0 0,0 1 0 0 0,0-1 0 0 0,1 0 0 0 0,4-3 0 0 0,0-1 0 0 0,2-1 0 0 0,-2 1 0 0 0,1 1 0 0 0,2-1 0 0 0,-2-1 0 0 0,2 1 0 0 0,-2 2 0 0 0,0-1 0 0 0,0 1 0 0 0,-1 0 0 0 0,0 2 0 0 0,-1-1 0 0 0,0 1 0 0 0,1-1 0 0 0,-1 1 0 0 0,0 0 0 0 0,2 2 0 0 0,0-2 0 0 0,2 2 0 0 0,4-2 0 0 0,1 1 0 0 0,1-1 0 0 0,5 1 0 0 0,-1 1 0 0 0,4 2 0 0 0,-2-1 0 0 0,5 0 0 0 0,0 2 0 0 0,1-3 0 0 0,3 1 0 0 0,1-4 0 0 0,2 1 0 0 0,0-1 0 0 0,0 1 0 0 0,0 2 0 0 0,0 0 0 0 0,0-2 0 0 0,9 4 0 0 0,3 2 0 0 0</inkml:trace>
+</inkml:ink>
+</file>
+
+<file path=ppt/ink/ink29.xml><?xml version="1.0" encoding="utf-8"?>
+<inkml:ink xmlns:inkml="http://www.w3.org/2003/InkML">
+  <inkml:definitions>
+    <inkml:context xml:id="ctx0">
+      <inkml:inkSource xml:id="inkSrc0">
+        <inkml:traceFormat>
+          <inkml:channel name="X" type="integer" min="-2.14748E9" max="2.14748E9" units="cm"/>
+          <inkml:channel name="Y" type="integer" min="-2.14748E9" max="2.14748E9" units="cm"/>
+          <inkml:channel name="F" type="integer" max="32767" units="dev"/>
+          <inkml:channel name="OA" type="integer" max="360" units="deg"/>
+          <inkml:channel name="OE" type="integer" max="90" units="deg"/>
+        </inkml:traceFormat>
+        <inkml:channelProperties>
+          <inkml:channelProperty channel="X" name="resolution" value="1000" units="1/cm"/>
+          <inkml:channelProperty channel="Y" name="resolution" value="1000" units="1/cm"/>
+          <inkml:channelProperty channel="F" name="resolution" value="0" units="1/dev"/>
+          <inkml:channelProperty channel="OA" name="resolution" value="1000" units="1/deg"/>
+          <inkml:channelProperty channel="OE" name="resolution" value="1000" units="1/deg"/>
+        </inkml:channelProperties>
+      </inkml:inkSource>
+      <inkml:timestamp xml:id="ts0" timeString="2020-04-28T02:50:02.913"/>
+    </inkml:context>
+    <inkml:brush xml:id="br0">
+      <inkml:brushProperty name="width" value="0.35278" units="cm"/>
+      <inkml:brushProperty name="height" value="0.35278" units="cm"/>
+      <inkml:brushProperty name="color" value="#5080DC"/>
+      <inkml:brushProperty name="inkEffects" value="pencil"/>
+    </inkml:brush>
+  </inkml:definitions>
+  <inkml:trace contextRef="#ctx0" brushRef="#br0">222 49 12123 180000 90000,'-56'19'0'0'0,"5"0"0"0"0,31-9 0 0 0,-3 6 0 0 0,3 0 0 0 0,0 7 0 0 0,6-5 0 0 0,3 9 0 0 0,5-5 0 0 0,6 5 0 0 0,3-3 0 0 0,7 1 0 0 0,8 2 0 0 0,6-9 0 0 0,4 2 0 0 0,0-12 0 0 0,-1-4 0 0 0,-8-2 0 0 0,6-2 0 0 0,-7 0 0 0 0,7 0 0 0 0,-1 0 0 0 0,-3-6 0 0 0,-4-2 0 0 0,3-6 0 0 0,-2 0 0 0 0,-1 1 0 0 0,3 2 0 0 0,-2-2 0 0 0,0 2 0 0 0,2-3 0 0 0,-9 0 0 0 0,2 1 0 0 0,-9-1 0 0 0,2 0 0 0 0,-5 0 0 0 0,2 0 0 0 0,-3-3 0 0 0,0 3 0 0 0,0-3 0 0 0,0 3 0 0 0,0 3 0 0 0,0-2 0 0 0,0 6 0 0 0,-9-6 0 0 0,4 2 0 0 0,-12-3 0 0 0,7 0 0 0 0,-4 3 0 0 0,0-2 0 0 0,0 9 0 0 0,0-5 0 0 0,-3 8 0 0 0,3-2 0 0 0,-6 3 0 0 0,2 0 0 0 0,-2 0 0 0 0,-1 3 0 0 0,3 4 0 0 0,-2 3 0 0 0,6 4 0 0 0,-3 0 0 0 0,3-3 0 0 0,6 2 0 0 0,-1-5 0 0 0,8 1 0 0 0,-2-2 0 0 0,0 0 0 0 0,-1 0 0 0 0</inkml:trace>
 </inkml:ink>
 </file>
 
@@ -1079,105 +1085,6 @@
           <inkml:channelProperty channel="OE" name="resolution" value="1000" units="1/deg"/>
         </inkml:channelProperties>
       </inkml:inkSource>
-      <inkml:timestamp xml:id="ts0" timeString="2020-04-28T02:48:39.192"/>
-    </inkml:context>
-    <inkml:brush xml:id="br0">
-      <inkml:brushProperty name="width" value="0.35278" units="cm"/>
-      <inkml:brushProperty name="height" value="0.35278" units="cm"/>
-      <inkml:brushProperty name="color" value="#5080DC"/>
-      <inkml:brushProperty name="inkEffects" value="pencil"/>
-    </inkml:brush>
-  </inkml:definitions>
-  <inkml:trace contextRef="#ctx0" brushRef="#br0">2237 190 12123 180000 90000,'-79'-33'0'0'0,"3"5"0"0"0,34 25 0 0 0,-6-1 0 0 0,-4 0 0 0 0,-3 0 0 0 0,-2 0 0 0 0,-2 2 0 0 0,-3 0 0 0 0,-5 1 0 0 0,-3 1 0 0 0,-1 0 0 0 0,-3 1 0 0 0,0 1 0 0 0,1 2 0 0 0,0 5 0 0 0,2 2 0 0 0,-2 5 0 0 0,2 2 0 0 0,1 1 0 0 0,0 2 0 0 0,0 2 0 0 0,3-1 0 0 0,2 3 0 0 0,14-5 0 0 0,4 1 0 0 0,2 0 0 0 0,-1 1 0 0 0,1 0 0 0 0,6 1 0 0 0,0-2 0 0 0,3 1 0 0 0,4-1 0 0 0,4 0 0 0 0,3-1 0 0 0,-1-1 0 0 0,2 1 0 0 0,3-2 0 0 0,2 1 0 0 0,4-1 0 0 0,-1-1 0 0 0,1-1 0 0 0,-1 4 0 0 0,0 0 0 0 0,1 3 0 0 0,3-2 0 0 0,4 0 0 0 0,1-2 0 0 0,6 1 0 0 0,-2-3 0 0 0,3 1 0 0 0,0 0 0 0 0,0-2 0 0 0,3 3 0 0 0,7-1 0 0 0,8 1 0 0 0,-2-3 0 0 0,13 2 0 0 0,-6-4 0 0 0,0 1 0 0 0,-2-5 0 0 0,0 2 0 0 0,5 1 0 0 0,-1-1 0 0 0,4 1 0 0 0,1-2 0 0 0,6 3 0 0 0,2-2 0 0 0,6 0 0 0 0,1 0 0 0 0,4-2 0 0 0,6-1 0 0 0,4 0 0 0 0,3-3 0 0 0,0 1 0 0 0,1-2 0 0 0,2-1 0 0 0,5 0 0 0 0,6-2 0 0 0,2-1 0 0 0,2-1 0 0 0,3 0 0 0 0,2 0 0 0 0,1 0 0 0 0,0-2 0 0 0,-1-1 0 0 0,4-4 0 0 0,-1-2 0 0 0,0-1 0 0 0,-2-1 0 0 0,-6 3 0 0 0,-3-1 0 0 0,-1-1 0 0 0,-1-2 0 0 0,1 0 0 0 0,-3-2 0 0 0,-1 2 0 0 0,-5-2 0 0 0,-9 2 0 0 0,-7-2 0 0 0,-1 0 0 0 0,2-2 0 0 0,-4-2 0 0 0,-6 1 0 0 0,-4-1 0 0 0,-7 3 0 0 0,-6-3 0 0 0,-2 1 0 0 0,-3 0 0 0 0,-3-2 0 0 0,-4 2 0 0 0,1-3 0 0 0,-4 1 0 0 0,1-2 0 0 0,-4 0 0 0 0,0 0 0 0 0,-2 0 0 0 0,1-2 0 0 0,-3-2 0 0 0,0 1 0 0 0,-3 0 0 0 0,0 1 0 0 0,0-2 0 0 0,0 2 0 0 0,0-1 0 0 0,-2 1 0 0 0,-3-1 0 0 0,-1-1 0 0 0,-7-1 0 0 0,-1 0 0 0 0,-4 0 0 0 0,0 1 0 0 0,-2-2 0 0 0,-2 1 0 0 0,-1 1 0 0 0,0 2 0 0 0,-4 1 0 0 0,-1 1 0 0 0,-4 0 0 0 0,-1 2 0 0 0,0 1 0 0 0,-4 4 0 0 0,-2 0 0 0 0,-2 1 0 0 0,-1 2 0 0 0,0 2 0 0 0,1 0 0 0 0,-3 2 0 0 0,3 0 0 0 0,0 1 0 0 0,1 2 0 0 0,1 0 0 0 0,0 0 0 0 0,0 2 0 0 0,3 0 0 0 0,-1 2 0 0 0,5-1 0 0 0,-2-1 0 0 0,-1 0 0 0 0,1 2 0 0 0,2 0 0 0 0,0 0 0 0 0,0 0 0 0 0,1 0 0 0 0,0 0 0 0 0,2 0 0 0 0,1 0 0 0 0,-1 0 0 0 0,-2 0 0 0 0,0 1 0 0 0,0 0 0 0 0,-1 2 0 0 0,-2 0 0 0 0,-5 2 0 0 0,-11 0 0 0 0,-6 4 0 0 0</inkml:trace>
-</inkml:ink>
-</file>
-
-<file path=ppt/ink/ink31.xml><?xml version="1.0" encoding="utf-8"?>
-<inkml:ink xmlns:inkml="http://www.w3.org/2003/InkML">
-  <inkml:definitions>
-    <inkml:context xml:id="ctx0">
-      <inkml:inkSource xml:id="inkSrc0">
-        <inkml:traceFormat>
-          <inkml:channel name="X" type="integer" min="-2.14748E9" max="2.14748E9" units="cm"/>
-          <inkml:channel name="Y" type="integer" min="-2.14748E9" max="2.14748E9" units="cm"/>
-          <inkml:channel name="F" type="integer" max="32767" units="dev"/>
-          <inkml:channel name="OA" type="integer" max="360" units="deg"/>
-          <inkml:channel name="OE" type="integer" max="90" units="deg"/>
-        </inkml:traceFormat>
-        <inkml:channelProperties>
-          <inkml:channelProperty channel="X" name="resolution" value="1000" units="1/cm"/>
-          <inkml:channelProperty channel="Y" name="resolution" value="1000" units="1/cm"/>
-          <inkml:channelProperty channel="F" name="resolution" value="0" units="1/dev"/>
-          <inkml:channelProperty channel="OA" name="resolution" value="1000" units="1/deg"/>
-          <inkml:channelProperty channel="OE" name="resolution" value="1000" units="1/deg"/>
-        </inkml:channelProperties>
-      </inkml:inkSource>
-      <inkml:timestamp xml:id="ts0" timeString="2020-04-28T02:50:01.091"/>
-    </inkml:context>
-    <inkml:brush xml:id="br0">
-      <inkml:brushProperty name="width" value="0.35278" units="cm"/>
-      <inkml:brushProperty name="height" value="0.35278" units="cm"/>
-      <inkml:brushProperty name="color" value="#5080DC"/>
-      <inkml:brushProperty name="inkEffects" value="pencil"/>
-    </inkml:brush>
-  </inkml:definitions>
-  <inkml:trace contextRef="#ctx0" brushRef="#br0">77 1024 12123 180000 90000,'-35'-55'0'0'0,"14"12"0"0"0,12 9 0 0 0,7 4 0 0 0,-3 1 0 0 0,3-4 0 0 0,0 0 0 0 0,2-4 0 0 0,0 1 0 0 0,0-6 0 0 0,0 6 0 0 0,3-5 0 0 0,6 2 0 0 0,6-3 0 0 0,2 4 0 0 0,2 1 0 0 0,4 2 0 0 0,3-3 0 0 0,1 2 0 0 0,8-7 0 0 0,-3 11 0 0 0,4-2 0 0 0,1 7 0 0 0,2 2 0 0 0,5 2 0 0 0,2 2 0 0 0,5 3 0 0 0,1-1 0 0 0,3 6 0 0 0,-7-2 0 0 0,-2 6 0 0 0,-1 0 0 0 0,3 2 0 0 0,-3 1 0 0 0,-1 1 0 0 0,-2 2 0 0 0,0 3 0 0 0,-4 0 0 0 0,-1 0 0 0 0,-2 1 0 0 0,-3 1 0 0 0,0 5 0 0 0,-3 6 0 0 0,-3 5 0 0 0,0 1 0 0 0,-1 6 0 0 0,-1 1 0 0 0,-3 4 0 0 0,-3 2 0 0 0,1 2 0 0 0,-4 5 0 0 0,1 2 0 0 0,-4-4 0 0 0,-3 2 0 0 0,-2-2 0 0 0,0 2 0 0 0,-1 1 0 0 0,-1-3 0 0 0,-2 2 0 0 0,-3-2 0 0 0,0 8 0 0 0,0-2 0 0 0,-5 0 0 0 0,-4-4 0 0 0,-4-1 0 0 0,-8-1 0 0 0,-5 4 0 0 0,-1-5 0 0 0,1-4 0 0 0,-6 3 0 0 0,5-7 0 0 0,-7 3 0 0 0,4-6 0 0 0,-1-1 0 0 0,-1-1 0 0 0,0 1 0 0 0,0-1 0 0 0,1 0 0 0 0,4-3 0 0 0,0-1 0 0 0,2-1 0 0 0,-2 1 0 0 0,1 1 0 0 0,2-1 0 0 0,-2-1 0 0 0,2 1 0 0 0,-2 2 0 0 0,0-1 0 0 0,0 1 0 0 0,-1 0 0 0 0,0 2 0 0 0,-1-1 0 0 0,0 1 0 0 0,1-1 0 0 0,-1 1 0 0 0,0 0 0 0 0,2 2 0 0 0,0-2 0 0 0,2 2 0 0 0,4-2 0 0 0,1 1 0 0 0,1-1 0 0 0,5 1 0 0 0,-1 1 0 0 0,4 2 0 0 0,-2-1 0 0 0,5 0 0 0 0,0 2 0 0 0,1-3 0 0 0,3 1 0 0 0,1-4 0 0 0,2 1 0 0 0,0-1 0 0 0,0 1 0 0 0,0 2 0 0 0,0 0 0 0 0,0-2 0 0 0,9 4 0 0 0,3 2 0 0 0</inkml:trace>
-</inkml:ink>
-</file>
-
-<file path=ppt/ink/ink32.xml><?xml version="1.0" encoding="utf-8"?>
-<inkml:ink xmlns:inkml="http://www.w3.org/2003/InkML">
-  <inkml:definitions>
-    <inkml:context xml:id="ctx0">
-      <inkml:inkSource xml:id="inkSrc0">
-        <inkml:traceFormat>
-          <inkml:channel name="X" type="integer" min="-2.14748E9" max="2.14748E9" units="cm"/>
-          <inkml:channel name="Y" type="integer" min="-2.14748E9" max="2.14748E9" units="cm"/>
-          <inkml:channel name="F" type="integer" max="32767" units="dev"/>
-          <inkml:channel name="OA" type="integer" max="360" units="deg"/>
-          <inkml:channel name="OE" type="integer" max="90" units="deg"/>
-        </inkml:traceFormat>
-        <inkml:channelProperties>
-          <inkml:channelProperty channel="X" name="resolution" value="1000" units="1/cm"/>
-          <inkml:channelProperty channel="Y" name="resolution" value="1000" units="1/cm"/>
-          <inkml:channelProperty channel="F" name="resolution" value="0" units="1/dev"/>
-          <inkml:channelProperty channel="OA" name="resolution" value="1000" units="1/deg"/>
-          <inkml:channelProperty channel="OE" name="resolution" value="1000" units="1/deg"/>
-        </inkml:channelProperties>
-      </inkml:inkSource>
-      <inkml:timestamp xml:id="ts0" timeString="2020-04-28T02:50:02.913"/>
-    </inkml:context>
-    <inkml:brush xml:id="br0">
-      <inkml:brushProperty name="width" value="0.35278" units="cm"/>
-      <inkml:brushProperty name="height" value="0.35278" units="cm"/>
-      <inkml:brushProperty name="color" value="#5080DC"/>
-      <inkml:brushProperty name="inkEffects" value="pencil"/>
-    </inkml:brush>
-  </inkml:definitions>
-  <inkml:trace contextRef="#ctx0" brushRef="#br0">222 49 12123 180000 90000,'-56'19'0'0'0,"5"0"0"0"0,31-9 0 0 0,-3 6 0 0 0,3 0 0 0 0,0 7 0 0 0,6-5 0 0 0,3 9 0 0 0,5-5 0 0 0,6 5 0 0 0,3-3 0 0 0,7 1 0 0 0,8 2 0 0 0,6-9 0 0 0,4 2 0 0 0,0-12 0 0 0,-1-4 0 0 0,-8-2 0 0 0,6-2 0 0 0,-7 0 0 0 0,7 0 0 0 0,-1 0 0 0 0,-3-6 0 0 0,-4-2 0 0 0,3-6 0 0 0,-2 0 0 0 0,-1 1 0 0 0,3 2 0 0 0,-2-2 0 0 0,0 2 0 0 0,2-3 0 0 0,-9 0 0 0 0,2 1 0 0 0,-9-1 0 0 0,2 0 0 0 0,-5 0 0 0 0,2 0 0 0 0,-3-3 0 0 0,0 3 0 0 0,0-3 0 0 0,0 3 0 0 0,0 3 0 0 0,0-2 0 0 0,0 6 0 0 0,-9-6 0 0 0,4 2 0 0 0,-12-3 0 0 0,7 0 0 0 0,-4 3 0 0 0,0-2 0 0 0,0 9 0 0 0,0-5 0 0 0,-3 8 0 0 0,3-2 0 0 0,-6 3 0 0 0,2 0 0 0 0,-2 0 0 0 0,-1 3 0 0 0,3 4 0 0 0,-2 3 0 0 0,6 4 0 0 0,-3 0 0 0 0,3-3 0 0 0,6 2 0 0 0,-1-5 0 0 0,8 1 0 0 0,-2-2 0 0 0,0 0 0 0 0,-1 0 0 0 0</inkml:trace>
-</inkml:ink>
-</file>
-
-<file path=ppt/ink/ink33.xml><?xml version="1.0" encoding="utf-8"?>
-<inkml:ink xmlns:inkml="http://www.w3.org/2003/InkML">
-  <inkml:definitions>
-    <inkml:context xml:id="ctx0">
-      <inkml:inkSource xml:id="inkSrc0">
-        <inkml:traceFormat>
-          <inkml:channel name="X" type="integer" min="-2.14748E9" max="2.14748E9" units="cm"/>
-          <inkml:channel name="Y" type="integer" min="-2.14748E9" max="2.14748E9" units="cm"/>
-          <inkml:channel name="F" type="integer" max="32767" units="dev"/>
-          <inkml:channel name="OA" type="integer" max="360" units="deg"/>
-          <inkml:channel name="OE" type="integer" max="90" units="deg"/>
-        </inkml:traceFormat>
-        <inkml:channelProperties>
-          <inkml:channelProperty channel="X" name="resolution" value="1000" units="1/cm"/>
-          <inkml:channelProperty channel="Y" name="resolution" value="1000" units="1/cm"/>
-          <inkml:channelProperty channel="F" name="resolution" value="0" units="1/dev"/>
-          <inkml:channelProperty channel="OA" name="resolution" value="1000" units="1/deg"/>
-          <inkml:channelProperty channel="OE" name="resolution" value="1000" units="1/deg"/>
-        </inkml:channelProperties>
-      </inkml:inkSource>
       <inkml:timestamp xml:id="ts0" timeString="2020-04-28T02:50:34.096"/>
     </inkml:context>
     <inkml:brush xml:id="br0">
@@ -1191,7 +1098,7 @@
 </inkml:ink>
 </file>
 
-<file path=ppt/ink/ink34.xml><?xml version="1.0" encoding="utf-8"?>
+<file path=ppt/ink/ink31.xml><?xml version="1.0" encoding="utf-8"?>
 <inkml:ink xmlns:inkml="http://www.w3.org/2003/InkML">
   <inkml:definitions>
     <inkml:context xml:id="ctx0">
@@ -1224,7 +1131,7 @@
 </inkml:ink>
 </file>
 
-<file path=ppt/ink/ink35.xml><?xml version="1.0" encoding="utf-8"?>
+<file path=ppt/ink/ink32.xml><?xml version="1.0" encoding="utf-8"?>
 <inkml:ink xmlns:inkml="http://www.w3.org/2003/InkML">
   <inkml:definitions>
     <inkml:context xml:id="ctx0">
@@ -1257,7 +1164,7 @@
 </inkml:ink>
 </file>
 
-<file path=ppt/ink/ink36.xml><?xml version="1.0" encoding="utf-8"?>
+<file path=ppt/ink/ink33.xml><?xml version="1.0" encoding="utf-8"?>
 <inkml:ink xmlns:inkml="http://www.w3.org/2003/InkML">
   <inkml:definitions>
     <inkml:context xml:id="ctx0">
@@ -1290,7 +1197,7 @@
 </inkml:ink>
 </file>
 
-<file path=ppt/ink/ink37.xml><?xml version="1.0" encoding="utf-8"?>
+<file path=ppt/ink/ink34.xml><?xml version="1.0" encoding="utf-8"?>
 <inkml:ink xmlns:inkml="http://www.w3.org/2003/InkML">
   <inkml:definitions>
     <inkml:context xml:id="ctx0">
@@ -1323,7 +1230,7 @@
 </inkml:ink>
 </file>
 
-<file path=ppt/ink/ink38.xml><?xml version="1.0" encoding="utf-8"?>
+<file path=ppt/ink/ink35.xml><?xml version="1.0" encoding="utf-8"?>
 <inkml:ink xmlns:inkml="http://www.w3.org/2003/InkML">
   <inkml:definitions>
     <inkml:context xml:id="ctx0">
@@ -1356,7 +1263,7 @@
 </inkml:ink>
 </file>
 
-<file path=ppt/ink/ink39.xml><?xml version="1.0" encoding="utf-8"?>
+<file path=ppt/ink/ink36.xml><?xml version="1.0" encoding="utf-8"?>
 <inkml:ink xmlns:inkml="http://www.w3.org/2003/InkML">
   <inkml:definitions>
     <inkml:context xml:id="ctx0">
@@ -1386,6 +1293,105 @@
     </inkml:brush>
   </inkml:definitions>
   <inkml:trace contextRef="#ctx0" brushRef="#br0">105 1 12123 180000 90000,'-14'80'0'0'0,"1"-1"0"0"0,-9 54 0 0 0,18-83 0 0 0,-1 9 0 0 0,1 20 0 0 0,-4 9 0 0 0,0 8 0 0 0,0 6 0 0 0,-1-2 0 0 0,0 4 0 0 0</inkml:trace>
+</inkml:ink>
+</file>
+
+<file path=ppt/ink/ink37.xml><?xml version="1.0" encoding="utf-8"?>
+<inkml:ink xmlns:inkml="http://www.w3.org/2003/InkML">
+  <inkml:definitions>
+    <inkml:context xml:id="ctx0">
+      <inkml:inkSource xml:id="inkSrc0">
+        <inkml:traceFormat>
+          <inkml:channel name="X" type="integer" min="-2.14748E9" max="2.14748E9" units="cm"/>
+          <inkml:channel name="Y" type="integer" min="-2.14748E9" max="2.14748E9" units="cm"/>
+          <inkml:channel name="F" type="integer" max="32767" units="dev"/>
+          <inkml:channel name="OA" type="integer" max="360" units="deg"/>
+          <inkml:channel name="OE" type="integer" max="90" units="deg"/>
+        </inkml:traceFormat>
+        <inkml:channelProperties>
+          <inkml:channelProperty channel="X" name="resolution" value="1000" units="1/cm"/>
+          <inkml:channelProperty channel="Y" name="resolution" value="1000" units="1/cm"/>
+          <inkml:channelProperty channel="F" name="resolution" value="0" units="1/dev"/>
+          <inkml:channelProperty channel="OA" name="resolution" value="1000" units="1/deg"/>
+          <inkml:channelProperty channel="OE" name="resolution" value="1000" units="1/deg"/>
+        </inkml:channelProperties>
+      </inkml:inkSource>
+      <inkml:timestamp xml:id="ts0" timeString="2020-04-25T21:17:50.244"/>
+    </inkml:context>
+    <inkml:brush xml:id="br0">
+      <inkml:brushProperty name="width" value="0.35278" units="cm"/>
+      <inkml:brushProperty name="height" value="0.35278" units="cm"/>
+      <inkml:brushProperty name="color" value="#5F79E0"/>
+      <inkml:brushProperty name="inkEffects" value="pencil"/>
+    </inkml:brush>
+  </inkml:definitions>
+  <inkml:trace contextRef="#ctx0" brushRef="#br0">25 1079 12123 180000 90000,'-6'76'0'0'0,"1"-6"0"0"0,0-13 0 0 0,1-11 0 0 0,2-12 0 0 0,0-10 0 0 0,2-17 0 0 0,0-31 0 0 0,2-29 0 0 0,2-16 0 0 0,8-19 0 0 0,4-8 0 0 0,7-5 0 0 0,3-5 0 0 0,3 5 0 0 0,0 9 0 0 0,-1 11 0 0 0,3 6 0 0 0,-1 17 0 0 0,0-4 0 0 0,6 5 0 0 0,-6 9 0 0 0,4 2 0 0 0,-8 12 0 0 0,13-13 0 0 0,-9 15 0 0 0,-1 4 0 0 0,0 4 0 0 0,1-2 0 0 0,-3 6 0 0 0,-2 7 0 0 0,-4 6 0 0 0,1 3 0 0 0,-3 4 0 0 0,-2 13 0 0 0,-5 7 0 0 0,-2 7 0 0 0,-4 6 0 0 0,0 4 0 0 0,0 5 0 0 0,0 6 0 0 0,0 8 0 0 0,1-5 0 0 0,-1 12 0 0 0,-3-7 0 0 0,-1 17 0 0 0,-1-11 0 0 0,-1 11 0 0 0,0-4 0 0 0,0 4 0 0 0,0-11 0 0 0,0 1 0 0 0,0-3 0 0 0,0-7 0 0 0,0 0 0 0 0,0-7 0 0 0,0 3 0 0 0,0-9 0 0 0,0 0 0 0 0,0-1 0 0 0,-6-9 0 0 0,-1 4 0 0 0</inkml:trace>
+</inkml:ink>
+</file>
+
+<file path=ppt/ink/ink38.xml><?xml version="1.0" encoding="utf-8"?>
+<inkml:ink xmlns:inkml="http://www.w3.org/2003/InkML">
+  <inkml:definitions>
+    <inkml:context xml:id="ctx0">
+      <inkml:inkSource xml:id="inkSrc0">
+        <inkml:traceFormat>
+          <inkml:channel name="X" type="integer" min="-2.14748E9" max="2.14748E9" units="cm"/>
+          <inkml:channel name="Y" type="integer" min="-2.14748E9" max="2.14748E9" units="cm"/>
+          <inkml:channel name="F" type="integer" max="32767" units="dev"/>
+          <inkml:channel name="OA" type="integer" max="360" units="deg"/>
+          <inkml:channel name="OE" type="integer" max="90" units="deg"/>
+        </inkml:traceFormat>
+        <inkml:channelProperties>
+          <inkml:channelProperty channel="X" name="resolution" value="1000" units="1/cm"/>
+          <inkml:channelProperty channel="Y" name="resolution" value="1000" units="1/cm"/>
+          <inkml:channelProperty channel="F" name="resolution" value="0" units="1/dev"/>
+          <inkml:channelProperty channel="OA" name="resolution" value="1000" units="1/deg"/>
+          <inkml:channelProperty channel="OE" name="resolution" value="1000" units="1/deg"/>
+        </inkml:channelProperties>
+      </inkml:inkSource>
+      <inkml:timestamp xml:id="ts0" timeString="2020-04-25T21:17:51.151"/>
+    </inkml:context>
+    <inkml:brush xml:id="br0">
+      <inkml:brushProperty name="width" value="0.35278" units="cm"/>
+      <inkml:brushProperty name="height" value="0.35278" units="cm"/>
+      <inkml:brushProperty name="color" value="#5F79E0"/>
+      <inkml:brushProperty name="inkEffects" value="pencil"/>
+    </inkml:brush>
+  </inkml:definitions>
+  <inkml:trace contextRef="#ctx0" brushRef="#br0">159 1059 12123 180000 90000,'52'-99'0'0'0,"0"5"0"0"0,-20 38 0 0 0,4 1 0 0 0,0-1 0 0 0,1 2 0 0 0,-5 2 0 0 0,4-1 0 0 0,-10 7 0 0 0,2-3 0 0 0,-4 0 0 0 0,-5 0 0 0 0,-5 3 0 0 0,-4 3 0 0 0,-4 7 0 0 0,-2-3 0 0 0,-3 2 0 0 0,-5-2 0 0 0,-4 6 0 0 0,-8 11 0 0 0,-2 4 0 0 0,-5 4 0 0 0,1 5 0 0 0,-4 2 0 0 0,-2 3 0 0 0,-1 4 0 0 0,-2 0 0 0 0,2 0 0 0 0,-4 0 0 0 0,4 7 0 0 0,1 6 0 0 0,1 7 0 0 0,-1 9 0 0 0,3 3 0 0 0,-1 4 0 0 0,5 1 0 0 0,-3 12 0 0 0,6 1 0 0 0,-3 12 0 0 0,5 9 0 0 0,4 4 0 0 0,0 13 0 0 0,-1 11 0 0 0,4 5 0 0 0,1 5 0 0 0,1-20 0 0 0,1-7 0 0 0,2-12 0 0 0,2 0 0 0 0,2-11 0 0 0,0-9 0 0 0,0-11 0 0 0,2-3 0 0 0,9-15 0 0 0,7 2 0 0 0,8-5 0 0 0,9-5 0 0 0,4-1 0 0 0,1-5 0 0 0,7-3 0 0 0,2-4 0 0 0,-3 0 0 0 0,-1 0 0 0 0,5 0 0 0 0,3-13 0 0 0,5-3 0 0 0</inkml:trace>
+</inkml:ink>
+</file>
+
+<file path=ppt/ink/ink39.xml><?xml version="1.0" encoding="utf-8"?>
+<inkml:ink xmlns:inkml="http://www.w3.org/2003/InkML">
+  <inkml:definitions>
+    <inkml:context xml:id="ctx0">
+      <inkml:inkSource xml:id="inkSrc0">
+        <inkml:traceFormat>
+          <inkml:channel name="X" type="integer" min="-2.14748E9" max="2.14748E9" units="cm"/>
+          <inkml:channel name="Y" type="integer" min="-2.14748E9" max="2.14748E9" units="cm"/>
+          <inkml:channel name="F" type="integer" max="32767" units="dev"/>
+          <inkml:channel name="OA" type="integer" max="360" units="deg"/>
+          <inkml:channel name="OE" type="integer" max="90" units="deg"/>
+        </inkml:traceFormat>
+        <inkml:channelProperties>
+          <inkml:channelProperty channel="X" name="resolution" value="1000" units="1/cm"/>
+          <inkml:channelProperty channel="Y" name="resolution" value="1000" units="1/cm"/>
+          <inkml:channelProperty channel="F" name="resolution" value="0" units="1/dev"/>
+          <inkml:channelProperty channel="OA" name="resolution" value="1000" units="1/deg"/>
+          <inkml:channelProperty channel="OE" name="resolution" value="1000" units="1/deg"/>
+        </inkml:channelProperties>
+      </inkml:inkSource>
+      <inkml:timestamp xml:id="ts0" timeString="2020-04-25T21:17:51.729"/>
+    </inkml:context>
+    <inkml:brush xml:id="br0">
+      <inkml:brushProperty name="width" value="0.35278" units="cm"/>
+      <inkml:brushProperty name="height" value="0.35278" units="cm"/>
+      <inkml:brushProperty name="color" value="#5F79E0"/>
+      <inkml:brushProperty name="inkEffects" value="pencil"/>
+    </inkml:brush>
+  </inkml:definitions>
+  <inkml:trace contextRef="#ctx0" brushRef="#br0">159 0 12123 180000 90000,'-24'83'0'0'0,"1"-1"0"0"0,-1-6 0 0 0,7-10 0 0 0,13-16 0 0 0,-2 7 0 0 0,-2 9 0 0 0,0 17 0 0 0,-2 26 0 0 0,3 2 0 0 0,-2 8 0 0 0,3 2 0 0 0,-1-37 0 0 0,1 7 0 0 0</inkml:trace>
 </inkml:ink>
 </file>
 
@@ -1442,105 +1448,6 @@
           <inkml:channelProperty channel="OE" name="resolution" value="1000" units="1/deg"/>
         </inkml:channelProperties>
       </inkml:inkSource>
-      <inkml:timestamp xml:id="ts0" timeString="2020-04-25T21:17:50.244"/>
-    </inkml:context>
-    <inkml:brush xml:id="br0">
-      <inkml:brushProperty name="width" value="0.35278" units="cm"/>
-      <inkml:brushProperty name="height" value="0.35278" units="cm"/>
-      <inkml:brushProperty name="color" value="#5F79E0"/>
-      <inkml:brushProperty name="inkEffects" value="pencil"/>
-    </inkml:brush>
-  </inkml:definitions>
-  <inkml:trace contextRef="#ctx0" brushRef="#br0">25 1079 12123 180000 90000,'-6'76'0'0'0,"1"-6"0"0"0,0-13 0 0 0,1-11 0 0 0,2-12 0 0 0,0-10 0 0 0,2-17 0 0 0,0-31 0 0 0,2-29 0 0 0,2-16 0 0 0,8-19 0 0 0,4-8 0 0 0,7-5 0 0 0,3-5 0 0 0,3 5 0 0 0,0 9 0 0 0,-1 11 0 0 0,3 6 0 0 0,-1 17 0 0 0,0-4 0 0 0,6 5 0 0 0,-6 9 0 0 0,4 2 0 0 0,-8 12 0 0 0,13-13 0 0 0,-9 15 0 0 0,-1 4 0 0 0,0 4 0 0 0,1-2 0 0 0,-3 6 0 0 0,-2 7 0 0 0,-4 6 0 0 0,1 3 0 0 0,-3 4 0 0 0,-2 13 0 0 0,-5 7 0 0 0,-2 7 0 0 0,-4 6 0 0 0,0 4 0 0 0,0 5 0 0 0,0 6 0 0 0,0 8 0 0 0,1-5 0 0 0,-1 12 0 0 0,-3-7 0 0 0,-1 17 0 0 0,-1-11 0 0 0,-1 11 0 0 0,0-4 0 0 0,0 4 0 0 0,0-11 0 0 0,0 1 0 0 0,0-3 0 0 0,0-7 0 0 0,0 0 0 0 0,0-7 0 0 0,0 3 0 0 0,0-9 0 0 0,0 0 0 0 0,0-1 0 0 0,-6-9 0 0 0,-1 4 0 0 0</inkml:trace>
-</inkml:ink>
-</file>
-
-<file path=ppt/ink/ink41.xml><?xml version="1.0" encoding="utf-8"?>
-<inkml:ink xmlns:inkml="http://www.w3.org/2003/InkML">
-  <inkml:definitions>
-    <inkml:context xml:id="ctx0">
-      <inkml:inkSource xml:id="inkSrc0">
-        <inkml:traceFormat>
-          <inkml:channel name="X" type="integer" min="-2.14748E9" max="2.14748E9" units="cm"/>
-          <inkml:channel name="Y" type="integer" min="-2.14748E9" max="2.14748E9" units="cm"/>
-          <inkml:channel name="F" type="integer" max="32767" units="dev"/>
-          <inkml:channel name="OA" type="integer" max="360" units="deg"/>
-          <inkml:channel name="OE" type="integer" max="90" units="deg"/>
-        </inkml:traceFormat>
-        <inkml:channelProperties>
-          <inkml:channelProperty channel="X" name="resolution" value="1000" units="1/cm"/>
-          <inkml:channelProperty channel="Y" name="resolution" value="1000" units="1/cm"/>
-          <inkml:channelProperty channel="F" name="resolution" value="0" units="1/dev"/>
-          <inkml:channelProperty channel="OA" name="resolution" value="1000" units="1/deg"/>
-          <inkml:channelProperty channel="OE" name="resolution" value="1000" units="1/deg"/>
-        </inkml:channelProperties>
-      </inkml:inkSource>
-      <inkml:timestamp xml:id="ts0" timeString="2020-04-25T21:17:51.151"/>
-    </inkml:context>
-    <inkml:brush xml:id="br0">
-      <inkml:brushProperty name="width" value="0.35278" units="cm"/>
-      <inkml:brushProperty name="height" value="0.35278" units="cm"/>
-      <inkml:brushProperty name="color" value="#5F79E0"/>
-      <inkml:brushProperty name="inkEffects" value="pencil"/>
-    </inkml:brush>
-  </inkml:definitions>
-  <inkml:trace contextRef="#ctx0" brushRef="#br0">159 1059 12123 180000 90000,'52'-99'0'0'0,"0"5"0"0"0,-20 38 0 0 0,4 1 0 0 0,0-1 0 0 0,1 2 0 0 0,-5 2 0 0 0,4-1 0 0 0,-10 7 0 0 0,2-3 0 0 0,-4 0 0 0 0,-5 0 0 0 0,-5 3 0 0 0,-4 3 0 0 0,-4 7 0 0 0,-2-3 0 0 0,-3 2 0 0 0,-5-2 0 0 0,-4 6 0 0 0,-8 11 0 0 0,-2 4 0 0 0,-5 4 0 0 0,1 5 0 0 0,-4 2 0 0 0,-2 3 0 0 0,-1 4 0 0 0,-2 0 0 0 0,2 0 0 0 0,-4 0 0 0 0,4 7 0 0 0,1 6 0 0 0,1 7 0 0 0,-1 9 0 0 0,3 3 0 0 0,-1 4 0 0 0,5 1 0 0 0,-3 12 0 0 0,6 1 0 0 0,-3 12 0 0 0,5 9 0 0 0,4 4 0 0 0,0 13 0 0 0,-1 11 0 0 0,4 5 0 0 0,1 5 0 0 0,1-20 0 0 0,1-7 0 0 0,2-12 0 0 0,2 0 0 0 0,2-11 0 0 0,0-9 0 0 0,0-11 0 0 0,2-3 0 0 0,9-15 0 0 0,7 2 0 0 0,8-5 0 0 0,9-5 0 0 0,4-1 0 0 0,1-5 0 0 0,7-3 0 0 0,2-4 0 0 0,-3 0 0 0 0,-1 0 0 0 0,5 0 0 0 0,3-13 0 0 0,5-3 0 0 0</inkml:trace>
-</inkml:ink>
-</file>
-
-<file path=ppt/ink/ink42.xml><?xml version="1.0" encoding="utf-8"?>
-<inkml:ink xmlns:inkml="http://www.w3.org/2003/InkML">
-  <inkml:definitions>
-    <inkml:context xml:id="ctx0">
-      <inkml:inkSource xml:id="inkSrc0">
-        <inkml:traceFormat>
-          <inkml:channel name="X" type="integer" min="-2.14748E9" max="2.14748E9" units="cm"/>
-          <inkml:channel name="Y" type="integer" min="-2.14748E9" max="2.14748E9" units="cm"/>
-          <inkml:channel name="F" type="integer" max="32767" units="dev"/>
-          <inkml:channel name="OA" type="integer" max="360" units="deg"/>
-          <inkml:channel name="OE" type="integer" max="90" units="deg"/>
-        </inkml:traceFormat>
-        <inkml:channelProperties>
-          <inkml:channelProperty channel="X" name="resolution" value="1000" units="1/cm"/>
-          <inkml:channelProperty channel="Y" name="resolution" value="1000" units="1/cm"/>
-          <inkml:channelProperty channel="F" name="resolution" value="0" units="1/dev"/>
-          <inkml:channelProperty channel="OA" name="resolution" value="1000" units="1/deg"/>
-          <inkml:channelProperty channel="OE" name="resolution" value="1000" units="1/deg"/>
-        </inkml:channelProperties>
-      </inkml:inkSource>
-      <inkml:timestamp xml:id="ts0" timeString="2020-04-25T21:17:51.729"/>
-    </inkml:context>
-    <inkml:brush xml:id="br0">
-      <inkml:brushProperty name="width" value="0.35278" units="cm"/>
-      <inkml:brushProperty name="height" value="0.35278" units="cm"/>
-      <inkml:brushProperty name="color" value="#5F79E0"/>
-      <inkml:brushProperty name="inkEffects" value="pencil"/>
-    </inkml:brush>
-  </inkml:definitions>
-  <inkml:trace contextRef="#ctx0" brushRef="#br0">159 0 12123 180000 90000,'-24'83'0'0'0,"1"-1"0"0"0,-1-6 0 0 0,7-10 0 0 0,13-16 0 0 0,-2 7 0 0 0,-2 9 0 0 0,0 17 0 0 0,-2 26 0 0 0,3 2 0 0 0,-2 8 0 0 0,3 2 0 0 0,-1-37 0 0 0,1 7 0 0 0</inkml:trace>
-</inkml:ink>
-</file>
-
-<file path=ppt/ink/ink43.xml><?xml version="1.0" encoding="utf-8"?>
-<inkml:ink xmlns:inkml="http://www.w3.org/2003/InkML">
-  <inkml:definitions>
-    <inkml:context xml:id="ctx0">
-      <inkml:inkSource xml:id="inkSrc0">
-        <inkml:traceFormat>
-          <inkml:channel name="X" type="integer" min="-2.14748E9" max="2.14748E9" units="cm"/>
-          <inkml:channel name="Y" type="integer" min="-2.14748E9" max="2.14748E9" units="cm"/>
-          <inkml:channel name="F" type="integer" max="32767" units="dev"/>
-          <inkml:channel name="OA" type="integer" max="360" units="deg"/>
-          <inkml:channel name="OE" type="integer" max="90" units="deg"/>
-        </inkml:traceFormat>
-        <inkml:channelProperties>
-          <inkml:channelProperty channel="X" name="resolution" value="1000" units="1/cm"/>
-          <inkml:channelProperty channel="Y" name="resolution" value="1000" units="1/cm"/>
-          <inkml:channelProperty channel="F" name="resolution" value="0" units="1/dev"/>
-          <inkml:channelProperty channel="OA" name="resolution" value="1000" units="1/deg"/>
-          <inkml:channelProperty channel="OE" name="resolution" value="1000" units="1/deg"/>
-        </inkml:channelProperties>
-      </inkml:inkSource>
       <inkml:timestamp xml:id="ts0" timeString="2020-04-25T21:17:52.580"/>
     </inkml:context>
     <inkml:brush xml:id="br0">
@@ -1554,7 +1461,7 @@
 </inkml:ink>
 </file>
 
-<file path=ppt/ink/ink44.xml><?xml version="1.0" encoding="utf-8"?>
+<file path=ppt/ink/ink41.xml><?xml version="1.0" encoding="utf-8"?>
 <inkml:ink xmlns:inkml="http://www.w3.org/2003/InkML">
   <inkml:definitions>
     <inkml:context xml:id="ctx0">
@@ -1587,7 +1494,7 @@
 </inkml:ink>
 </file>
 
-<file path=ppt/ink/ink45.xml><?xml version="1.0" encoding="utf-8"?>
+<file path=ppt/ink/ink42.xml><?xml version="1.0" encoding="utf-8"?>
 <inkml:ink xmlns:inkml="http://www.w3.org/2003/InkML">
   <inkml:definitions>
     <inkml:context xml:id="ctx0">
@@ -1620,7 +1527,7 @@
 </inkml:ink>
 </file>
 
-<file path=ppt/ink/ink46.xml><?xml version="1.0" encoding="utf-8"?>
+<file path=ppt/ink/ink43.xml><?xml version="1.0" encoding="utf-8"?>
 <inkml:ink xmlns:inkml="http://www.w3.org/2003/InkML">
   <inkml:definitions>
     <inkml:context xml:id="ctx0">
@@ -1653,7 +1560,7 @@
 </inkml:ink>
 </file>
 
-<file path=ppt/ink/ink47.xml><?xml version="1.0" encoding="utf-8"?>
+<file path=ppt/ink/ink44.xml><?xml version="1.0" encoding="utf-8"?>
 <inkml:ink xmlns:inkml="http://www.w3.org/2003/InkML">
   <inkml:definitions>
     <inkml:context xml:id="ctx0">
@@ -1686,7 +1593,7 @@
 </inkml:ink>
 </file>
 
-<file path=ppt/ink/ink48.xml><?xml version="1.0" encoding="utf-8"?>
+<file path=ppt/ink/ink45.xml><?xml version="1.0" encoding="utf-8"?>
 <inkml:ink xmlns:inkml="http://www.w3.org/2003/InkML">
   <inkml:definitions>
     <inkml:context xml:id="ctx0">
@@ -1719,7 +1626,7 @@
 </inkml:ink>
 </file>
 
-<file path=ppt/ink/ink49.xml><?xml version="1.0" encoding="utf-8"?>
+<file path=ppt/ink/ink46.xml><?xml version="1.0" encoding="utf-8"?>
 <inkml:ink xmlns:inkml="http://www.w3.org/2003/InkML">
   <inkml:definitions>
     <inkml:context xml:id="ctx0">
@@ -1749,6 +1656,105 @@
     </inkml:brush>
   </inkml:definitions>
   <inkml:trace contextRef="#ctx0" brushRef="#br0">128 0 12123 180000 90000,'-8'59'0'0'0,"-2"1"0"0"0,-2 0 0 0 0,0-5 0 0 0,0-6 0 0 0,2-10 0 0 0,-4 0 0 0 0,4-13 0 0 0,-11-2 0 0 0,2-9 0 0 0</inkml:trace>
+</inkml:ink>
+</file>
+
+<file path=ppt/ink/ink47.xml><?xml version="1.0" encoding="utf-8"?>
+<inkml:ink xmlns:inkml="http://www.w3.org/2003/InkML">
+  <inkml:definitions>
+    <inkml:context xml:id="ctx0">
+      <inkml:inkSource xml:id="inkSrc0">
+        <inkml:traceFormat>
+          <inkml:channel name="X" type="integer" min="-2.14748E9" max="2.14748E9" units="cm"/>
+          <inkml:channel name="Y" type="integer" min="-2.14748E9" max="2.14748E9" units="cm"/>
+          <inkml:channel name="F" type="integer" max="32767" units="dev"/>
+          <inkml:channel name="OA" type="integer" max="360" units="deg"/>
+          <inkml:channel name="OE" type="integer" max="90" units="deg"/>
+        </inkml:traceFormat>
+        <inkml:channelProperties>
+          <inkml:channelProperty channel="X" name="resolution" value="1000" units="1/cm"/>
+          <inkml:channelProperty channel="Y" name="resolution" value="1000" units="1/cm"/>
+          <inkml:channelProperty channel="F" name="resolution" value="0" units="1/dev"/>
+          <inkml:channelProperty channel="OA" name="resolution" value="1000" units="1/deg"/>
+          <inkml:channelProperty channel="OE" name="resolution" value="1000" units="1/deg"/>
+        </inkml:channelProperties>
+      </inkml:inkSource>
+      <inkml:timestamp xml:id="ts0" timeString="2020-04-25T21:17:56.066"/>
+    </inkml:context>
+    <inkml:brush xml:id="br0">
+      <inkml:brushProperty name="width" value="0.35278" units="cm"/>
+      <inkml:brushProperty name="height" value="0.35278" units="cm"/>
+      <inkml:brushProperty name="color" value="#5F79E0"/>
+      <inkml:brushProperty name="inkEffects" value="pencil"/>
+    </inkml:brush>
+  </inkml:definitions>
+  <inkml:trace contextRef="#ctx0" brushRef="#br0">971 189 12123 180000 90000,'-76'-80'0'0'0,"15"24"0"0"0,12 29 0 0 0,12 17 0 0 0,-2 2 0 0 0,-4 4 0 0 0,-3 1 0 0 0,-1 3 0 0 0,4 1 0 0 0,-2 4 0 0 0,-1 4 0 0 0,0 10 0 0 0,5 8 0 0 0,3 9 0 0 0,0 3 0 0 0,0 12 0 0 0,2 2 0 0 0,2 5 0 0 0,1 5 0 0 0,3 5 0 0 0,1 4 0 0 0,6-1 0 0 0,7-9 0 0 0,0 15 0 0 0,5-4 0 0 0,4 8 0 0 0,4-10 0 0 0,3 2 0 0 0</inkml:trace>
+</inkml:ink>
+</file>
+
+<file path=ppt/ink/ink48.xml><?xml version="1.0" encoding="utf-8"?>
+<inkml:ink xmlns:inkml="http://www.w3.org/2003/InkML">
+  <inkml:definitions>
+    <inkml:context xml:id="ctx0">
+      <inkml:inkSource xml:id="inkSrc0">
+        <inkml:traceFormat>
+          <inkml:channel name="X" type="integer" min="-2.14748E9" max="2.14748E9" units="cm"/>
+          <inkml:channel name="Y" type="integer" min="-2.14748E9" max="2.14748E9" units="cm"/>
+          <inkml:channel name="F" type="integer" max="32767" units="dev"/>
+          <inkml:channel name="OA" type="integer" max="360" units="deg"/>
+          <inkml:channel name="OE" type="integer" max="90" units="deg"/>
+        </inkml:traceFormat>
+        <inkml:channelProperties>
+          <inkml:channelProperty channel="X" name="resolution" value="1000" units="1/cm"/>
+          <inkml:channelProperty channel="Y" name="resolution" value="1000" units="1/cm"/>
+          <inkml:channelProperty channel="F" name="resolution" value="0" units="1/dev"/>
+          <inkml:channelProperty channel="OA" name="resolution" value="1000" units="1/deg"/>
+          <inkml:channelProperty channel="OE" name="resolution" value="1000" units="1/deg"/>
+        </inkml:channelProperties>
+      </inkml:inkSource>
+      <inkml:timestamp xml:id="ts0" timeString="2020-04-25T21:17:56.181"/>
+    </inkml:context>
+    <inkml:brush xml:id="br0">
+      <inkml:brushProperty name="width" value="0.35278" units="cm"/>
+      <inkml:brushProperty name="height" value="0.35278" units="cm"/>
+      <inkml:brushProperty name="color" value="#5F79E0"/>
+      <inkml:brushProperty name="inkEffects" value="pencil"/>
+    </inkml:brush>
+  </inkml:definitions>
+  <inkml:trace contextRef="#ctx0" brushRef="#br0">1 0 12123 180000 90000,'8'54'0'0'0,"3"1"0"0"0,3 0 0 0 0,2-3 0 0 0,2-5 0 0 0,3-4 0 0 0,-2-7 0 0 0,4-4 0 0 0,-1-4 0 0 0,1-5 0 0 0,-1-2 0 0 0,9-8 0 0 0,5-6 0 0 0,5-7 0 0 0,2-10 0 0 0</inkml:trace>
+</inkml:ink>
+</file>
+
+<file path=ppt/ink/ink49.xml><?xml version="1.0" encoding="utf-8"?>
+<inkml:ink xmlns:inkml="http://www.w3.org/2003/InkML">
+  <inkml:definitions>
+    <inkml:context xml:id="ctx0">
+      <inkml:inkSource xml:id="inkSrc0">
+        <inkml:traceFormat>
+          <inkml:channel name="X" type="integer" min="-2.14748E9" max="2.14748E9" units="cm"/>
+          <inkml:channel name="Y" type="integer" min="-2.14748E9" max="2.14748E9" units="cm"/>
+          <inkml:channel name="F" type="integer" max="32767" units="dev"/>
+          <inkml:channel name="OA" type="integer" max="360" units="deg"/>
+          <inkml:channel name="OE" type="integer" max="90" units="deg"/>
+        </inkml:traceFormat>
+        <inkml:channelProperties>
+          <inkml:channelProperty channel="X" name="resolution" value="1000" units="1/cm"/>
+          <inkml:channelProperty channel="Y" name="resolution" value="1000" units="1/cm"/>
+          <inkml:channelProperty channel="F" name="resolution" value="0" units="1/dev"/>
+          <inkml:channelProperty channel="OA" name="resolution" value="1000" units="1/deg"/>
+          <inkml:channelProperty channel="OE" name="resolution" value="1000" units="1/deg"/>
+        </inkml:channelProperties>
+      </inkml:inkSource>
+      <inkml:timestamp xml:id="ts0" timeString="2020-04-25T21:17:57.015"/>
+    </inkml:context>
+    <inkml:brush xml:id="br0">
+      <inkml:brushProperty name="width" value="0.35278" units="cm"/>
+      <inkml:brushProperty name="height" value="0.35278" units="cm"/>
+      <inkml:brushProperty name="color" value="#5F79E0"/>
+      <inkml:brushProperty name="inkEffects" value="pencil"/>
+    </inkml:brush>
+  </inkml:definitions>
+  <inkml:trace contextRef="#ctx0" brushRef="#br0">646 100 12123 180000 90000,'-70'-50'0'0'0,"6"7"0"0"0,25 40 0 0 0,-2 0 0 0 0,-4 3 0 0 0,-3 0 0 0 0,-5 0 0 0 0,6 1 0 0 0,-2 2 0 0 0,14 8 0 0 0,-6 9 0 0 0,10 5 0 0 0,2 8 0 0 0,6-1 0 0 0,6 4 0 0 0,8 5 0 0 0,5 5 0 0 0,4-2 0 0 0,7-1 0 0 0,9-2 0 0 0,12-3 0 0 0,6-2 0 0 0,4-2 0 0 0,3-4 0 0 0,0 0 0 0 0,0 0 0 0 0,-4-4 0 0 0,-2 0 0 0 0,-1 1 0 0 0,0 2 0 0 0,-3 1 0 0 0,-5 0 0 0 0,-3 1 0 0 0,-3 2 0 0 0,-6-2 0 0 0,-1 6 0 0 0,-5-1 0 0 0,0 4 0 0 0,-3 5 0 0 0,-1 4 0 0 0,-3-2 0 0 0,1 6 0 0 0,-1-4 0 0 0,-1 4 0 0 0,0-3 0 0 0</inkml:trace>
 </inkml:ink>
 </file>
 
@@ -1805,105 +1811,6 @@
           <inkml:channelProperty channel="OE" name="resolution" value="1000" units="1/deg"/>
         </inkml:channelProperties>
       </inkml:inkSource>
-      <inkml:timestamp xml:id="ts0" timeString="2020-04-25T21:17:56.066"/>
-    </inkml:context>
-    <inkml:brush xml:id="br0">
-      <inkml:brushProperty name="width" value="0.35278" units="cm"/>
-      <inkml:brushProperty name="height" value="0.35278" units="cm"/>
-      <inkml:brushProperty name="color" value="#5F79E0"/>
-      <inkml:brushProperty name="inkEffects" value="pencil"/>
-    </inkml:brush>
-  </inkml:definitions>
-  <inkml:trace contextRef="#ctx0" brushRef="#br0">971 189 12123 180000 90000,'-76'-80'0'0'0,"15"24"0"0"0,12 29 0 0 0,12 17 0 0 0,-2 2 0 0 0,-4 4 0 0 0,-3 1 0 0 0,-1 3 0 0 0,4 1 0 0 0,-2 4 0 0 0,-1 4 0 0 0,0 10 0 0 0,5 8 0 0 0,3 9 0 0 0,0 3 0 0 0,0 12 0 0 0,2 2 0 0 0,2 5 0 0 0,1 5 0 0 0,3 5 0 0 0,1 4 0 0 0,6-1 0 0 0,7-9 0 0 0,0 15 0 0 0,5-4 0 0 0,4 8 0 0 0,4-10 0 0 0,3 2 0 0 0</inkml:trace>
-</inkml:ink>
-</file>
-
-<file path=ppt/ink/ink51.xml><?xml version="1.0" encoding="utf-8"?>
-<inkml:ink xmlns:inkml="http://www.w3.org/2003/InkML">
-  <inkml:definitions>
-    <inkml:context xml:id="ctx0">
-      <inkml:inkSource xml:id="inkSrc0">
-        <inkml:traceFormat>
-          <inkml:channel name="X" type="integer" min="-2.14748E9" max="2.14748E9" units="cm"/>
-          <inkml:channel name="Y" type="integer" min="-2.14748E9" max="2.14748E9" units="cm"/>
-          <inkml:channel name="F" type="integer" max="32767" units="dev"/>
-          <inkml:channel name="OA" type="integer" max="360" units="deg"/>
-          <inkml:channel name="OE" type="integer" max="90" units="deg"/>
-        </inkml:traceFormat>
-        <inkml:channelProperties>
-          <inkml:channelProperty channel="X" name="resolution" value="1000" units="1/cm"/>
-          <inkml:channelProperty channel="Y" name="resolution" value="1000" units="1/cm"/>
-          <inkml:channelProperty channel="F" name="resolution" value="0" units="1/dev"/>
-          <inkml:channelProperty channel="OA" name="resolution" value="1000" units="1/deg"/>
-          <inkml:channelProperty channel="OE" name="resolution" value="1000" units="1/deg"/>
-        </inkml:channelProperties>
-      </inkml:inkSource>
-      <inkml:timestamp xml:id="ts0" timeString="2020-04-25T21:17:56.181"/>
-    </inkml:context>
-    <inkml:brush xml:id="br0">
-      <inkml:brushProperty name="width" value="0.35278" units="cm"/>
-      <inkml:brushProperty name="height" value="0.35278" units="cm"/>
-      <inkml:brushProperty name="color" value="#5F79E0"/>
-      <inkml:brushProperty name="inkEffects" value="pencil"/>
-    </inkml:brush>
-  </inkml:definitions>
-  <inkml:trace contextRef="#ctx0" brushRef="#br0">1 0 12123 180000 90000,'8'54'0'0'0,"3"1"0"0"0,3 0 0 0 0,2-3 0 0 0,2-5 0 0 0,3-4 0 0 0,-2-7 0 0 0,4-4 0 0 0,-1-4 0 0 0,1-5 0 0 0,-1-2 0 0 0,9-8 0 0 0,5-6 0 0 0,5-7 0 0 0,2-10 0 0 0</inkml:trace>
-</inkml:ink>
-</file>
-
-<file path=ppt/ink/ink52.xml><?xml version="1.0" encoding="utf-8"?>
-<inkml:ink xmlns:inkml="http://www.w3.org/2003/InkML">
-  <inkml:definitions>
-    <inkml:context xml:id="ctx0">
-      <inkml:inkSource xml:id="inkSrc0">
-        <inkml:traceFormat>
-          <inkml:channel name="X" type="integer" min="-2.14748E9" max="2.14748E9" units="cm"/>
-          <inkml:channel name="Y" type="integer" min="-2.14748E9" max="2.14748E9" units="cm"/>
-          <inkml:channel name="F" type="integer" max="32767" units="dev"/>
-          <inkml:channel name="OA" type="integer" max="360" units="deg"/>
-          <inkml:channel name="OE" type="integer" max="90" units="deg"/>
-        </inkml:traceFormat>
-        <inkml:channelProperties>
-          <inkml:channelProperty channel="X" name="resolution" value="1000" units="1/cm"/>
-          <inkml:channelProperty channel="Y" name="resolution" value="1000" units="1/cm"/>
-          <inkml:channelProperty channel="F" name="resolution" value="0" units="1/dev"/>
-          <inkml:channelProperty channel="OA" name="resolution" value="1000" units="1/deg"/>
-          <inkml:channelProperty channel="OE" name="resolution" value="1000" units="1/deg"/>
-        </inkml:channelProperties>
-      </inkml:inkSource>
-      <inkml:timestamp xml:id="ts0" timeString="2020-04-25T21:17:57.015"/>
-    </inkml:context>
-    <inkml:brush xml:id="br0">
-      <inkml:brushProperty name="width" value="0.35278" units="cm"/>
-      <inkml:brushProperty name="height" value="0.35278" units="cm"/>
-      <inkml:brushProperty name="color" value="#5F79E0"/>
-      <inkml:brushProperty name="inkEffects" value="pencil"/>
-    </inkml:brush>
-  </inkml:definitions>
-  <inkml:trace contextRef="#ctx0" brushRef="#br0">646 100 12123 180000 90000,'-70'-50'0'0'0,"6"7"0"0"0,25 40 0 0 0,-2 0 0 0 0,-4 3 0 0 0,-3 0 0 0 0,-5 0 0 0 0,6 1 0 0 0,-2 2 0 0 0,14 8 0 0 0,-6 9 0 0 0,10 5 0 0 0,2 8 0 0 0,6-1 0 0 0,6 4 0 0 0,8 5 0 0 0,5 5 0 0 0,4-2 0 0 0,7-1 0 0 0,9-2 0 0 0,12-3 0 0 0,6-2 0 0 0,4-2 0 0 0,3-4 0 0 0,0 0 0 0 0,0 0 0 0 0,-4-4 0 0 0,-2 0 0 0 0,-1 1 0 0 0,0 2 0 0 0,-3 1 0 0 0,-5 0 0 0 0,-3 1 0 0 0,-3 2 0 0 0,-6-2 0 0 0,-1 6 0 0 0,-5-1 0 0 0,0 4 0 0 0,-3 5 0 0 0,-1 4 0 0 0,-3-2 0 0 0,1 6 0 0 0,-1-4 0 0 0,-1 4 0 0 0,0-3 0 0 0</inkml:trace>
-</inkml:ink>
-</file>
-
-<file path=ppt/ink/ink53.xml><?xml version="1.0" encoding="utf-8"?>
-<inkml:ink xmlns:inkml="http://www.w3.org/2003/InkML">
-  <inkml:definitions>
-    <inkml:context xml:id="ctx0">
-      <inkml:inkSource xml:id="inkSrc0">
-        <inkml:traceFormat>
-          <inkml:channel name="X" type="integer" min="-2.14748E9" max="2.14748E9" units="cm"/>
-          <inkml:channel name="Y" type="integer" min="-2.14748E9" max="2.14748E9" units="cm"/>
-          <inkml:channel name="F" type="integer" max="32767" units="dev"/>
-          <inkml:channel name="OA" type="integer" max="360" units="deg"/>
-          <inkml:channel name="OE" type="integer" max="90" units="deg"/>
-        </inkml:traceFormat>
-        <inkml:channelProperties>
-          <inkml:channelProperty channel="X" name="resolution" value="1000" units="1/cm"/>
-          <inkml:channelProperty channel="Y" name="resolution" value="1000" units="1/cm"/>
-          <inkml:channelProperty channel="F" name="resolution" value="0" units="1/dev"/>
-          <inkml:channelProperty channel="OA" name="resolution" value="1000" units="1/deg"/>
-          <inkml:channelProperty channel="OE" name="resolution" value="1000" units="1/deg"/>
-        </inkml:channelProperties>
-      </inkml:inkSource>
       <inkml:timestamp xml:id="ts0" timeString="2020-04-25T21:17:57.256"/>
     </inkml:context>
     <inkml:brush xml:id="br0">
@@ -1917,7 +1824,7 @@
 </inkml:ink>
 </file>
 
-<file path=ppt/ink/ink54.xml><?xml version="1.0" encoding="utf-8"?>
+<file path=ppt/ink/ink51.xml><?xml version="1.0" encoding="utf-8"?>
 <inkml:ink xmlns:inkml="http://www.w3.org/2003/InkML">
   <inkml:definitions>
     <inkml:context xml:id="ctx0">
@@ -1950,7 +1857,7 @@
 </inkml:ink>
 </file>
 
-<file path=ppt/ink/ink55.xml><?xml version="1.0" encoding="utf-8"?>
+<file path=ppt/ink/ink52.xml><?xml version="1.0" encoding="utf-8"?>
 <inkml:ink xmlns:inkml="http://www.w3.org/2003/InkML">
   <inkml:definitions>
     <inkml:context xml:id="ctx0">
@@ -1983,7 +1890,7 @@
 </inkml:ink>
 </file>
 
-<file path=ppt/ink/ink56.xml><?xml version="1.0" encoding="utf-8"?>
+<file path=ppt/ink/ink53.xml><?xml version="1.0" encoding="utf-8"?>
 <inkml:ink xmlns:inkml="http://www.w3.org/2003/InkML">
   <inkml:definitions>
     <inkml:context xml:id="ctx0">
@@ -2016,7 +1923,7 @@
 </inkml:ink>
 </file>
 
-<file path=ppt/ink/ink57.xml><?xml version="1.0" encoding="utf-8"?>
+<file path=ppt/ink/ink54.xml><?xml version="1.0" encoding="utf-8"?>
 <inkml:ink xmlns:inkml="http://www.w3.org/2003/InkML">
   <inkml:definitions>
     <inkml:context xml:id="ctx0">
@@ -2049,7 +1956,7 @@
 </inkml:ink>
 </file>
 
-<file path=ppt/ink/ink58.xml><?xml version="1.0" encoding="utf-8"?>
+<file path=ppt/ink/ink55.xml><?xml version="1.0" encoding="utf-8"?>
 <inkml:ink xmlns:inkml="http://www.w3.org/2003/InkML">
   <inkml:definitions>
     <inkml:context xml:id="ctx0">
@@ -2082,7 +1989,7 @@
 </inkml:ink>
 </file>
 
-<file path=ppt/ink/ink59.xml><?xml version="1.0" encoding="utf-8"?>
+<file path=ppt/ink/ink56.xml><?xml version="1.0" encoding="utf-8"?>
 <inkml:ink xmlns:inkml="http://www.w3.org/2003/InkML">
   <inkml:definitions>
     <inkml:context xml:id="ctx0">
@@ -2112,6 +2019,105 @@
     </inkml:brush>
   </inkml:definitions>
   <inkml:trace contextRef="#ctx0" brushRef="#br0">352 809 12123 180000 90000,'44'-41'0'0'0,"-7"9"0"0"0,-3 12 0 0 0,-1 0 0 0 0,6-3 0 0 0,4-3 0 0 0,-1-4 0 0 0,1-1 0 0 0,-2-3 0 0 0,1-1 0 0 0,-3 0 0 0 0,-6 1 0 0 0,-3 4 0 0 0,0-2 0 0 0,-6 2 0 0 0,0 0 0 0 0,-2 1 0 0 0,-5 1 0 0 0,-4 2 0 0 0,-1 1 0 0 0,-3 2 0 0 0,-2 1 0 0 0,-3 0 0 0 0,-2 2 0 0 0,-2-7 0 0 0,-4 4 0 0 0,-7-5 0 0 0,-6 7 0 0 0,-1 6 0 0 0,1 9 0 0 0,-2 1 0 0 0,-1 2 0 0 0,-2 1 0 0 0,-2 1 0 0 0,-2 1 0 0 0,0 1 0 0 0,-3 3 0 0 0,-3 5 0 0 0,-2 8 0 0 0,-1 5 0 0 0,-5 4 0 0 0,1 2 0 0 0,0 2 0 0 0,0-1 0 0 0,0 2 0 0 0,0 1 0 0 0,0 1 0 0 0,1 4 0 0 0,0 2 0 0 0,1 1 0 0 0,1 3 0 0 0,1-1 0 0 0,1 1 0 0 0,4 0 0 0 0,2-2 0 0 0,3 2 0 0 0,2-2 0 0 0,7-4 0 0 0,0 0 0 0 0,1 4 0 0 0,2 2 0 0 0,3-4 0 0 0,5 2 0 0 0,3 2 0 0 0,-1 3 0 0 0,2 1 0 0 0,-1 2 0 0 0,2-2 0 0 0</inkml:trace>
+</inkml:ink>
+</file>
+
+<file path=ppt/ink/ink57.xml><?xml version="1.0" encoding="utf-8"?>
+<inkml:ink xmlns:inkml="http://www.w3.org/2003/InkML">
+  <inkml:definitions>
+    <inkml:context xml:id="ctx0">
+      <inkml:inkSource xml:id="inkSrc0">
+        <inkml:traceFormat>
+          <inkml:channel name="X" type="integer" min="-2.14748E9" max="2.14748E9" units="cm"/>
+          <inkml:channel name="Y" type="integer" min="-2.14748E9" max="2.14748E9" units="cm"/>
+          <inkml:channel name="F" type="integer" max="32767" units="dev"/>
+          <inkml:channel name="OA" type="integer" max="360" units="deg"/>
+          <inkml:channel name="OE" type="integer" max="90" units="deg"/>
+        </inkml:traceFormat>
+        <inkml:channelProperties>
+          <inkml:channelProperty channel="X" name="resolution" value="1000" units="1/cm"/>
+          <inkml:channelProperty channel="Y" name="resolution" value="1000" units="1/cm"/>
+          <inkml:channelProperty channel="F" name="resolution" value="0" units="1/dev"/>
+          <inkml:channelProperty channel="OA" name="resolution" value="1000" units="1/deg"/>
+          <inkml:channelProperty channel="OE" name="resolution" value="1000" units="1/deg"/>
+        </inkml:channelProperties>
+      </inkml:inkSource>
+      <inkml:timestamp xml:id="ts0" timeString="2020-04-25T21:20:07.443"/>
+    </inkml:context>
+    <inkml:brush xml:id="br0">
+      <inkml:brushProperty name="width" value="0.35278" units="cm"/>
+      <inkml:brushProperty name="height" value="0.35278" units="cm"/>
+      <inkml:brushProperty name="color" value="#F08029"/>
+      <inkml:brushProperty name="inkEffects" value="pencil"/>
+    </inkml:brush>
+  </inkml:definitions>
+  <inkml:trace contextRef="#ctx0" brushRef="#br0">1 1 12123 180000 90000,'2'30'0'0'0,"3"1"0"0"0,4 0 0 0 0,7-2 0 0 0,5-2 0 0 0,6-6 0 0 0,5-6 0 0 0,1-4 0 0 0,3-5 0 0 0,-3-2 0 0 0,2 0 0 0 0,0-1 0 0 0,8-3 0 0 0,-8 0 0 0 0,6 0 0 0 0,0 0 0 0 0,1-1 0 0 0,-1-1 0 0 0,-1-1 0 0 0,3-5 0 0 0,-2 1 0 0 0,2-2 0 0 0,-9 2 0 0 0,2-3 0 0 0,-5 1 0 0 0,5-2 0 0 0,-5 1 0 0 0,-3 1 0 0 0,-3 2 0 0 0,-3-3 0 0 0,-4 4 0 0 0,-1-2 0 0 0,-6 2 0 0 0,4 0 0 0 0,-6 1 0 0 0,5-1 0 0 0</inkml:trace>
+</inkml:ink>
+</file>
+
+<file path=ppt/ink/ink58.xml><?xml version="1.0" encoding="utf-8"?>
+<inkml:ink xmlns:inkml="http://www.w3.org/2003/InkML">
+  <inkml:definitions>
+    <inkml:context xml:id="ctx0">
+      <inkml:inkSource xml:id="inkSrc0">
+        <inkml:traceFormat>
+          <inkml:channel name="X" type="integer" min="-2.14748E9" max="2.14748E9" units="cm"/>
+          <inkml:channel name="Y" type="integer" min="-2.14748E9" max="2.14748E9" units="cm"/>
+          <inkml:channel name="F" type="integer" max="32767" units="dev"/>
+          <inkml:channel name="OA" type="integer" max="360" units="deg"/>
+          <inkml:channel name="OE" type="integer" max="90" units="deg"/>
+        </inkml:traceFormat>
+        <inkml:channelProperties>
+          <inkml:channelProperty channel="X" name="resolution" value="1000" units="1/cm"/>
+          <inkml:channelProperty channel="Y" name="resolution" value="1000" units="1/cm"/>
+          <inkml:channelProperty channel="F" name="resolution" value="0" units="1/dev"/>
+          <inkml:channelProperty channel="OA" name="resolution" value="1000" units="1/deg"/>
+          <inkml:channelProperty channel="OE" name="resolution" value="1000" units="1/deg"/>
+        </inkml:channelProperties>
+      </inkml:inkSource>
+      <inkml:timestamp xml:id="ts0" timeString="2020-04-25T21:20:08.365"/>
+    </inkml:context>
+    <inkml:brush xml:id="br0">
+      <inkml:brushProperty name="width" value="0.35278" units="cm"/>
+      <inkml:brushProperty name="height" value="0.35278" units="cm"/>
+      <inkml:brushProperty name="color" value="#F08029"/>
+      <inkml:brushProperty name="inkEffects" value="pencil"/>
+    </inkml:brush>
+  </inkml:definitions>
+  <inkml:trace contextRef="#ctx0" brushRef="#br0">720 67 12123 180000 90000,'-47'-37'0'0'0,"1"7"0"0"0,10 30 0 0 0,-6 1 0 0 0,-8 1 0 0 0,-5 4 0 0 0,-2 5 0 0 0,-2 4 0 0 0,3 3 0 0 0,3 3 0 0 0,10 2 0 0 0,-1 3 0 0 0,14-3 0 0 0,0 2 0 0 0,3 0 0 0 0,9-3 0 0 0,3 4 0 0 0,7 0 0 0 0,4 3 0 0 0,6-3 0 0 0,12 1 0 0 0,8 1 0 0 0,9 0 0 0 0,6 0 0 0 0,4 0 0 0 0,2 0 0 0 0,-5-5 0 0 0,1-1 0 0 0,-4-1 0 0 0,4-1 0 0 0,-6 1 0 0 0,-1-2 0 0 0,-6 0 0 0 0,-1-3 0 0 0,-6 1 0 0 0,-2 0 0 0 0,-3 0 0 0 0,-2-1 0 0 0,-4 2 0 0 0,0 0 0 0 0,-3 0 0 0 0,-1 3 0 0 0,-2 0 0 0 0,-1 1 0 0 0,-1 0 0 0 0,0 0 0 0 0,0 8 0 0 0,-1-3 0 0 0,-1 3 0 0 0,-2-5 0 0 0,-3-8 0 0 0,-2-1 0 0 0,-2 1 0 0 0,-3-2 0 0 0,-3 0 0 0 0,-4-2 0 0 0,-5 4 0 0 0,0-3 0 0 0,-6 3 0 0 0,0-4 0 0 0,-3 2 0 0 0,-1-1 0 0 0,1-1 0 0 0,-3 0 0 0 0,6-5 0 0 0,-4 4 0 0 0</inkml:trace>
+</inkml:ink>
+</file>
+
+<file path=ppt/ink/ink59.xml><?xml version="1.0" encoding="utf-8"?>
+<inkml:ink xmlns:inkml="http://www.w3.org/2003/InkML">
+  <inkml:definitions>
+    <inkml:context xml:id="ctx0">
+      <inkml:inkSource xml:id="inkSrc0">
+        <inkml:traceFormat>
+          <inkml:channel name="X" type="integer" min="-2.14748E9" max="2.14748E9" units="cm"/>
+          <inkml:channel name="Y" type="integer" min="-2.14748E9" max="2.14748E9" units="cm"/>
+          <inkml:channel name="F" type="integer" max="32767" units="dev"/>
+          <inkml:channel name="OA" type="integer" max="360" units="deg"/>
+          <inkml:channel name="OE" type="integer" max="90" units="deg"/>
+        </inkml:traceFormat>
+        <inkml:channelProperties>
+          <inkml:channelProperty channel="X" name="resolution" value="1000" units="1/cm"/>
+          <inkml:channelProperty channel="Y" name="resolution" value="1000" units="1/cm"/>
+          <inkml:channelProperty channel="F" name="resolution" value="0" units="1/dev"/>
+          <inkml:channelProperty channel="OA" name="resolution" value="1000" units="1/deg"/>
+          <inkml:channelProperty channel="OE" name="resolution" value="1000" units="1/deg"/>
+        </inkml:channelProperties>
+      </inkml:inkSource>
+      <inkml:timestamp xml:id="ts0" timeString="2020-04-25T21:20:08.589"/>
+    </inkml:context>
+    <inkml:brush xml:id="br0">
+      <inkml:brushProperty name="width" value="0.35278" units="cm"/>
+      <inkml:brushProperty name="height" value="0.35278" units="cm"/>
+      <inkml:brushProperty name="color" value="#F08029"/>
+      <inkml:brushProperty name="inkEffects" value="pencil"/>
+    </inkml:brush>
+  </inkml:definitions>
+  <inkml:trace contextRef="#ctx0" brushRef="#br0">263 0 12123 180000 90000,'-32'9'0'0'0,"2"-2"0"0"0,0 0 0 0 0,4-2 0 0 0,0-2 0 0 0,5 2 0 0 0,-6-2 0 0 0,6 0 0 0 0,-1 2 0 0 0,5-1 0 0 0,11 1 0 0 0,1 1 0 0 0,5-1 0 0 0</inkml:trace>
 </inkml:ink>
 </file>
 
@@ -2168,105 +2174,6 @@
           <inkml:channelProperty channel="OE" name="resolution" value="1000" units="1/deg"/>
         </inkml:channelProperties>
       </inkml:inkSource>
-      <inkml:timestamp xml:id="ts0" timeString="2020-04-25T21:20:07.443"/>
-    </inkml:context>
-    <inkml:brush xml:id="br0">
-      <inkml:brushProperty name="width" value="0.35278" units="cm"/>
-      <inkml:brushProperty name="height" value="0.35278" units="cm"/>
-      <inkml:brushProperty name="color" value="#F08029"/>
-      <inkml:brushProperty name="inkEffects" value="pencil"/>
-    </inkml:brush>
-  </inkml:definitions>
-  <inkml:trace contextRef="#ctx0" brushRef="#br0">1 1 12123 180000 90000,'2'30'0'0'0,"3"1"0"0"0,4 0 0 0 0,7-2 0 0 0,5-2 0 0 0,6-6 0 0 0,5-6 0 0 0,1-4 0 0 0,3-5 0 0 0,-3-2 0 0 0,2 0 0 0 0,0-1 0 0 0,8-3 0 0 0,-8 0 0 0 0,6 0 0 0 0,0 0 0 0 0,1-1 0 0 0,-1-1 0 0 0,-1-1 0 0 0,3-5 0 0 0,-2 1 0 0 0,2-2 0 0 0,-9 2 0 0 0,2-3 0 0 0,-5 1 0 0 0,5-2 0 0 0,-5 1 0 0 0,-3 1 0 0 0,-3 2 0 0 0,-3-3 0 0 0,-4 4 0 0 0,-1-2 0 0 0,-6 2 0 0 0,4 0 0 0 0,-6 1 0 0 0,5-1 0 0 0</inkml:trace>
-</inkml:ink>
-</file>
-
-<file path=ppt/ink/ink61.xml><?xml version="1.0" encoding="utf-8"?>
-<inkml:ink xmlns:inkml="http://www.w3.org/2003/InkML">
-  <inkml:definitions>
-    <inkml:context xml:id="ctx0">
-      <inkml:inkSource xml:id="inkSrc0">
-        <inkml:traceFormat>
-          <inkml:channel name="X" type="integer" min="-2.14748E9" max="2.14748E9" units="cm"/>
-          <inkml:channel name="Y" type="integer" min="-2.14748E9" max="2.14748E9" units="cm"/>
-          <inkml:channel name="F" type="integer" max="32767" units="dev"/>
-          <inkml:channel name="OA" type="integer" max="360" units="deg"/>
-          <inkml:channel name="OE" type="integer" max="90" units="deg"/>
-        </inkml:traceFormat>
-        <inkml:channelProperties>
-          <inkml:channelProperty channel="X" name="resolution" value="1000" units="1/cm"/>
-          <inkml:channelProperty channel="Y" name="resolution" value="1000" units="1/cm"/>
-          <inkml:channelProperty channel="F" name="resolution" value="0" units="1/dev"/>
-          <inkml:channelProperty channel="OA" name="resolution" value="1000" units="1/deg"/>
-          <inkml:channelProperty channel="OE" name="resolution" value="1000" units="1/deg"/>
-        </inkml:channelProperties>
-      </inkml:inkSource>
-      <inkml:timestamp xml:id="ts0" timeString="2020-04-25T21:20:08.365"/>
-    </inkml:context>
-    <inkml:brush xml:id="br0">
-      <inkml:brushProperty name="width" value="0.35278" units="cm"/>
-      <inkml:brushProperty name="height" value="0.35278" units="cm"/>
-      <inkml:brushProperty name="color" value="#F08029"/>
-      <inkml:brushProperty name="inkEffects" value="pencil"/>
-    </inkml:brush>
-  </inkml:definitions>
-  <inkml:trace contextRef="#ctx0" brushRef="#br0">720 67 12123 180000 90000,'-47'-37'0'0'0,"1"7"0"0"0,10 30 0 0 0,-6 1 0 0 0,-8 1 0 0 0,-5 4 0 0 0,-2 5 0 0 0,-2 4 0 0 0,3 3 0 0 0,3 3 0 0 0,10 2 0 0 0,-1 3 0 0 0,14-3 0 0 0,0 2 0 0 0,3 0 0 0 0,9-3 0 0 0,3 4 0 0 0,7 0 0 0 0,4 3 0 0 0,6-3 0 0 0,12 1 0 0 0,8 1 0 0 0,9 0 0 0 0,6 0 0 0 0,4 0 0 0 0,2 0 0 0 0,-5-5 0 0 0,1-1 0 0 0,-4-1 0 0 0,4-1 0 0 0,-6 1 0 0 0,-1-2 0 0 0,-6 0 0 0 0,-1-3 0 0 0,-6 1 0 0 0,-2 0 0 0 0,-3 0 0 0 0,-2-1 0 0 0,-4 2 0 0 0,0 0 0 0 0,-3 0 0 0 0,-1 3 0 0 0,-2 0 0 0 0,-1 1 0 0 0,-1 0 0 0 0,0 0 0 0 0,0 8 0 0 0,-1-3 0 0 0,-1 3 0 0 0,-2-5 0 0 0,-3-8 0 0 0,-2-1 0 0 0,-2 1 0 0 0,-3-2 0 0 0,-3 0 0 0 0,-4-2 0 0 0,-5 4 0 0 0,0-3 0 0 0,-6 3 0 0 0,0-4 0 0 0,-3 2 0 0 0,-1-1 0 0 0,1-1 0 0 0,-3 0 0 0 0,6-5 0 0 0,-4 4 0 0 0</inkml:trace>
-</inkml:ink>
-</file>
-
-<file path=ppt/ink/ink62.xml><?xml version="1.0" encoding="utf-8"?>
-<inkml:ink xmlns:inkml="http://www.w3.org/2003/InkML">
-  <inkml:definitions>
-    <inkml:context xml:id="ctx0">
-      <inkml:inkSource xml:id="inkSrc0">
-        <inkml:traceFormat>
-          <inkml:channel name="X" type="integer" min="-2.14748E9" max="2.14748E9" units="cm"/>
-          <inkml:channel name="Y" type="integer" min="-2.14748E9" max="2.14748E9" units="cm"/>
-          <inkml:channel name="F" type="integer" max="32767" units="dev"/>
-          <inkml:channel name="OA" type="integer" max="360" units="deg"/>
-          <inkml:channel name="OE" type="integer" max="90" units="deg"/>
-        </inkml:traceFormat>
-        <inkml:channelProperties>
-          <inkml:channelProperty channel="X" name="resolution" value="1000" units="1/cm"/>
-          <inkml:channelProperty channel="Y" name="resolution" value="1000" units="1/cm"/>
-          <inkml:channelProperty channel="F" name="resolution" value="0" units="1/dev"/>
-          <inkml:channelProperty channel="OA" name="resolution" value="1000" units="1/deg"/>
-          <inkml:channelProperty channel="OE" name="resolution" value="1000" units="1/deg"/>
-        </inkml:channelProperties>
-      </inkml:inkSource>
-      <inkml:timestamp xml:id="ts0" timeString="2020-04-25T21:20:08.589"/>
-    </inkml:context>
-    <inkml:brush xml:id="br0">
-      <inkml:brushProperty name="width" value="0.35278" units="cm"/>
-      <inkml:brushProperty name="height" value="0.35278" units="cm"/>
-      <inkml:brushProperty name="color" value="#F08029"/>
-      <inkml:brushProperty name="inkEffects" value="pencil"/>
-    </inkml:brush>
-  </inkml:definitions>
-  <inkml:trace contextRef="#ctx0" brushRef="#br0">263 0 12123 180000 90000,'-32'9'0'0'0,"2"-2"0"0"0,0 0 0 0 0,4-2 0 0 0,0-2 0 0 0,5 2 0 0 0,-6-2 0 0 0,6 0 0 0 0,-1 2 0 0 0,5-1 0 0 0,11 1 0 0 0,1 1 0 0 0,5-1 0 0 0</inkml:trace>
-</inkml:ink>
-</file>
-
-<file path=ppt/ink/ink63.xml><?xml version="1.0" encoding="utf-8"?>
-<inkml:ink xmlns:inkml="http://www.w3.org/2003/InkML">
-  <inkml:definitions>
-    <inkml:context xml:id="ctx0">
-      <inkml:inkSource xml:id="inkSrc0">
-        <inkml:traceFormat>
-          <inkml:channel name="X" type="integer" min="-2.14748E9" max="2.14748E9" units="cm"/>
-          <inkml:channel name="Y" type="integer" min="-2.14748E9" max="2.14748E9" units="cm"/>
-          <inkml:channel name="F" type="integer" max="32767" units="dev"/>
-          <inkml:channel name="OA" type="integer" max="360" units="deg"/>
-          <inkml:channel name="OE" type="integer" max="90" units="deg"/>
-        </inkml:traceFormat>
-        <inkml:channelProperties>
-          <inkml:channelProperty channel="X" name="resolution" value="1000" units="1/cm"/>
-          <inkml:channelProperty channel="Y" name="resolution" value="1000" units="1/cm"/>
-          <inkml:channelProperty channel="F" name="resolution" value="0" units="1/dev"/>
-          <inkml:channelProperty channel="OA" name="resolution" value="1000" units="1/deg"/>
-          <inkml:channelProperty channel="OE" name="resolution" value="1000" units="1/deg"/>
-        </inkml:channelProperties>
-      </inkml:inkSource>
       <inkml:timestamp xml:id="ts0" timeString="2020-04-25T21:21:43.521"/>
     </inkml:context>
     <inkml:brush xml:id="br0">
@@ -2280,7 +2187,7 @@
 </inkml:ink>
 </file>
 
-<file path=ppt/ink/ink64.xml><?xml version="1.0" encoding="utf-8"?>
+<file path=ppt/ink/ink61.xml><?xml version="1.0" encoding="utf-8"?>
 <inkml:ink xmlns:inkml="http://www.w3.org/2003/InkML">
   <inkml:definitions>
     <inkml:context xml:id="ctx0">
@@ -2313,7 +2220,7 @@
 </inkml:ink>
 </file>
 
-<file path=ppt/ink/ink65.xml><?xml version="1.0" encoding="utf-8"?>
+<file path=ppt/ink/ink62.xml><?xml version="1.0" encoding="utf-8"?>
 <inkml:ink xmlns:inkml="http://www.w3.org/2003/InkML">
   <inkml:definitions>
     <inkml:context xml:id="ctx0">
@@ -2346,7 +2253,7 @@
 </inkml:ink>
 </file>
 
-<file path=ppt/ink/ink66.xml><?xml version="1.0" encoding="utf-8"?>
+<file path=ppt/ink/ink63.xml><?xml version="1.0" encoding="utf-8"?>
 <inkml:ink xmlns:inkml="http://www.w3.org/2003/InkML">
   <inkml:definitions>
     <inkml:context xml:id="ctx0">
@@ -2379,7 +2286,7 @@
 </inkml:ink>
 </file>
 
-<file path=ppt/ink/ink67.xml><?xml version="1.0" encoding="utf-8"?>
+<file path=ppt/ink/ink64.xml><?xml version="1.0" encoding="utf-8"?>
 <inkml:ink xmlns:inkml="http://www.w3.org/2003/InkML">
   <inkml:definitions>
     <inkml:context xml:id="ctx0">
@@ -2412,7 +2319,7 @@
 </inkml:ink>
 </file>
 
-<file path=ppt/ink/ink68.xml><?xml version="1.0" encoding="utf-8"?>
+<file path=ppt/ink/ink65.xml><?xml version="1.0" encoding="utf-8"?>
 <inkml:ink xmlns:inkml="http://www.w3.org/2003/InkML">
   <inkml:definitions>
     <inkml:context xml:id="ctx0">
@@ -2445,7 +2352,7 @@
 </inkml:ink>
 </file>
 
-<file path=ppt/ink/ink69.xml><?xml version="1.0" encoding="utf-8"?>
+<file path=ppt/ink/ink66.xml><?xml version="1.0" encoding="utf-8"?>
 <inkml:ink xmlns:inkml="http://www.w3.org/2003/InkML">
   <inkml:definitions>
     <inkml:context xml:id="ctx0">
@@ -2475,6 +2382,105 @@
     </inkml:brush>
   </inkml:definitions>
   <inkml:trace contextRef="#ctx0" brushRef="#br0">0 1 12123 180000 90000,'66'74'0'0'0,"-13"-19"0"0"0,-12-19 0 0 0,-8-11 0 0 0,6 3 0 0 0,-2-1 0 0 0,-2-2 0 0 0,5 5 0 0 0,-12-2 0 0 0,3 2 0 0 0,0 4 0 0 0,0 4 0 0 0,0 0 0 0 0,-5 2 0 0 0,-2 0 0 0 0,1 2 0 0 0,-4 1 0 0 0,2 4 0 0 0,-1 2 0 0 0,-2-2 0 0 0,0-3 0 0 0,1 3 0 0 0,-3-8 0 0 0,2 2 0 0 0,-2-2 0 0 0,-2-3 0 0 0,0-5 0 0 0,0-4 0 0 0,10 1 0 0 0,5-1 0 0 0</inkml:trace>
+</inkml:ink>
+</file>
+
+<file path=ppt/ink/ink67.xml><?xml version="1.0" encoding="utf-8"?>
+<inkml:ink xmlns:inkml="http://www.w3.org/2003/InkML">
+  <inkml:definitions>
+    <inkml:context xml:id="ctx0">
+      <inkml:inkSource xml:id="inkSrc0">
+        <inkml:traceFormat>
+          <inkml:channel name="X" type="integer" min="-2.14748E9" max="2.14748E9" units="cm"/>
+          <inkml:channel name="Y" type="integer" min="-2.14748E9" max="2.14748E9" units="cm"/>
+          <inkml:channel name="F" type="integer" max="32767" units="dev"/>
+          <inkml:channel name="OA" type="integer" max="360" units="deg"/>
+          <inkml:channel name="OE" type="integer" max="90" units="deg"/>
+        </inkml:traceFormat>
+        <inkml:channelProperties>
+          <inkml:channelProperty channel="X" name="resolution" value="1000" units="1/cm"/>
+          <inkml:channelProperty channel="Y" name="resolution" value="1000" units="1/cm"/>
+          <inkml:channelProperty channel="F" name="resolution" value="0" units="1/dev"/>
+          <inkml:channelProperty channel="OA" name="resolution" value="1000" units="1/deg"/>
+          <inkml:channelProperty channel="OE" name="resolution" value="1000" units="1/deg"/>
+        </inkml:channelProperties>
+      </inkml:inkSource>
+      <inkml:timestamp xml:id="ts0" timeString="2020-04-25T03:27:37.871"/>
+    </inkml:context>
+    <inkml:brush xml:id="br0">
+      <inkml:brushProperty name="width" value="0.35278" units="cm"/>
+      <inkml:brushProperty name="height" value="0.35278" units="cm"/>
+      <inkml:brushProperty name="color" value="#E71224"/>
+      <inkml:brushProperty name="inkEffects" value="pencil"/>
+    </inkml:brush>
+  </inkml:definitions>
+  <inkml:trace contextRef="#ctx0" brushRef="#br0">1902 0 12123 180000 90000,'-81'48'0'0'0,"6"-3"0"0"0,40-33 0 0 0,-6 6 0 0 0,-7 3 0 0 0,-3 3 0 0 0,-1 1 0 0 0,-1 3 0 0 0,1 1 0 0 0,-1 4 0 0 0,0-1 0 0 0,0 3 0 0 0,0-1 0 0 0,-2-1 0 0 0,1 0 0 0 0,-1 0 0 0 0,4 0 0 0 0,3 0 0 0 0,4-4 0 0 0,0 1 0 0 0,-2 2 0 0 0,1 0 0 0 0,5-1 0 0 0,1 0 0 0 0,-1 2 0 0 0,3 0 0 0 0,-1 0 0 0 0,5-2 0 0 0,2-2 0 0 0,-1 2 0 0 0,3-2 0 0 0,-1 0 0 0 0,-1 2 0 0 0,4-5 0 0 0,2 0 0 0 0,4-2 0 0 0,-1 1 0 0 0,2-3 0 0 0,0-2 0 0 0,2 0 0 0 0,0 0 0 0 0,3 0 0 0 0,-3-1 0 0 0,3 2 0 0 0,-3 1 0 0 0,2-1 0 0 0,-3 1 0 0 0,2-2 0 0 0,2 0 0 0 0,-4 3 0 0 0,5-6 0 0 0,-8 5 0 0 0,1-5 0 0 0</inkml:trace>
+</inkml:ink>
+</file>
+
+<file path=ppt/ink/ink68.xml><?xml version="1.0" encoding="utf-8"?>
+<inkml:ink xmlns:inkml="http://www.w3.org/2003/InkML">
+  <inkml:definitions>
+    <inkml:context xml:id="ctx0">
+      <inkml:inkSource xml:id="inkSrc0">
+        <inkml:traceFormat>
+          <inkml:channel name="X" type="integer" min="-2.14748E9" max="2.14748E9" units="cm"/>
+          <inkml:channel name="Y" type="integer" min="-2.14748E9" max="2.14748E9" units="cm"/>
+          <inkml:channel name="F" type="integer" max="32767" units="dev"/>
+          <inkml:channel name="OA" type="integer" max="360" units="deg"/>
+          <inkml:channel name="OE" type="integer" max="90" units="deg"/>
+        </inkml:traceFormat>
+        <inkml:channelProperties>
+          <inkml:channelProperty channel="X" name="resolution" value="1000" units="1/cm"/>
+          <inkml:channelProperty channel="Y" name="resolution" value="1000" units="1/cm"/>
+          <inkml:channelProperty channel="F" name="resolution" value="0" units="1/dev"/>
+          <inkml:channelProperty channel="OA" name="resolution" value="1000" units="1/deg"/>
+          <inkml:channelProperty channel="OE" name="resolution" value="1000" units="1/deg"/>
+        </inkml:channelProperties>
+      </inkml:inkSource>
+      <inkml:timestamp xml:id="ts0" timeString="2020-04-25T20:43:27.008"/>
+    </inkml:context>
+    <inkml:brush xml:id="br0">
+      <inkml:brushProperty name="width" value="0.35278" units="cm"/>
+      <inkml:brushProperty name="height" value="0.35278" units="cm"/>
+      <inkml:brushProperty name="color" value="#E71224"/>
+      <inkml:brushProperty name="inkEffects" value="pencil"/>
+    </inkml:brush>
+  </inkml:definitions>
+  <inkml:trace contextRef="#ctx0" brushRef="#br0">1 1 12123 180000 90000,'65'36'0'0'0,"-14"1"0"0"0,-11 0 0 0 0,-3 6 0 0 0,0 2 0 0 0,1 9 0 0 0,4 2 0 0 0,0 3 0 0 0,-1 0 0 0 0,0 3 0 0 0,-2-2 0 0 0,1 1 0 0 0,-2-1 0 0 0,4 2 0 0 0,-4-2 0 0 0,3 2 0 0 0,-1 0 0 0 0,2 1 0 0 0,2-3 0 0 0,2-1 0 0 0,1-6 0 0 0,-8-12 0 0 0,2-2 0 0 0,9 2 0 0 0,9 4 0 0 0</inkml:trace>
+</inkml:ink>
+</file>
+
+<file path=ppt/ink/ink69.xml><?xml version="1.0" encoding="utf-8"?>
+<inkml:ink xmlns:inkml="http://www.w3.org/2003/InkML">
+  <inkml:definitions>
+    <inkml:context xml:id="ctx0">
+      <inkml:inkSource xml:id="inkSrc0">
+        <inkml:traceFormat>
+          <inkml:channel name="X" type="integer" min="-2.14748E9" max="2.14748E9" units="cm"/>
+          <inkml:channel name="Y" type="integer" min="-2.14748E9" max="2.14748E9" units="cm"/>
+          <inkml:channel name="F" type="integer" max="32767" units="dev"/>
+          <inkml:channel name="OA" type="integer" max="360" units="deg"/>
+          <inkml:channel name="OE" type="integer" max="90" units="deg"/>
+        </inkml:traceFormat>
+        <inkml:channelProperties>
+          <inkml:channelProperty channel="X" name="resolution" value="1000" units="1/cm"/>
+          <inkml:channelProperty channel="Y" name="resolution" value="1000" units="1/cm"/>
+          <inkml:channelProperty channel="F" name="resolution" value="0" units="1/dev"/>
+          <inkml:channelProperty channel="OA" name="resolution" value="1000" units="1/deg"/>
+          <inkml:channelProperty channel="OE" name="resolution" value="1000" units="1/deg"/>
+        </inkml:channelProperties>
+      </inkml:inkSource>
+      <inkml:timestamp xml:id="ts0" timeString="2020-04-25T20:43:27.770"/>
+    </inkml:context>
+    <inkml:brush xml:id="br0">
+      <inkml:brushProperty name="width" value="0.35278" units="cm"/>
+      <inkml:brushProperty name="height" value="0.35278" units="cm"/>
+      <inkml:brushProperty name="color" value="#E71224"/>
+      <inkml:brushProperty name="inkEffects" value="pencil"/>
+    </inkml:brush>
+  </inkml:definitions>
+  <inkml:trace contextRef="#ctx0" brushRef="#br0">1835 1 12123 180000 90000,'-67'21'0'0'0,"16"-5"0"0"0,18-8 0 0 0,3-3 0 0 0,-3 8 0 0 0,-3 1 0 0 0,-5 5 0 0 0,-4 2 0 0 0,-3 3 0 0 0,-5 3 0 0 0,-10 8 0 0 0,-5 3 0 0 0,4-1 0 0 0,2 1 0 0 0,-10 8 0 0 0,-4 9 0 0 0,35-26 0 0 0,1 0 0 0 0,-35 26 0 0 0,10-1 0 0 0,-1-1 0 0 0,5 1 0 0 0,-8 5 0 0 0,3 0 0 0 0,5 4 0 0 0,5-1 0 0 0,3 0 0 0 0,1 0 0 0 0,7-7 0 0 0,6-8 0 0 0,-2 7 0 0 0,11-12 0 0 0,-2 5 0 0 0,10-13 0 0 0,2-2 0 0 0,3-3 0 0 0,4-5 0 0 0,0 1 0 0 0,10-8 0 0 0,-6 2 0 0 0,9-7 0 0 0,-3-2 0 0 0,3 0 0 0 0,0-5 0 0 0</inkml:trace>
 </inkml:ink>
 </file>
 
@@ -2531,105 +2537,6 @@
           <inkml:channelProperty channel="OE" name="resolution" value="1000" units="1/deg"/>
         </inkml:channelProperties>
       </inkml:inkSource>
-      <inkml:timestamp xml:id="ts0" timeString="2020-04-25T03:27:37.871"/>
-    </inkml:context>
-    <inkml:brush xml:id="br0">
-      <inkml:brushProperty name="width" value="0.35278" units="cm"/>
-      <inkml:brushProperty name="height" value="0.35278" units="cm"/>
-      <inkml:brushProperty name="color" value="#E71224"/>
-      <inkml:brushProperty name="inkEffects" value="pencil"/>
-    </inkml:brush>
-  </inkml:definitions>
-  <inkml:trace contextRef="#ctx0" brushRef="#br0">1902 0 12123 180000 90000,'-81'48'0'0'0,"6"-3"0"0"0,40-33 0 0 0,-6 6 0 0 0,-7 3 0 0 0,-3 3 0 0 0,-1 1 0 0 0,-1 3 0 0 0,1 1 0 0 0,-1 4 0 0 0,0-1 0 0 0,0 3 0 0 0,0-1 0 0 0,-2-1 0 0 0,1 0 0 0 0,-1 0 0 0 0,4 0 0 0 0,3 0 0 0 0,4-4 0 0 0,0 1 0 0 0,-2 2 0 0 0,1 0 0 0 0,5-1 0 0 0,1 0 0 0 0,-1 2 0 0 0,3 0 0 0 0,-1 0 0 0 0,5-2 0 0 0,2-2 0 0 0,-1 2 0 0 0,3-2 0 0 0,-1 0 0 0 0,-1 2 0 0 0,4-5 0 0 0,2 0 0 0 0,4-2 0 0 0,-1 1 0 0 0,2-3 0 0 0,0-2 0 0 0,2 0 0 0 0,0 0 0 0 0,3 0 0 0 0,-3-1 0 0 0,3 2 0 0 0,-3 1 0 0 0,2-1 0 0 0,-3 1 0 0 0,2-2 0 0 0,2 0 0 0 0,-4 3 0 0 0,5-6 0 0 0,-8 5 0 0 0,1-5 0 0 0</inkml:trace>
-</inkml:ink>
-</file>
-
-<file path=ppt/ink/ink71.xml><?xml version="1.0" encoding="utf-8"?>
-<inkml:ink xmlns:inkml="http://www.w3.org/2003/InkML">
-  <inkml:definitions>
-    <inkml:context xml:id="ctx0">
-      <inkml:inkSource xml:id="inkSrc0">
-        <inkml:traceFormat>
-          <inkml:channel name="X" type="integer" min="-2.14748E9" max="2.14748E9" units="cm"/>
-          <inkml:channel name="Y" type="integer" min="-2.14748E9" max="2.14748E9" units="cm"/>
-          <inkml:channel name="F" type="integer" max="32767" units="dev"/>
-          <inkml:channel name="OA" type="integer" max="360" units="deg"/>
-          <inkml:channel name="OE" type="integer" max="90" units="deg"/>
-        </inkml:traceFormat>
-        <inkml:channelProperties>
-          <inkml:channelProperty channel="X" name="resolution" value="1000" units="1/cm"/>
-          <inkml:channelProperty channel="Y" name="resolution" value="1000" units="1/cm"/>
-          <inkml:channelProperty channel="F" name="resolution" value="0" units="1/dev"/>
-          <inkml:channelProperty channel="OA" name="resolution" value="1000" units="1/deg"/>
-          <inkml:channelProperty channel="OE" name="resolution" value="1000" units="1/deg"/>
-        </inkml:channelProperties>
-      </inkml:inkSource>
-      <inkml:timestamp xml:id="ts0" timeString="2020-04-25T20:43:27.008"/>
-    </inkml:context>
-    <inkml:brush xml:id="br0">
-      <inkml:brushProperty name="width" value="0.35278" units="cm"/>
-      <inkml:brushProperty name="height" value="0.35278" units="cm"/>
-      <inkml:brushProperty name="color" value="#E71224"/>
-      <inkml:brushProperty name="inkEffects" value="pencil"/>
-    </inkml:brush>
-  </inkml:definitions>
-  <inkml:trace contextRef="#ctx0" brushRef="#br0">1 1 12123 180000 90000,'65'36'0'0'0,"-14"1"0"0"0,-11 0 0 0 0,-3 6 0 0 0,0 2 0 0 0,1 9 0 0 0,4 2 0 0 0,0 3 0 0 0,-1 0 0 0 0,0 3 0 0 0,-2-2 0 0 0,1 1 0 0 0,-2-1 0 0 0,4 2 0 0 0,-4-2 0 0 0,3 2 0 0 0,-1 0 0 0 0,2 1 0 0 0,2-3 0 0 0,2-1 0 0 0,1-6 0 0 0,-8-12 0 0 0,2-2 0 0 0,9 2 0 0 0,9 4 0 0 0</inkml:trace>
-</inkml:ink>
-</file>
-
-<file path=ppt/ink/ink72.xml><?xml version="1.0" encoding="utf-8"?>
-<inkml:ink xmlns:inkml="http://www.w3.org/2003/InkML">
-  <inkml:definitions>
-    <inkml:context xml:id="ctx0">
-      <inkml:inkSource xml:id="inkSrc0">
-        <inkml:traceFormat>
-          <inkml:channel name="X" type="integer" min="-2.14748E9" max="2.14748E9" units="cm"/>
-          <inkml:channel name="Y" type="integer" min="-2.14748E9" max="2.14748E9" units="cm"/>
-          <inkml:channel name="F" type="integer" max="32767" units="dev"/>
-          <inkml:channel name="OA" type="integer" max="360" units="deg"/>
-          <inkml:channel name="OE" type="integer" max="90" units="deg"/>
-        </inkml:traceFormat>
-        <inkml:channelProperties>
-          <inkml:channelProperty channel="X" name="resolution" value="1000" units="1/cm"/>
-          <inkml:channelProperty channel="Y" name="resolution" value="1000" units="1/cm"/>
-          <inkml:channelProperty channel="F" name="resolution" value="0" units="1/dev"/>
-          <inkml:channelProperty channel="OA" name="resolution" value="1000" units="1/deg"/>
-          <inkml:channelProperty channel="OE" name="resolution" value="1000" units="1/deg"/>
-        </inkml:channelProperties>
-      </inkml:inkSource>
-      <inkml:timestamp xml:id="ts0" timeString="2020-04-25T20:43:27.770"/>
-    </inkml:context>
-    <inkml:brush xml:id="br0">
-      <inkml:brushProperty name="width" value="0.35278" units="cm"/>
-      <inkml:brushProperty name="height" value="0.35278" units="cm"/>
-      <inkml:brushProperty name="color" value="#E71224"/>
-      <inkml:brushProperty name="inkEffects" value="pencil"/>
-    </inkml:brush>
-  </inkml:definitions>
-  <inkml:trace contextRef="#ctx0" brushRef="#br0">1835 1 12123 180000 90000,'-67'21'0'0'0,"16"-5"0"0"0,18-8 0 0 0,3-3 0 0 0,-3 8 0 0 0,-3 1 0 0 0,-5 5 0 0 0,-4 2 0 0 0,-3 3 0 0 0,-5 3 0 0 0,-10 8 0 0 0,-5 3 0 0 0,4-1 0 0 0,2 1 0 0 0,-10 8 0 0 0,-4 9 0 0 0,35-26 0 0 0,1 0 0 0 0,-35 26 0 0 0,10-1 0 0 0,-1-1 0 0 0,5 1 0 0 0,-8 5 0 0 0,3 0 0 0 0,5 4 0 0 0,5-1 0 0 0,3 0 0 0 0,1 0 0 0 0,7-7 0 0 0,6-8 0 0 0,-2 7 0 0 0,11-12 0 0 0,-2 5 0 0 0,10-13 0 0 0,2-2 0 0 0,3-3 0 0 0,4-5 0 0 0,0 1 0 0 0,10-8 0 0 0,-6 2 0 0 0,9-7 0 0 0,-3-2 0 0 0,3 0 0 0 0,0-5 0 0 0</inkml:trace>
-</inkml:ink>
-</file>
-
-<file path=ppt/ink/ink73.xml><?xml version="1.0" encoding="utf-8"?>
-<inkml:ink xmlns:inkml="http://www.w3.org/2003/InkML">
-  <inkml:definitions>
-    <inkml:context xml:id="ctx0">
-      <inkml:inkSource xml:id="inkSrc0">
-        <inkml:traceFormat>
-          <inkml:channel name="X" type="integer" min="-2.14748E9" max="2.14748E9" units="cm"/>
-          <inkml:channel name="Y" type="integer" min="-2.14748E9" max="2.14748E9" units="cm"/>
-          <inkml:channel name="F" type="integer" max="32767" units="dev"/>
-          <inkml:channel name="OA" type="integer" max="360" units="deg"/>
-          <inkml:channel name="OE" type="integer" max="90" units="deg"/>
-        </inkml:traceFormat>
-        <inkml:channelProperties>
-          <inkml:channelProperty channel="X" name="resolution" value="1000" units="1/cm"/>
-          <inkml:channelProperty channel="Y" name="resolution" value="1000" units="1/cm"/>
-          <inkml:channelProperty channel="F" name="resolution" value="0" units="1/dev"/>
-          <inkml:channelProperty channel="OA" name="resolution" value="1000" units="1/deg"/>
-          <inkml:channelProperty channel="OE" name="resolution" value="1000" units="1/deg"/>
-        </inkml:channelProperties>
-      </inkml:inkSource>
       <inkml:timestamp xml:id="ts0" timeString="2020-04-29T04:49:02.818"/>
     </inkml:context>
     <inkml:brush xml:id="br0">
@@ -2643,7 +2550,7 @@
 </inkml:ink>
 </file>
 
-<file path=ppt/ink/ink74.xml><?xml version="1.0" encoding="utf-8"?>
+<file path=ppt/ink/ink71.xml><?xml version="1.0" encoding="utf-8"?>
 <inkml:ink xmlns:inkml="http://www.w3.org/2003/InkML">
   <inkml:definitions>
     <inkml:context xml:id="ctx0">
@@ -2676,7 +2583,7 @@
 </inkml:ink>
 </file>
 
-<file path=ppt/ink/ink75.xml><?xml version="1.0" encoding="utf-8"?>
+<file path=ppt/ink/ink72.xml><?xml version="1.0" encoding="utf-8"?>
 <inkml:ink xmlns:inkml="http://www.w3.org/2003/InkML">
   <inkml:definitions>
     <inkml:context xml:id="ctx0">
@@ -2709,7 +2616,7 @@
 </inkml:ink>
 </file>
 
-<file path=ppt/ink/ink76.xml><?xml version="1.0" encoding="utf-8"?>
+<file path=ppt/ink/ink73.xml><?xml version="1.0" encoding="utf-8"?>
 <inkml:ink xmlns:inkml="http://www.w3.org/2003/InkML">
   <inkml:definitions>
     <inkml:context xml:id="ctx0">
@@ -2742,7 +2649,7 @@
 </inkml:ink>
 </file>
 
-<file path=ppt/ink/ink77.xml><?xml version="1.0" encoding="utf-8"?>
+<file path=ppt/ink/ink74.xml><?xml version="1.0" encoding="utf-8"?>
 <inkml:ink xmlns:inkml="http://www.w3.org/2003/InkML">
   <inkml:definitions>
     <inkml:context xml:id="ctx0">
@@ -2775,7 +2682,7 @@
 </inkml:ink>
 </file>
 
-<file path=ppt/ink/ink78.xml><?xml version="1.0" encoding="utf-8"?>
+<file path=ppt/ink/ink75.xml><?xml version="1.0" encoding="utf-8"?>
 <inkml:ink xmlns:inkml="http://www.w3.org/2003/InkML">
   <inkml:definitions>
     <inkml:context xml:id="ctx0">
@@ -2808,7 +2715,7 @@
 </inkml:ink>
 </file>
 
-<file path=ppt/ink/ink79.xml><?xml version="1.0" encoding="utf-8"?>
+<file path=ppt/ink/ink76.xml><?xml version="1.0" encoding="utf-8"?>
 <inkml:ink xmlns:inkml="http://www.w3.org/2003/InkML">
   <inkml:definitions>
     <inkml:context xml:id="ctx0">
@@ -2838,6 +2745,105 @@
     </inkml:brush>
   </inkml:definitions>
   <inkml:trace contextRef="#ctx0" brushRef="#br0">0 0 12123 180000 90000,'33'31'0'0'0,"-3"-3"0"0"0,-10-9 0 0 0,0 1 0 0 0,1 2 0 0 0,0 1 0 0 0,0 3 0 0 0,1 1 0 0 0,-1 3 0 0 0,0 0 0 0 0,1 0 0 0 0,0 1 0 0 0,0 1 0 0 0,2 0 0 0 0,2 1 0 0 0,-1 1 0 0 0,1 0 0 0 0,-1 0 0 0 0,-3-5 0 0 0,0-2 0 0 0,-2-2 0 0 0,2-1 0 0 0,-4-1 0 0 0,-1-3 0 0 0,-1-3 0 0 0,-4-3 0 0 0,-1-3 0 0 0,2 1 0 0 0,-4-3 0 0 0,1 2 0 0 0,-1-4 0 0 0,-1-1 0 0 0,-7-10 0 0 0,-2-1 0 0 0</inkml:trace>
+</inkml:ink>
+</file>
+
+<file path=ppt/ink/ink77.xml><?xml version="1.0" encoding="utf-8"?>
+<inkml:ink xmlns:inkml="http://www.w3.org/2003/InkML">
+  <inkml:definitions>
+    <inkml:context xml:id="ctx0">
+      <inkml:inkSource xml:id="inkSrc0">
+        <inkml:traceFormat>
+          <inkml:channel name="X" type="integer" min="-2.14748E9" max="2.14748E9" units="cm"/>
+          <inkml:channel name="Y" type="integer" min="-2.14748E9" max="2.14748E9" units="cm"/>
+          <inkml:channel name="F" type="integer" max="32767" units="dev"/>
+          <inkml:channel name="OA" type="integer" max="360" units="deg"/>
+          <inkml:channel name="OE" type="integer" max="90" units="deg"/>
+        </inkml:traceFormat>
+        <inkml:channelProperties>
+          <inkml:channelProperty channel="X" name="resolution" value="1000" units="1/cm"/>
+          <inkml:channelProperty channel="Y" name="resolution" value="1000" units="1/cm"/>
+          <inkml:channelProperty channel="F" name="resolution" value="0" units="1/dev"/>
+          <inkml:channelProperty channel="OA" name="resolution" value="1000" units="1/deg"/>
+          <inkml:channelProperty channel="OE" name="resolution" value="1000" units="1/deg"/>
+        </inkml:channelProperties>
+      </inkml:inkSource>
+      <inkml:timestamp xml:id="ts0" timeString="2020-04-29T04:52:24.187"/>
+    </inkml:context>
+    <inkml:brush xml:id="br0">
+      <inkml:brushProperty name="width" value="0.35278" units="cm"/>
+      <inkml:brushProperty name="height" value="0.35278" units="cm"/>
+      <inkml:brushProperty name="color" value="#656BDC"/>
+      <inkml:brushProperty name="inkEffects" value="pencil"/>
+    </inkml:brush>
+  </inkml:definitions>
+  <inkml:trace contextRef="#ctx0" brushRef="#br0">36 575 12123 180000 90000,'-8'-22'0'0'0,"1"2"0"0"0,6 6 0 0 0,-1 0 0 0 0,-2-3 0 0 0,0 0 0 0 0,1 0 0 0 0,-1-1 0 0 0,3-1 0 0 0,0 0 0 0 0,0-3 0 0 0,1 1 0 0 0,1 1 0 0 0,2 1 0 0 0,1 0 0 0 0,3-1 0 0 0,3-2 0 0 0,0 2 0 0 0,3-1 0 0 0,0 5 0 0 0,-2 2 0 0 0,2 0 0 0 0,0 0 0 0 0,1 0 0 0 0,5 0 0 0 0,-3 3 0 0 0,6-2 0 0 0,-2 3 0 0 0,3-1 0 0 0,-1 1 0 0 0,2 0 0 0 0,1 0 0 0 0,-3 2 0 0 0,0 0 0 0 0,0 0 0 0 0,0 1 0 0 0,2-1 0 0 0,-2 3 0 0 0,0 0 0 0 0,0 3 0 0 0,-2 1 0 0 0,1 0 0 0 0,-1 1 0 0 0,0 0 0 0 0,-1 0 0 0 0,-1 1 0 0 0,0 0 0 0 0,-2 2 0 0 0,0 3 0 0 0,-2 1 0 0 0,1 2 0 0 0,-1-1 0 0 0,0 1 0 0 0,-1 1 0 0 0,0 0 0 0 0,0 1 0 0 0,1 0 0 0 0,-1 0 0 0 0,-2-1 0 0 0,1 1 0 0 0,-1 1 0 0 0,-2 0 0 0 0,0 1 0 0 0,-2 0 0 0 0,0 2 0 0 0,-1 1 0 0 0,-1 1 0 0 0,-1 0 0 0 0,-1 0 0 0 0,-1 1 0 0 0,0 0 0 0 0,-2 0 0 0 0,0 0 0 0 0,0-1 0 0 0,-1 1 0 0 0,-1 0 0 0 0,-3 2 0 0 0,-4-3 0 0 0,1 3 0 0 0,-1-6 0 0 0,0 3 0 0 0,0-1 0 0 0,-1 0 0 0 0,0 0 0 0 0,0-2 0 0 0,-1 0 0 0 0,2 1 0 0 0,-1-1 0 0 0,2-1 0 0 0,-2-1 0 0 0,2-1 0 0 0,-1-1 0 0 0,2 0 0 0 0,-1 0 0 0 0,0-1 0 0 0,-1 1 0 0 0,2-1 0 0 0,0-1 0 0 0,-2 2 0 0 0,2 0 0 0 0,-2 0 0 0 0,2 1 0 0 0,0 0 0 0 0,-1-1 0 0 0,0 1 0 0 0,0-1 0 0 0,-2-1 0 0 0,2 1 0 0 0,-1 0 0 0 0,-1 2 0 0 0,-1 0 0 0 0,-1 0 0 0 0,0 0 0 0 0,-1 0 0 0 0,2 0 0 0 0,-1 0 0 0 0,0-1 0 0 0,1 1 0 0 0,-1-1 0 0 0,1 0 0 0 0,-1 0 0 0 0,2 1 0 0 0,-1-1 0 0 0,0 1 0 0 0,1 0 0 0 0,0-1 0 0 0,1 1 0 0 0,0-1 0 0 0,1 1 0 0 0,1-2 0 0 0,0 1 0 0 0,-1-2 0 0 0,3 1 0 0 0,-2 1 0 0 0,1 1 0 0 0,1-4 0 0 0,1 1 0 0 0,1-5 0 0 0,3 1 0 0 0,-7-2 0 0 0,6 1 0 0 0,-4 1 0 0 0,4 2 0 0 0,-1 2 0 0 0,-2 1 0 0 0,2 0 0 0 0,-1 1 0 0 0,1 0 0 0 0,0 3 0 0 0,-1-3 0 0 0,3 1 0 0 0,-2-1 0 0 0,0-4 0 0 0,2 3 0 0 0,-1-2 0 0 0,1 1 0 0 0,0 0 0 0 0,0-2 0 0 0,0 1 0 0 0,0 0 0 0 0,0 4 0 0 0,0-3 0 0 0,0 5 0 0 0,0-1 0 0 0,0 0 0 0 0,0-1 0 0 0,0-1 0 0 0,0-2 0 0 0,0-2 0 0 0,0-2 0 0 0,0 0 0 0 0,0 1 0 0 0,1-2 0 0 0,3-1 0 0 0,1-3 0 0 0</inkml:trace>
+</inkml:ink>
+</file>
+
+<file path=ppt/ink/ink78.xml><?xml version="1.0" encoding="utf-8"?>
+<inkml:ink xmlns:inkml="http://www.w3.org/2003/InkML">
+  <inkml:definitions>
+    <inkml:context xml:id="ctx0">
+      <inkml:inkSource xml:id="inkSrc0">
+        <inkml:traceFormat>
+          <inkml:channel name="X" type="integer" min="-2.14748E9" max="2.14748E9" units="cm"/>
+          <inkml:channel name="Y" type="integer" min="-2.14748E9" max="2.14748E9" units="cm"/>
+          <inkml:channel name="F" type="integer" max="32767" units="dev"/>
+          <inkml:channel name="OA" type="integer" max="360" units="deg"/>
+          <inkml:channel name="OE" type="integer" max="90" units="deg"/>
+        </inkml:traceFormat>
+        <inkml:channelProperties>
+          <inkml:channelProperty channel="X" name="resolution" value="1000" units="1/cm"/>
+          <inkml:channelProperty channel="Y" name="resolution" value="1000" units="1/cm"/>
+          <inkml:channelProperty channel="F" name="resolution" value="0" units="1/dev"/>
+          <inkml:channelProperty channel="OA" name="resolution" value="1000" units="1/deg"/>
+          <inkml:channelProperty channel="OE" name="resolution" value="1000" units="1/deg"/>
+        </inkml:channelProperties>
+      </inkml:inkSource>
+      <inkml:timestamp xml:id="ts0" timeString="2020-04-29T04:52:27.593"/>
+    </inkml:context>
+    <inkml:brush xml:id="br0">
+      <inkml:brushProperty name="width" value="0.35278" units="cm"/>
+      <inkml:brushProperty name="height" value="0.35278" units="cm"/>
+      <inkml:brushProperty name="color" value="#656BDC"/>
+      <inkml:brushProperty name="inkEffects" value="pencil"/>
+    </inkml:brush>
+  </inkml:definitions>
+  <inkml:trace contextRef="#ctx0" brushRef="#br0">25 157 12123 180000 90000,'-14'-4'0'0'0,"3"6"0"0"0,13 6 0 0 0,1 6 0 0 0,4-5 0 0 0,4 1 0 0 0,1-4 0 0 0,2 0 0 0 0,-1-2 0 0 0,0-2 0 0 0,0-2 0 0 0,0 0 0 0 0,0 0 0 0 0,-2 0 0 0 0,-1-2 0 0 0,-1-1 0 0 0,-1-1 0 0 0,2 0 0 0 0,-2-2 0 0 0,2 0 0 0 0,-1-1 0 0 0,1 0 0 0 0,-2 0 0 0 0,-2 0 0 0 0,1-2 0 0 0,-3 0 0 0 0,0-1 0 0 0,-1 1 0 0 0,0-1 0 0 0,-3-2 0 0 0,1 1 0 0 0,0-1 0 0 0,-1-2 0 0 0,0-1 0 0 0,0 0 0 0 0,0 1 0 0 0,-2 5 0 0 0,-1 2 0 0 0,-3 4 0 0 0,-1 1 0 0 0,-2 2 0 0 0,0 0 0 0 0,0 0 0 0 0,-1 0 0 0 0,2 2 0 0 0,-2 0 0 0 0,1 1 0 0 0,0 1 0 0 0,-2-1 0 0 0,2 1 0 0 0,-3 0 0 0 0,1-1 0 0 0,-2 1 0 0 0,3 1 0 0 0,2-1 0 0 0,3 1 0 0 0,3 0 0 0 0,2 1 0 0 0,0 1 0 0 0,0 0 0 0 0,0 0 0 0 0,0 0 0 0 0,0-1 0 0 0,0-1 0 0 0,2 0 0 0 0,2-1 0 0 0,0 2 0 0 0,2-2 0 0 0,-2-1 0 0 0,3 2 0 0 0,-1-2 0 0 0,1-1 0 0 0,0 3 0 0 0,0-4 0 0 0,0 0 0 0 0,0-1 0 0 0,0 0 0 0 0,1 0 0 0 0,0-1 0 0 0,-2-3 0 0 0,1-3 0 0 0,-5-2 0 0 0,-1-4 0 0 0,-1 2 0 0 0,0-1 0 0 0,-1 1 0 0 0,-4 4 0 0 0,-3 0 0 0 0,-3 5 0 0 0,1 1 0 0 0,-1 1 0 0 0,0 0 0 0 0,4 0 0 0 0,-3 3 0 0 0,4 1 0 0 0,-1 3 0 0 0,2 0 0 0 0,3 0 0 0 0,0 0 0 0 0,2 0 0 0 0,0 1 0 0 0,0-3 0 0 0,2-1 0 0 0,-2-3 0 0 0,-6-2 0 0 0,1-1 0 0 0,-7 0 0 0 0,5 0 0 0 0,1 4 0 0 0,2 3 0 0 0,3 5 0 0 0,1 3 0 0 0,0-2 0 0 0,3 1 0 0 0,1-1 0 0 0,6 0 0 0 0,0 0 0 0 0,5-7 0 0 0,-2-1 0 0 0,2-5 0 0 0,-3-2 0 0 0,-2-1 0 0 0,-2-4 0 0 0,-1 0 0 0 0,-1 0 0 0 0,0-1 0 0 0,-2 2 0 0 0,3-4 0 0 0,-5 5 0 0 0,1-5 0 0 0,-3 6 0 0 0,0-3 0 0 0,-3 4 0 0 0,-5-1 0 0 0,-6 1 0 0 0,-2 2 0 0 0,1 0 0 0 0,5 2 0 0 0,0 1 0 0 0,6 0 0 0 0,-1-3 0 0 0,1-1 0 0 0</inkml:trace>
+</inkml:ink>
+</file>
+
+<file path=ppt/ink/ink79.xml><?xml version="1.0" encoding="utf-8"?>
+<inkml:ink xmlns:inkml="http://www.w3.org/2003/InkML">
+  <inkml:definitions>
+    <inkml:context xml:id="ctx0">
+      <inkml:inkSource xml:id="inkSrc0">
+        <inkml:traceFormat>
+          <inkml:channel name="X" type="integer" min="-2.14748E9" max="2.14748E9" units="cm"/>
+          <inkml:channel name="Y" type="integer" min="-2.14748E9" max="2.14748E9" units="cm"/>
+          <inkml:channel name="F" type="integer" max="32767" units="dev"/>
+          <inkml:channel name="OA" type="integer" max="360" units="deg"/>
+          <inkml:channel name="OE" type="integer" max="90" units="deg"/>
+        </inkml:traceFormat>
+        <inkml:channelProperties>
+          <inkml:channelProperty channel="X" name="resolution" value="1000" units="1/cm"/>
+          <inkml:channelProperty channel="Y" name="resolution" value="1000" units="1/cm"/>
+          <inkml:channelProperty channel="F" name="resolution" value="0" units="1/dev"/>
+          <inkml:channelProperty channel="OA" name="resolution" value="1000" units="1/deg"/>
+          <inkml:channelProperty channel="OE" name="resolution" value="1000" units="1/deg"/>
+        </inkml:channelProperties>
+      </inkml:inkSource>
+      <inkml:timestamp xml:id="ts0" timeString="2020-04-29T04:53:47.545"/>
+    </inkml:context>
+    <inkml:brush xml:id="br0">
+      <inkml:brushProperty name="width" value="0.35278" units="cm"/>
+      <inkml:brushProperty name="height" value="0.35278" units="cm"/>
+      <inkml:brushProperty name="color" value="#66CC00"/>
+      <inkml:brushProperty name="inkEffects" value="pencil"/>
+    </inkml:brush>
+  </inkml:definitions>
+  <inkml:trace contextRef="#ctx0" brushRef="#br0">1 376 12123 180000 90000,'12'28'0'0'0,"-3"2"0"0"0,3 3 0 0 0,2 4 0 0 0,4 3 0 0 0,1 6 0 0 0,2 1 0 0 0,1 7 0 0 0,1 3 0 0 0,4-2 0 0 0,1 3 0 0 0,0-1 0 0 0,3-8 0 0 0,-3-7 0 0 0,0 0 0 0 0,2-12 0 0 0,2 1 0 0 0,3-8 0 0 0,-1-4 0 0 0,3-6 0 0 0,2-8 0 0 0,0-3 0 0 0,5-4 0 0 0,0-13 0 0 0,0-10 0 0 0,4-12 0 0 0,7-14 0 0 0,-1-1 0 0 0,2-8 0 0 0,4-5 0 0 0,-7 5 0 0 0,7-5 0 0 0,2-3 0 0 0,1-1 0 0 0,-1 3 0 0 0,1 1 0 0 0,0 5 0 0 0,-1 5 0 0 0,-5 4 0 0 0,-9 10 0 0 0,2 1 0 0 0,-11 10 0 0 0,0 3 0 0 0,-5 4 0 0 0,-5 4 0 0 0,-2 2 0 0 0,-9 7 0 0 0,0-7 0 0 0,-12 9 0 0 0,1-8 0 0 0,0 5 0 0 0,-3-3 0 0 0,5 3 0 0 0,-8-2 0 0 0,2 2 0 0 0</inkml:trace>
 </inkml:ink>
 </file>
 
@@ -2894,105 +2900,6 @@
           <inkml:channelProperty channel="OE" name="resolution" value="1000" units="1/deg"/>
         </inkml:channelProperties>
       </inkml:inkSource>
-      <inkml:timestamp xml:id="ts0" timeString="2020-04-29T04:52:24.187"/>
-    </inkml:context>
-    <inkml:brush xml:id="br0">
-      <inkml:brushProperty name="width" value="0.35278" units="cm"/>
-      <inkml:brushProperty name="height" value="0.35278" units="cm"/>
-      <inkml:brushProperty name="color" value="#656BDC"/>
-      <inkml:brushProperty name="inkEffects" value="pencil"/>
-    </inkml:brush>
-  </inkml:definitions>
-  <inkml:trace contextRef="#ctx0" brushRef="#br0">36 575 12123 180000 90000,'-8'-22'0'0'0,"1"2"0"0"0,6 6 0 0 0,-1 0 0 0 0,-2-3 0 0 0,0 0 0 0 0,1 0 0 0 0,-1-1 0 0 0,3-1 0 0 0,0 0 0 0 0,0-3 0 0 0,1 1 0 0 0,1 1 0 0 0,2 1 0 0 0,1 0 0 0 0,3-1 0 0 0,3-2 0 0 0,0 2 0 0 0,3-1 0 0 0,0 5 0 0 0,-2 2 0 0 0,2 0 0 0 0,0 0 0 0 0,1 0 0 0 0,5 0 0 0 0,-3 3 0 0 0,6-2 0 0 0,-2 3 0 0 0,3-1 0 0 0,-1 1 0 0 0,2 0 0 0 0,1 0 0 0 0,-3 2 0 0 0,0 0 0 0 0,0 0 0 0 0,0 1 0 0 0,2-1 0 0 0,-2 3 0 0 0,0 0 0 0 0,0 3 0 0 0,-2 1 0 0 0,1 0 0 0 0,-1 1 0 0 0,0 0 0 0 0,-1 0 0 0 0,-1 1 0 0 0,0 0 0 0 0,-2 2 0 0 0,0 3 0 0 0,-2 1 0 0 0,1 2 0 0 0,-1-1 0 0 0,0 1 0 0 0,-1 1 0 0 0,0 0 0 0 0,0 1 0 0 0,1 0 0 0 0,-1 0 0 0 0,-2-1 0 0 0,1 1 0 0 0,-1 1 0 0 0,-2 0 0 0 0,0 1 0 0 0,-2 0 0 0 0,0 2 0 0 0,-1 1 0 0 0,-1 1 0 0 0,-1 0 0 0 0,-1 0 0 0 0,-1 1 0 0 0,0 0 0 0 0,-2 0 0 0 0,0 0 0 0 0,0-1 0 0 0,-1 1 0 0 0,-1 0 0 0 0,-3 2 0 0 0,-4-3 0 0 0,1 3 0 0 0,-1-6 0 0 0,0 3 0 0 0,0-1 0 0 0,-1 0 0 0 0,0 0 0 0 0,0-2 0 0 0,-1 0 0 0 0,2 1 0 0 0,-1-1 0 0 0,2-1 0 0 0,-2-1 0 0 0,2-1 0 0 0,-1-1 0 0 0,2 0 0 0 0,-1 0 0 0 0,0-1 0 0 0,-1 1 0 0 0,2-1 0 0 0,0-1 0 0 0,-2 2 0 0 0,2 0 0 0 0,-2 0 0 0 0,2 1 0 0 0,0 0 0 0 0,-1-1 0 0 0,0 1 0 0 0,0-1 0 0 0,-2-1 0 0 0,2 1 0 0 0,-1 0 0 0 0,-1 2 0 0 0,-1 0 0 0 0,-1 0 0 0 0,0 0 0 0 0,-1 0 0 0 0,2 0 0 0 0,-1 0 0 0 0,0-1 0 0 0,1 1 0 0 0,-1-1 0 0 0,1 0 0 0 0,-1 0 0 0 0,2 1 0 0 0,-1-1 0 0 0,0 1 0 0 0,1 0 0 0 0,0-1 0 0 0,1 1 0 0 0,0-1 0 0 0,1 1 0 0 0,1-2 0 0 0,0 1 0 0 0,-1-2 0 0 0,3 1 0 0 0,-2 1 0 0 0,1 1 0 0 0,1-4 0 0 0,1 1 0 0 0,1-5 0 0 0,3 1 0 0 0,-7-2 0 0 0,6 1 0 0 0,-4 1 0 0 0,4 2 0 0 0,-1 2 0 0 0,-2 1 0 0 0,2 0 0 0 0,-1 1 0 0 0,1 0 0 0 0,0 3 0 0 0,-1-3 0 0 0,3 1 0 0 0,-2-1 0 0 0,0-4 0 0 0,2 3 0 0 0,-1-2 0 0 0,1 1 0 0 0,0 0 0 0 0,0-2 0 0 0,0 1 0 0 0,0 0 0 0 0,0 4 0 0 0,0-3 0 0 0,0 5 0 0 0,0-1 0 0 0,0 0 0 0 0,0-1 0 0 0,0-1 0 0 0,0-2 0 0 0,0-2 0 0 0,0-2 0 0 0,0 0 0 0 0,0 1 0 0 0,1-2 0 0 0,3-1 0 0 0,1-3 0 0 0</inkml:trace>
-</inkml:ink>
-</file>
-
-<file path=ppt/ink/ink81.xml><?xml version="1.0" encoding="utf-8"?>
-<inkml:ink xmlns:inkml="http://www.w3.org/2003/InkML">
-  <inkml:definitions>
-    <inkml:context xml:id="ctx0">
-      <inkml:inkSource xml:id="inkSrc0">
-        <inkml:traceFormat>
-          <inkml:channel name="X" type="integer" min="-2.14748E9" max="2.14748E9" units="cm"/>
-          <inkml:channel name="Y" type="integer" min="-2.14748E9" max="2.14748E9" units="cm"/>
-          <inkml:channel name="F" type="integer" max="32767" units="dev"/>
-          <inkml:channel name="OA" type="integer" max="360" units="deg"/>
-          <inkml:channel name="OE" type="integer" max="90" units="deg"/>
-        </inkml:traceFormat>
-        <inkml:channelProperties>
-          <inkml:channelProperty channel="X" name="resolution" value="1000" units="1/cm"/>
-          <inkml:channelProperty channel="Y" name="resolution" value="1000" units="1/cm"/>
-          <inkml:channelProperty channel="F" name="resolution" value="0" units="1/dev"/>
-          <inkml:channelProperty channel="OA" name="resolution" value="1000" units="1/deg"/>
-          <inkml:channelProperty channel="OE" name="resolution" value="1000" units="1/deg"/>
-        </inkml:channelProperties>
-      </inkml:inkSource>
-      <inkml:timestamp xml:id="ts0" timeString="2020-04-29T04:52:27.593"/>
-    </inkml:context>
-    <inkml:brush xml:id="br0">
-      <inkml:brushProperty name="width" value="0.35278" units="cm"/>
-      <inkml:brushProperty name="height" value="0.35278" units="cm"/>
-      <inkml:brushProperty name="color" value="#656BDC"/>
-      <inkml:brushProperty name="inkEffects" value="pencil"/>
-    </inkml:brush>
-  </inkml:definitions>
-  <inkml:trace contextRef="#ctx0" brushRef="#br0">25 157 12123 180000 90000,'-14'-4'0'0'0,"3"6"0"0"0,13 6 0 0 0,1 6 0 0 0,4-5 0 0 0,4 1 0 0 0,1-4 0 0 0,2 0 0 0 0,-1-2 0 0 0,0-2 0 0 0,0-2 0 0 0,0 0 0 0 0,0 0 0 0 0,-2 0 0 0 0,-1-2 0 0 0,-1-1 0 0 0,-1-1 0 0 0,2 0 0 0 0,-2-2 0 0 0,2 0 0 0 0,-1-1 0 0 0,1 0 0 0 0,-2 0 0 0 0,-2 0 0 0 0,1-2 0 0 0,-3 0 0 0 0,0-1 0 0 0,-1 1 0 0 0,0-1 0 0 0,-3-2 0 0 0,1 1 0 0 0,0-1 0 0 0,-1-2 0 0 0,0-1 0 0 0,0 0 0 0 0,0 1 0 0 0,-2 5 0 0 0,-1 2 0 0 0,-3 4 0 0 0,-1 1 0 0 0,-2 2 0 0 0,0 0 0 0 0,0 0 0 0 0,-1 0 0 0 0,2 2 0 0 0,-2 0 0 0 0,1 1 0 0 0,0 1 0 0 0,-2-1 0 0 0,2 1 0 0 0,-3 0 0 0 0,1-1 0 0 0,-2 1 0 0 0,3 1 0 0 0,2-1 0 0 0,3 1 0 0 0,3 0 0 0 0,2 1 0 0 0,0 1 0 0 0,0 0 0 0 0,0 0 0 0 0,0 0 0 0 0,0-1 0 0 0,0-1 0 0 0,2 0 0 0 0,2-1 0 0 0,0 2 0 0 0,2-2 0 0 0,-2-1 0 0 0,3 2 0 0 0,-1-2 0 0 0,1-1 0 0 0,0 3 0 0 0,0-4 0 0 0,0 0 0 0 0,0-1 0 0 0,0 0 0 0 0,1 0 0 0 0,0-1 0 0 0,-2-3 0 0 0,1-3 0 0 0,-5-2 0 0 0,-1-4 0 0 0,-1 2 0 0 0,0-1 0 0 0,-1 1 0 0 0,-4 4 0 0 0,-3 0 0 0 0,-3 5 0 0 0,1 1 0 0 0,-1 1 0 0 0,0 0 0 0 0,4 0 0 0 0,-3 3 0 0 0,4 1 0 0 0,-1 3 0 0 0,2 0 0 0 0,3 0 0 0 0,0 0 0 0 0,2 0 0 0 0,0 1 0 0 0,0-3 0 0 0,2-1 0 0 0,-2-3 0 0 0,-6-2 0 0 0,1-1 0 0 0,-7 0 0 0 0,5 0 0 0 0,1 4 0 0 0,2 3 0 0 0,3 5 0 0 0,1 3 0 0 0,0-2 0 0 0,3 1 0 0 0,1-1 0 0 0,6 0 0 0 0,0 0 0 0 0,5-7 0 0 0,-2-1 0 0 0,2-5 0 0 0,-3-2 0 0 0,-2-1 0 0 0,-2-4 0 0 0,-1 0 0 0 0,-1 0 0 0 0,0-1 0 0 0,-2 2 0 0 0,3-4 0 0 0,-5 5 0 0 0,1-5 0 0 0,-3 6 0 0 0,0-3 0 0 0,-3 4 0 0 0,-5-1 0 0 0,-6 1 0 0 0,-2 2 0 0 0,1 0 0 0 0,5 2 0 0 0,0 1 0 0 0,6 0 0 0 0,-1-3 0 0 0,1-1 0 0 0</inkml:trace>
-</inkml:ink>
-</file>
-
-<file path=ppt/ink/ink82.xml><?xml version="1.0" encoding="utf-8"?>
-<inkml:ink xmlns:inkml="http://www.w3.org/2003/InkML">
-  <inkml:definitions>
-    <inkml:context xml:id="ctx0">
-      <inkml:inkSource xml:id="inkSrc0">
-        <inkml:traceFormat>
-          <inkml:channel name="X" type="integer" min="-2.14748E9" max="2.14748E9" units="cm"/>
-          <inkml:channel name="Y" type="integer" min="-2.14748E9" max="2.14748E9" units="cm"/>
-          <inkml:channel name="F" type="integer" max="32767" units="dev"/>
-          <inkml:channel name="OA" type="integer" max="360" units="deg"/>
-          <inkml:channel name="OE" type="integer" max="90" units="deg"/>
-        </inkml:traceFormat>
-        <inkml:channelProperties>
-          <inkml:channelProperty channel="X" name="resolution" value="1000" units="1/cm"/>
-          <inkml:channelProperty channel="Y" name="resolution" value="1000" units="1/cm"/>
-          <inkml:channelProperty channel="F" name="resolution" value="0" units="1/dev"/>
-          <inkml:channelProperty channel="OA" name="resolution" value="1000" units="1/deg"/>
-          <inkml:channelProperty channel="OE" name="resolution" value="1000" units="1/deg"/>
-        </inkml:channelProperties>
-      </inkml:inkSource>
-      <inkml:timestamp xml:id="ts0" timeString="2020-04-29T04:53:47.545"/>
-    </inkml:context>
-    <inkml:brush xml:id="br0">
-      <inkml:brushProperty name="width" value="0.35278" units="cm"/>
-      <inkml:brushProperty name="height" value="0.35278" units="cm"/>
-      <inkml:brushProperty name="color" value="#66CC00"/>
-      <inkml:brushProperty name="inkEffects" value="pencil"/>
-    </inkml:brush>
-  </inkml:definitions>
-  <inkml:trace contextRef="#ctx0" brushRef="#br0">1 376 12123 180000 90000,'12'28'0'0'0,"-3"2"0"0"0,3 3 0 0 0,2 4 0 0 0,4 3 0 0 0,1 6 0 0 0,2 1 0 0 0,1 7 0 0 0,1 3 0 0 0,4-2 0 0 0,1 3 0 0 0,0-1 0 0 0,3-8 0 0 0,-3-7 0 0 0,0 0 0 0 0,2-12 0 0 0,2 1 0 0 0,3-8 0 0 0,-1-4 0 0 0,3-6 0 0 0,2-8 0 0 0,0-3 0 0 0,5-4 0 0 0,0-13 0 0 0,0-10 0 0 0,4-12 0 0 0,7-14 0 0 0,-1-1 0 0 0,2-8 0 0 0,4-5 0 0 0,-7 5 0 0 0,7-5 0 0 0,2-3 0 0 0,1-1 0 0 0,-1 3 0 0 0,1 1 0 0 0,0 5 0 0 0,-1 5 0 0 0,-5 4 0 0 0,-9 10 0 0 0,2 1 0 0 0,-11 10 0 0 0,0 3 0 0 0,-5 4 0 0 0,-5 4 0 0 0,-2 2 0 0 0,-9 7 0 0 0,0-7 0 0 0,-12 9 0 0 0,1-8 0 0 0,0 5 0 0 0,-3-3 0 0 0,5 3 0 0 0,-8-2 0 0 0,2 2 0 0 0</inkml:trace>
-</inkml:ink>
-</file>
-
-<file path=ppt/ink/ink83.xml><?xml version="1.0" encoding="utf-8"?>
-<inkml:ink xmlns:inkml="http://www.w3.org/2003/InkML">
-  <inkml:definitions>
-    <inkml:context xml:id="ctx0">
-      <inkml:inkSource xml:id="inkSrc0">
-        <inkml:traceFormat>
-          <inkml:channel name="X" type="integer" min="-2.14748E9" max="2.14748E9" units="cm"/>
-          <inkml:channel name="Y" type="integer" min="-2.14748E9" max="2.14748E9" units="cm"/>
-          <inkml:channel name="F" type="integer" max="32767" units="dev"/>
-          <inkml:channel name="OA" type="integer" max="360" units="deg"/>
-          <inkml:channel name="OE" type="integer" max="90" units="deg"/>
-        </inkml:traceFormat>
-        <inkml:channelProperties>
-          <inkml:channelProperty channel="X" name="resolution" value="1000" units="1/cm"/>
-          <inkml:channelProperty channel="Y" name="resolution" value="1000" units="1/cm"/>
-          <inkml:channelProperty channel="F" name="resolution" value="0" units="1/dev"/>
-          <inkml:channelProperty channel="OA" name="resolution" value="1000" units="1/deg"/>
-          <inkml:channelProperty channel="OE" name="resolution" value="1000" units="1/deg"/>
-        </inkml:channelProperties>
-      </inkml:inkSource>
       <inkml:timestamp xml:id="ts0" timeString="2020-04-29T04:54:15.471"/>
     </inkml:context>
     <inkml:brush xml:id="br0">
@@ -3006,7 +2913,7 @@
 </inkml:ink>
 </file>
 
-<file path=ppt/ink/ink84.xml><?xml version="1.0" encoding="utf-8"?>
+<file path=ppt/ink/ink81.xml><?xml version="1.0" encoding="utf-8"?>
 <inkml:ink xmlns:inkml="http://www.w3.org/2003/InkML">
   <inkml:definitions>
     <inkml:context xml:id="ctx0">
@@ -3154,7 +3061,7 @@
           <a:p>
             <a:fld id="{A4C910F3-A807-AD4C-AA74-9253008F2589}" type="datetimeFigureOut">
               <a:rPr lang="en-US" smtClean="0"/>
-              <a:t>4/29/20</a:t>
+              <a:t>10/11/20</a:t>
             </a:fld>
             <a:endParaRPr lang="en-US"/>
           </a:p>
@@ -4756,7 +4663,7 @@
           <a:p>
             <a:fld id="{8CAC86CB-635E-A640-A417-ABF8A6FBE11F}" type="datetime1">
               <a:rPr lang="en-US" smtClean="0"/>
-              <a:t>4/29/20</a:t>
+              <a:t>10/11/20</a:t>
             </a:fld>
             <a:endParaRPr lang="en-US"/>
           </a:p>
@@ -4954,7 +4861,7 @@
           <a:p>
             <a:fld id="{3B72D6E1-9A92-5143-822C-B468088CC8AA}" type="datetime1">
               <a:rPr lang="en-US" smtClean="0"/>
-              <a:t>4/29/20</a:t>
+              <a:t>10/11/20</a:t>
             </a:fld>
             <a:endParaRPr lang="en-US"/>
           </a:p>
@@ -5162,7 +5069,7 @@
           <a:p>
             <a:fld id="{BE8CA6C7-B5B7-6840-BB63-6D85101AD2CA}" type="datetime1">
               <a:rPr lang="en-US" smtClean="0"/>
-              <a:t>4/29/20</a:t>
+              <a:t>10/11/20</a:t>
             </a:fld>
             <a:endParaRPr lang="en-US"/>
           </a:p>
@@ -5360,7 +5267,7 @@
           <a:p>
             <a:fld id="{8DE38064-6371-E340-9682-814083EAE5A2}" type="datetime1">
               <a:rPr lang="en-US" smtClean="0"/>
-              <a:t>4/29/20</a:t>
+              <a:t>10/11/20</a:t>
             </a:fld>
             <a:endParaRPr lang="en-US"/>
           </a:p>
@@ -5635,7 +5542,7 @@
           <a:p>
             <a:fld id="{4F9E494A-F970-8F4C-81A9-2836211927C2}" type="datetime1">
               <a:rPr lang="en-US" smtClean="0"/>
-              <a:t>4/29/20</a:t>
+              <a:t>10/11/20</a:t>
             </a:fld>
             <a:endParaRPr lang="en-US"/>
           </a:p>
@@ -5900,7 +5807,7 @@
           <a:p>
             <a:fld id="{0CCBBA77-5901-194A-A7B9-A009861B1927}" type="datetime1">
               <a:rPr lang="en-US" smtClean="0"/>
-              <a:t>4/29/20</a:t>
+              <a:t>10/11/20</a:t>
             </a:fld>
             <a:endParaRPr lang="en-US"/>
           </a:p>
@@ -6312,7 +6219,7 @@
           <a:p>
             <a:fld id="{A132EA86-CB37-DB4B-B38F-B2C769C391ED}" type="datetime1">
               <a:rPr lang="en-US" smtClean="0"/>
-              <a:t>4/29/20</a:t>
+              <a:t>10/11/20</a:t>
             </a:fld>
             <a:endParaRPr lang="en-US"/>
           </a:p>
@@ -6453,7 +6360,7 @@
           <a:p>
             <a:fld id="{3A68F1E0-835F-C14A-8EB4-EC9B211167DB}" type="datetime1">
               <a:rPr lang="en-US" smtClean="0"/>
-              <a:t>4/29/20</a:t>
+              <a:t>10/11/20</a:t>
             </a:fld>
             <a:endParaRPr lang="en-US"/>
           </a:p>
@@ -6566,7 +6473,7 @@
           <a:p>
             <a:fld id="{FCFE1398-AC00-3445-AD83-96010981F1FD}" type="datetime1">
               <a:rPr lang="en-US" smtClean="0"/>
-              <a:t>4/29/20</a:t>
+              <a:t>10/11/20</a:t>
             </a:fld>
             <a:endParaRPr lang="en-US"/>
           </a:p>
@@ -6877,7 +6784,7 @@
           <a:p>
             <a:fld id="{5F7C2F1A-4F46-524F-9B1A-D9C049B8EA13}" type="datetime1">
               <a:rPr lang="en-US" smtClean="0"/>
-              <a:t>4/29/20</a:t>
+              <a:t>10/11/20</a:t>
             </a:fld>
             <a:endParaRPr lang="en-US"/>
           </a:p>
@@ -7165,7 +7072,7 @@
           <a:p>
             <a:fld id="{988F4D57-BEB2-6A46-A249-731311247323}" type="datetime1">
               <a:rPr lang="en-US" smtClean="0"/>
-              <a:t>4/29/20</a:t>
+              <a:t>10/11/20</a:t>
             </a:fld>
             <a:endParaRPr lang="en-US"/>
           </a:p>
@@ -7416,7 +7323,7 @@
           <a:p>
             <a:fld id="{80F0DE08-FDBC-9440-9D82-4B808B2BAA98}" type="datetime1">
               <a:rPr lang="en-US" smtClean="0"/>
-              <a:t>4/29/20</a:t>
+              <a:t>10/11/20</a:t>
             </a:fld>
             <a:endParaRPr lang="en-US"/>
           </a:p>
@@ -11430,12 +11337,110 @@
           <a:chExt cx="0" cy="0"/>
         </a:xfrm>
       </p:grpSpPr>
+      <p:sp>
+        <p:nvSpPr>
+          <p:cNvPr id="11" name="Title 10">
+            <a:extLst>
+              <a:ext uri="{FF2B5EF4-FFF2-40B4-BE49-F238E27FC236}">
+                <a16:creationId xmlns:a16="http://schemas.microsoft.com/office/drawing/2014/main" id="{0B8220AE-7795-6841-8DD8-635293FC56C4}"/>
+              </a:ext>
+            </a:extLst>
+          </p:cNvPr>
+          <p:cNvSpPr>
+            <a:spLocks noGrp="1"/>
+          </p:cNvSpPr>
+          <p:nvPr>
+            <p:ph type="title"/>
+          </p:nvPr>
+        </p:nvSpPr>
+        <p:spPr/>
+        <p:txBody>
+          <a:bodyPr/>
+          <a:lstStyle/>
+          <a:p>
+            <a:r>
+              <a:rPr lang="en-US" dirty="0"/>
+              <a:t>Extension functions vs. Scope functions</a:t>
+            </a:r>
+          </a:p>
+        </p:txBody>
+      </p:sp>
+      <p:sp>
+        <p:nvSpPr>
+          <p:cNvPr id="2" name="Slide Number Placeholder 1">
+            <a:extLst>
+              <a:ext uri="{FF2B5EF4-FFF2-40B4-BE49-F238E27FC236}">
+                <a16:creationId xmlns:a16="http://schemas.microsoft.com/office/drawing/2014/main" id="{E28465EA-401C-F543-9E2A-B770647863D6}"/>
+              </a:ext>
+            </a:extLst>
+          </p:cNvPr>
+          <p:cNvSpPr>
+            <a:spLocks noGrp="1"/>
+          </p:cNvSpPr>
+          <p:nvPr>
+            <p:ph type="sldNum" sz="quarter" idx="12"/>
+          </p:nvPr>
+        </p:nvSpPr>
+        <p:spPr/>
+        <p:txBody>
+          <a:bodyPr/>
+          <a:lstStyle/>
+          <a:p>
+            <a:fld id="{DA2D24A9-AE57-EE40-8DA2-821B06FE2B8A}" type="slidenum">
+              <a:rPr lang="en-US" smtClean="0"/>
+              <a:t>1</a:t>
+            </a:fld>
+            <a:endParaRPr lang="en-US"/>
+          </a:p>
+        </p:txBody>
+      </p:sp>
+      <p:sp>
+        <p:nvSpPr>
+          <p:cNvPr id="42" name="TextBox 41">
+            <a:extLst>
+              <a:ext uri="{FF2B5EF4-FFF2-40B4-BE49-F238E27FC236}">
+                <a16:creationId xmlns:a16="http://schemas.microsoft.com/office/drawing/2014/main" id="{1AF46F52-9CF4-9047-8926-74A2FACF7878}"/>
+              </a:ext>
+            </a:extLst>
+          </p:cNvPr>
+          <p:cNvSpPr txBox="1"/>
+          <p:nvPr/>
+        </p:nvSpPr>
+        <p:spPr>
+          <a:xfrm>
+            <a:off x="4488175" y="1976659"/>
+            <a:ext cx="3106556" cy="523220"/>
+          </a:xfrm>
+          <a:prstGeom prst="rect">
+            <a:avLst/>
+          </a:prstGeom>
+          <a:noFill/>
+        </p:spPr>
+        <p:txBody>
+          <a:bodyPr wrap="none" rtlCol="0">
+            <a:spAutoFit/>
+          </a:bodyPr>
+          <a:lstStyle/>
+          <a:p>
+            <a:r>
+              <a:rPr lang="en-US" sz="2800" b="1" dirty="0">
+                <a:ln>
+                  <a:solidFill>
+                    <a:schemeClr val="bg1"/>
+                  </a:solidFill>
+                </a:ln>
+              </a:rPr>
+              <a:t>extension functions</a:t>
+            </a:r>
+          </a:p>
+        </p:txBody>
+      </p:sp>
       <p:grpSp>
         <p:nvGrpSpPr>
-          <p:cNvPr id="49" name="Group 48">
+          <p:cNvPr id="6" name="Group 5">
             <a:extLst>
               <a:ext uri="{FF2B5EF4-FFF2-40B4-BE49-F238E27FC236}">
-                <a16:creationId xmlns:a16="http://schemas.microsoft.com/office/drawing/2014/main" id="{2CD7AD01-708C-094E-9EAA-121C4B370F50}"/>
+                <a16:creationId xmlns:a16="http://schemas.microsoft.com/office/drawing/2014/main" id="{C46332C0-C2B8-6344-9355-B4F87AA9068D}"/>
               </a:ext>
             </a:extLst>
           </p:cNvPr>
@@ -11444,63 +11449,144 @@
         </p:nvGrpSpPr>
         <p:grpSpPr>
           <a:xfrm>
-            <a:off x="697344" y="1464667"/>
-            <a:ext cx="10320062" cy="5210807"/>
-            <a:chOff x="697343" y="1464667"/>
-            <a:chExt cx="10730997" cy="5210807"/>
+            <a:off x="697344" y="1470733"/>
+            <a:ext cx="10320062" cy="5204741"/>
+            <a:chOff x="697344" y="1470733"/>
+            <a:chExt cx="10320062" cy="5204741"/>
           </a:xfrm>
         </p:grpSpPr>
-        <mc:AlternateContent xmlns:mc="http://schemas.openxmlformats.org/markup-compatibility/2006" xmlns:p14="http://schemas.microsoft.com/office/powerpoint/2010/main">
-          <mc:Choice Requires="p14">
-            <p:contentPart p14:bwMode="auto" r:id="rId3">
-              <p14:nvContentPartPr>
-                <p14:cNvPr id="63" name="Ink 62">
-                  <a:extLst>
-                    <a:ext uri="{FF2B5EF4-FFF2-40B4-BE49-F238E27FC236}">
-                      <a16:creationId xmlns:a16="http://schemas.microsoft.com/office/drawing/2014/main" id="{17F68251-70A2-F84D-9B46-81C453550613}"/>
-                    </a:ext>
-                  </a:extLst>
-                </p14:cNvPr>
-                <p14:cNvContentPartPr/>
-                <p14:nvPr/>
-              </p14:nvContentPartPr>
-              <p14:xfrm>
-                <a:off x="697343" y="1470733"/>
-                <a:ext cx="10730997" cy="5131246"/>
-              </p14:xfrm>
-            </p:contentPart>
-          </mc:Choice>
-          <mc:Fallback xmlns="">
-            <p:pic>
-              <p:nvPicPr>
-                <p:cNvPr id="63" name="Ink 62">
-                  <a:extLst>
-                    <a:ext uri="{FF2B5EF4-FFF2-40B4-BE49-F238E27FC236}">
-                      <a16:creationId xmlns:a16="http://schemas.microsoft.com/office/drawing/2014/main" id="{17F68251-70A2-F84D-9B46-81C453550613}"/>
-                    </a:ext>
-                  </a:extLst>
-                </p:cNvPr>
-                <p:cNvPicPr/>
-                <p:nvPr/>
-              </p:nvPicPr>
-              <p:blipFill>
-                <a:blip r:embed="rId4"/>
-                <a:stretch>
-                  <a:fillRect/>
-                </a:stretch>
-              </p:blipFill>
-              <p:spPr>
-                <a:xfrm>
-                  <a:off x="682222" y="1455252"/>
-                  <a:ext cx="10761598" cy="5161847"/>
-                </a:xfrm>
-                <a:prstGeom prst="rect">
-                  <a:avLst/>
-                </a:prstGeom>
-              </p:spPr>
-            </p:pic>
-          </mc:Fallback>
-        </mc:AlternateContent>
+        <p:sp>
+          <p:nvSpPr>
+            <p:cNvPr id="4" name="Title 1">
+              <a:extLst>
+                <a:ext uri="{FF2B5EF4-FFF2-40B4-BE49-F238E27FC236}">
+                  <a16:creationId xmlns:a16="http://schemas.microsoft.com/office/drawing/2014/main" id="{B6D05368-E781-7242-8E99-C8101FB93787}"/>
+                </a:ext>
+              </a:extLst>
+            </p:cNvPr>
+            <p:cNvSpPr txBox="1">
+              <a:spLocks/>
+            </p:cNvSpPr>
+            <p:nvPr/>
+          </p:nvSpPr>
+          <p:spPr>
+            <a:xfrm>
+              <a:off x="5685320" y="2628904"/>
+              <a:ext cx="2596234" cy="2780301"/>
+            </a:xfrm>
+            <a:prstGeom prst="rect">
+              <a:avLst/>
+            </a:prstGeom>
+          </p:spPr>
+          <p:txBody>
+            <a:bodyPr vert="horz" lIns="91440" tIns="45720" rIns="91440" bIns="45720" rtlCol="0" anchor="ctr">
+              <a:normAutofit fontScale="77500" lnSpcReduction="20000"/>
+            </a:bodyPr>
+            <a:lstStyle>
+              <a:lvl1pPr algn="l" defTabSz="914400" rtl="0" eaLnBrk="1" latinLnBrk="0" hangingPunct="1">
+                <a:lnSpc>
+                  <a:spcPct val="90000"/>
+                </a:lnSpc>
+                <a:spcBef>
+                  <a:spcPct val="0"/>
+                </a:spcBef>
+                <a:buNone/>
+                <a:defRPr sz="4400" kern="1200">
+                  <a:solidFill>
+                    <a:schemeClr val="tx1"/>
+                  </a:solidFill>
+                  <a:latin typeface="+mj-lt"/>
+                  <a:ea typeface="+mj-ea"/>
+                  <a:cs typeface="+mj-cs"/>
+                </a:defRPr>
+              </a:lvl1pPr>
+            </a:lstStyle>
+            <a:p>
+              <a:r>
+                <a:rPr lang="en-US" b="1" dirty="0">
+                  <a:ln w="6350">
+                    <a:solidFill>
+                      <a:srgbClr val="33CCFF"/>
+                    </a:solidFill>
+                  </a:ln>
+                </a:rPr>
+                <a:t>.forEach</a:t>
+              </a:r>
+            </a:p>
+            <a:p>
+              <a:r>
+                <a:rPr lang="en-US" b="1" dirty="0">
+                  <a:ln w="6350">
+                    <a:solidFill>
+                      <a:srgbClr val="33CCFF"/>
+                    </a:solidFill>
+                  </a:ln>
+                </a:rPr>
+                <a:t>.find</a:t>
+              </a:r>
+            </a:p>
+            <a:p>
+              <a:r>
+                <a:rPr lang="en-US" b="1" dirty="0">
+                  <a:ln w="6350">
+                    <a:solidFill>
+                      <a:srgbClr val="33CCFF"/>
+                    </a:solidFill>
+                  </a:ln>
+                </a:rPr>
+                <a:t>.first</a:t>
+              </a:r>
+            </a:p>
+            <a:p>
+              <a:r>
+                <a:rPr lang="en-US" b="1" dirty="0">
+                  <a:ln w="6350">
+                    <a:solidFill>
+                      <a:srgbClr val="33CCFF"/>
+                    </a:solidFill>
+                  </a:ln>
+                </a:rPr>
+                <a:t>.map</a:t>
+              </a:r>
+            </a:p>
+            <a:p>
+              <a:r>
+                <a:rPr lang="en-US" b="1" dirty="0">
+                  <a:ln w="6350">
+                    <a:solidFill>
+                      <a:srgbClr val="33CCFF"/>
+                    </a:solidFill>
+                  </a:ln>
+                </a:rPr>
+                <a:t>.filter</a:t>
+              </a:r>
+            </a:p>
+            <a:p>
+              <a:r>
+                <a:rPr lang="en-US" b="1" dirty="0">
+                  <a:ln w="6350">
+                    <a:solidFill>
+                      <a:srgbClr val="33CCFF"/>
+                    </a:solidFill>
+                  </a:ln>
+                </a:rPr>
+                <a:t>.toString</a:t>
+              </a:r>
+            </a:p>
+            <a:p>
+              <a:r>
+                <a:rPr lang="en-US" b="1" dirty="0">
+                  <a:ln w="6350">
+                    <a:solidFill>
+                      <a:srgbClr val="33CCFF"/>
+                    </a:solidFill>
+                  </a:ln>
+                </a:rPr>
+                <a:t>.plus</a:t>
+              </a:r>
+            </a:p>
+          </p:txBody>
+        </p:sp>
         <p:grpSp>
           <p:nvGrpSpPr>
             <p:cNvPr id="38" name="Group 37">
@@ -11515,12 +11601,63 @@
           </p:nvGrpSpPr>
           <p:grpSpPr>
             <a:xfrm>
-              <a:off x="2223655" y="1464667"/>
-              <a:ext cx="7502236" cy="5210807"/>
-              <a:chOff x="3973107" y="1735599"/>
-              <a:chExt cx="5106600" cy="3546877"/>
+              <a:off x="1940767" y="1718610"/>
+              <a:ext cx="7439385" cy="4956864"/>
+              <a:chOff x="3814252" y="1908452"/>
+              <a:chExt cx="5265455" cy="3374024"/>
             </a:xfrm>
           </p:grpSpPr>
+          <mc:AlternateContent xmlns:mc="http://schemas.openxmlformats.org/markup-compatibility/2006" xmlns:p14="http://schemas.microsoft.com/office/powerpoint/2010/main">
+            <mc:Choice Requires="p14">
+              <p:contentPart p14:bwMode="auto" r:id="rId3">
+                <p14:nvContentPartPr>
+                  <p14:cNvPr id="62" name="Ink 61">
+                    <a:extLst>
+                      <a:ext uri="{FF2B5EF4-FFF2-40B4-BE49-F238E27FC236}">
+                        <a16:creationId xmlns:a16="http://schemas.microsoft.com/office/drawing/2014/main" id="{5F50A106-07D0-CB49-86BF-A138D73D8BC1}"/>
+                      </a:ext>
+                    </a:extLst>
+                  </p14:cNvPr>
+                  <p14:cNvContentPartPr/>
+                  <p14:nvPr/>
+                </p14:nvContentPartPr>
+                <p14:xfrm>
+                  <a:off x="4581507" y="1908452"/>
+                  <a:ext cx="4267440" cy="3281070"/>
+                </p14:xfrm>
+              </p:contentPart>
+            </mc:Choice>
+            <mc:Fallback xmlns="">
+              <p:pic>
+                <p:nvPicPr>
+                  <p:cNvPr id="62" name="Ink 61">
+                    <a:extLst>
+                      <a:ext uri="{FF2B5EF4-FFF2-40B4-BE49-F238E27FC236}">
+                        <a16:creationId xmlns:a16="http://schemas.microsoft.com/office/drawing/2014/main" id="{5F50A106-07D0-CB49-86BF-A138D73D8BC1}"/>
+                      </a:ext>
+                    </a:extLst>
+                  </p:cNvPr>
+                  <p:cNvPicPr/>
+                  <p:nvPr/>
+                </p:nvPicPr>
+                <p:blipFill>
+                  <a:blip r:embed="rId4"/>
+                  <a:stretch>
+                    <a:fillRect/>
+                  </a:stretch>
+                </p:blipFill>
+                <p:spPr>
+                  <a:xfrm>
+                    <a:off x="4570550" y="1897915"/>
+                    <a:ext cx="4289098" cy="3301653"/>
+                  </a:xfrm>
+                  <a:prstGeom prst="rect">
+                    <a:avLst/>
+                  </a:prstGeom>
+                </p:spPr>
+              </p:pic>
+            </mc:Fallback>
+          </mc:AlternateContent>
           <mc:AlternateContent xmlns:mc="http://schemas.openxmlformats.org/markup-compatibility/2006" xmlns:p14="http://schemas.microsoft.com/office/powerpoint/2010/main" xmlns:aink="http://schemas.microsoft.com/office/drawing/2016/ink">
             <mc:Choice Requires="p14 aink">
               <p:contentPart p14:bwMode="auto" r:id="rId5">
@@ -11576,108 +11713,6 @@
             <mc:Choice Requires="p14">
               <p:contentPart p14:bwMode="auto" r:id="rId7">
                 <p14:nvContentPartPr>
-                  <p14:cNvPr id="59" name="Ink 58">
-                    <a:extLst>
-                      <a:ext uri="{FF2B5EF4-FFF2-40B4-BE49-F238E27FC236}">
-                        <a16:creationId xmlns:a16="http://schemas.microsoft.com/office/drawing/2014/main" id="{EAD531F2-E92C-F248-B963-34004B914313}"/>
-                      </a:ext>
-                    </a:extLst>
-                  </p14:cNvPr>
-                  <p14:cNvContentPartPr/>
-                  <p14:nvPr/>
-                </p14:nvContentPartPr>
-                <p14:xfrm>
-                  <a:off x="7002238" y="1735599"/>
-                  <a:ext cx="42437" cy="28784"/>
-                </p14:xfrm>
-              </p:contentPart>
-            </mc:Choice>
-            <mc:Fallback xmlns="">
-              <p:pic>
-                <p:nvPicPr>
-                  <p:cNvPr id="59" name="Ink 58">
-                    <a:extLst>
-                      <a:ext uri="{FF2B5EF4-FFF2-40B4-BE49-F238E27FC236}">
-                        <a16:creationId xmlns:a16="http://schemas.microsoft.com/office/drawing/2014/main" id="{EAD531F2-E92C-F248-B963-34004B914313}"/>
-                      </a:ext>
-                    </a:extLst>
-                  </p:cNvPr>
-                  <p:cNvPicPr/>
-                  <p:nvPr/>
-                </p:nvPicPr>
-                <p:blipFill>
-                  <a:blip r:embed="rId8"/>
-                  <a:stretch>
-                    <a:fillRect/>
-                  </a:stretch>
-                </p:blipFill>
-                <p:spPr>
-                  <a:xfrm>
-                    <a:off x="6991690" y="1725266"/>
-                    <a:ext cx="63288" cy="49695"/>
-                  </a:xfrm>
-                  <a:prstGeom prst="rect">
-                    <a:avLst/>
-                  </a:prstGeom>
-                </p:spPr>
-              </p:pic>
-            </mc:Fallback>
-          </mc:AlternateContent>
-          <mc:AlternateContent xmlns:mc="http://schemas.openxmlformats.org/markup-compatibility/2006" xmlns:p14="http://schemas.microsoft.com/office/powerpoint/2010/main">
-            <mc:Choice Requires="p14">
-              <p:contentPart p14:bwMode="auto" r:id="rId9">
-                <p14:nvContentPartPr>
-                  <p14:cNvPr id="62" name="Ink 61">
-                    <a:extLst>
-                      <a:ext uri="{FF2B5EF4-FFF2-40B4-BE49-F238E27FC236}">
-                        <a16:creationId xmlns:a16="http://schemas.microsoft.com/office/drawing/2014/main" id="{5F50A106-07D0-CB49-86BF-A138D73D8BC1}"/>
-                      </a:ext>
-                    </a:extLst>
-                  </p14:cNvPr>
-                  <p14:cNvContentPartPr/>
-                  <p14:nvPr/>
-                </p14:nvContentPartPr>
-                <p14:xfrm>
-                  <a:off x="4420587" y="1778596"/>
-                  <a:ext cx="4267440" cy="3391920"/>
-                </p14:xfrm>
-              </p:contentPart>
-            </mc:Choice>
-            <mc:Fallback xmlns="">
-              <p:pic>
-                <p:nvPicPr>
-                  <p:cNvPr id="62" name="Ink 61">
-                    <a:extLst>
-                      <a:ext uri="{FF2B5EF4-FFF2-40B4-BE49-F238E27FC236}">
-                        <a16:creationId xmlns:a16="http://schemas.microsoft.com/office/drawing/2014/main" id="{5F50A106-07D0-CB49-86BF-A138D73D8BC1}"/>
-                      </a:ext>
-                    </a:extLst>
-                  </p:cNvPr>
-                  <p:cNvPicPr/>
-                  <p:nvPr/>
-                </p:nvPicPr>
-                <p:blipFill>
-                  <a:blip r:embed="rId10"/>
-                  <a:stretch>
-                    <a:fillRect/>
-                  </a:stretch>
-                </p:blipFill>
-                <p:spPr>
-                  <a:xfrm>
-                    <a:off x="4410295" y="1768304"/>
-                    <a:ext cx="4288269" cy="3412749"/>
-                  </a:xfrm>
-                  <a:prstGeom prst="rect">
-                    <a:avLst/>
-                  </a:prstGeom>
-                </p:spPr>
-              </p:pic>
-            </mc:Fallback>
-          </mc:AlternateContent>
-          <mc:AlternateContent xmlns:mc="http://schemas.openxmlformats.org/markup-compatibility/2006" xmlns:p14="http://schemas.microsoft.com/office/powerpoint/2010/main">
-            <mc:Choice Requires="p14">
-              <p:contentPart p14:bwMode="auto" r:id="rId11">
-                <p14:nvContentPartPr>
                   <p14:cNvPr id="27" name="Ink 26">
                     <a:extLst>
                       <a:ext uri="{FF2B5EF4-FFF2-40B4-BE49-F238E27FC236}">
@@ -11689,8 +11724,8 @@
                   <p14:nvPr/>
                 </p14:nvContentPartPr>
                 <p14:xfrm>
-                  <a:off x="3973107" y="2750956"/>
-                  <a:ext cx="2101320" cy="1449360"/>
+                  <a:off x="3814252" y="2683747"/>
+                  <a:ext cx="2260176" cy="1516568"/>
                 </p14:xfrm>
               </p:contentPart>
             </mc:Choice>
@@ -11708,15 +11743,15 @@
                   <p:nvPr/>
                 </p:nvPicPr>
                 <p:blipFill>
-                  <a:blip r:embed="rId12"/>
+                  <a:blip r:embed="rId8"/>
                   <a:stretch>
                     <a:fillRect/>
                   </a:stretch>
                 </p:blipFill>
                 <p:spPr>
                   <a:xfrm>
-                    <a:off x="3962569" y="2740665"/>
-                    <a:ext cx="2122152" cy="1470188"/>
+                    <a:off x="3803295" y="2673210"/>
+                    <a:ext cx="2281835" cy="1537397"/>
                   </a:xfrm>
                   <a:prstGeom prst="rect">
                     <a:avLst/>
@@ -11727,109 +11762,7 @@
           </mc:AlternateContent>
           <mc:AlternateContent xmlns:mc="http://schemas.openxmlformats.org/markup-compatibility/2006" xmlns:p14="http://schemas.microsoft.com/office/powerpoint/2010/main" xmlns:aink="http://schemas.microsoft.com/office/drawing/2016/ink">
             <mc:Choice Requires="p14 aink">
-              <p:contentPart p14:bwMode="auto" r:id="rId13">
-                <p14:nvContentPartPr>
-                  <p14:cNvPr id="30" name="Ink 29">
-                    <a:extLst>
-                      <a:ext uri="{FF2B5EF4-FFF2-40B4-BE49-F238E27FC236}">
-                        <a16:creationId xmlns:a16="http://schemas.microsoft.com/office/drawing/2014/main" id="{FEC2E4BD-5B2A-164E-821E-5C86F3B82B97}"/>
-                      </a:ext>
-                    </a:extLst>
-                  </p14:cNvPr>
-                  <p14:cNvContentPartPr/>
-                  <p14:nvPr/>
-                </p14:nvContentPartPr>
-                <p14:xfrm>
-                  <a:off x="8787747" y="5267356"/>
-                  <a:ext cx="61200" cy="6480"/>
-                </p14:xfrm>
-              </p:contentPart>
-            </mc:Choice>
-            <mc:Fallback xmlns="">
-              <p:pic>
-                <p:nvPicPr>
-                  <p:cNvPr id="30" name="Ink 29">
-                    <a:extLst>
-                      <a:ext uri="{FF2B5EF4-FFF2-40B4-BE49-F238E27FC236}">
-                        <a16:creationId xmlns:a16="http://schemas.microsoft.com/office/drawing/2014/main" id="{FEC2E4BD-5B2A-164E-821E-5C86F3B82B97}"/>
-                      </a:ext>
-                    </a:extLst>
-                  </p:cNvPr>
-                  <p:cNvPicPr/>
-                  <p:nvPr/>
-                </p:nvPicPr>
-                <p:blipFill>
-                  <a:blip r:embed="rId14"/>
-                  <a:stretch>
-                    <a:fillRect/>
-                  </a:stretch>
-                </p:blipFill>
-                <p:spPr>
-                  <a:xfrm>
-                    <a:off x="8775458" y="5254894"/>
-                    <a:ext cx="85533" cy="31154"/>
-                  </a:xfrm>
-                  <a:prstGeom prst="rect">
-                    <a:avLst/>
-                  </a:prstGeom>
-                </p:spPr>
-              </p:pic>
-            </mc:Fallback>
-          </mc:AlternateContent>
-          <mc:AlternateContent xmlns:mc="http://schemas.openxmlformats.org/markup-compatibility/2006" xmlns:p14="http://schemas.microsoft.com/office/powerpoint/2010/main" xmlns:aink="http://schemas.microsoft.com/office/drawing/2016/ink">
-            <mc:Choice Requires="p14 aink">
-              <p:contentPart p14:bwMode="auto" r:id="rId15">
-                <p14:nvContentPartPr>
-                  <p14:cNvPr id="32" name="Ink 31">
-                    <a:extLst>
-                      <a:ext uri="{FF2B5EF4-FFF2-40B4-BE49-F238E27FC236}">
-                        <a16:creationId xmlns:a16="http://schemas.microsoft.com/office/drawing/2014/main" id="{68832567-CC3D-6849-8830-7070C09DAA6F}"/>
-                      </a:ext>
-                    </a:extLst>
-                  </p14:cNvPr>
-                  <p14:cNvContentPartPr/>
-                  <p14:nvPr/>
-                </p14:nvContentPartPr>
-                <p14:xfrm>
-                  <a:off x="8580027" y="5247916"/>
-                  <a:ext cx="64800" cy="24840"/>
-                </p14:xfrm>
-              </p:contentPart>
-            </mc:Choice>
-            <mc:Fallback xmlns="">
-              <p:pic>
-                <p:nvPicPr>
-                  <p:cNvPr id="32" name="Ink 31">
-                    <a:extLst>
-                      <a:ext uri="{FF2B5EF4-FFF2-40B4-BE49-F238E27FC236}">
-                        <a16:creationId xmlns:a16="http://schemas.microsoft.com/office/drawing/2014/main" id="{68832567-CC3D-6849-8830-7070C09DAA6F}"/>
-                      </a:ext>
-                    </a:extLst>
-                  </p:cNvPr>
-                  <p:cNvPicPr/>
-                  <p:nvPr/>
-                </p:nvPicPr>
-                <p:blipFill>
-                  <a:blip r:embed="rId16"/>
-                  <a:stretch>
-                    <a:fillRect/>
-                  </a:stretch>
-                </p:blipFill>
-                <p:spPr>
-                  <a:xfrm>
-                    <a:off x="8567754" y="5235496"/>
-                    <a:ext cx="89100" cy="49432"/>
-                  </a:xfrm>
-                  <a:prstGeom prst="rect">
-                    <a:avLst/>
-                  </a:prstGeom>
-                </p:spPr>
-              </p:pic>
-            </mc:Fallback>
-          </mc:AlternateContent>
-          <mc:AlternateContent xmlns:mc="http://schemas.openxmlformats.org/markup-compatibility/2006" xmlns:p14="http://schemas.microsoft.com/office/powerpoint/2010/main" xmlns:aink="http://schemas.microsoft.com/office/drawing/2016/ink">
-            <mc:Choice Requires="p14 aink">
-              <p:contentPart p14:bwMode="auto" r:id="rId17">
+              <p:contentPart p14:bwMode="auto" r:id="rId9">
                 <p14:nvContentPartPr>
                   <p14:cNvPr id="33" name="Ink 32">
                     <a:extLst>
@@ -11981,490 +11914,311 @@
             </mc:Fallback>
           </mc:AlternateContent>
         </p:grpSp>
+        <p:sp>
+          <p:nvSpPr>
+            <p:cNvPr id="39" name="Title 1">
+              <a:extLst>
+                <a:ext uri="{FF2B5EF4-FFF2-40B4-BE49-F238E27FC236}">
+                  <a16:creationId xmlns:a16="http://schemas.microsoft.com/office/drawing/2014/main" id="{FDC1CABB-C500-CD47-91A9-8A647A805251}"/>
+                </a:ext>
+              </a:extLst>
+            </p:cNvPr>
+            <p:cNvSpPr txBox="1">
+              <a:spLocks/>
+            </p:cNvSpPr>
+            <p:nvPr/>
+          </p:nvSpPr>
+          <p:spPr>
+            <a:xfrm>
+              <a:off x="3459409" y="3397590"/>
+              <a:ext cx="2026991" cy="1631610"/>
+            </a:xfrm>
+            <a:prstGeom prst="rect">
+              <a:avLst/>
+            </a:prstGeom>
+          </p:spPr>
+          <p:txBody>
+            <a:bodyPr vert="horz" lIns="91440" tIns="45720" rIns="91440" bIns="45720" rtlCol="0" anchor="ctr">
+              <a:normAutofit fontScale="77500" lnSpcReduction="20000"/>
+            </a:bodyPr>
+            <a:lstStyle>
+              <a:lvl1pPr algn="l" defTabSz="914400" rtl="0" eaLnBrk="1" latinLnBrk="0" hangingPunct="1">
+                <a:lnSpc>
+                  <a:spcPct val="90000"/>
+                </a:lnSpc>
+                <a:spcBef>
+                  <a:spcPct val="0"/>
+                </a:spcBef>
+                <a:buNone/>
+                <a:defRPr sz="4400" kern="1200">
+                  <a:solidFill>
+                    <a:schemeClr val="tx1"/>
+                  </a:solidFill>
+                  <a:latin typeface="+mj-lt"/>
+                  <a:ea typeface="+mj-ea"/>
+                  <a:cs typeface="+mj-cs"/>
+                </a:defRPr>
+              </a:lvl1pPr>
+            </a:lstStyle>
+            <a:p>
+              <a:r>
+                <a:rPr lang="en-US" b="1" dirty="0">
+                  <a:ln w="6350">
+                    <a:solidFill>
+                      <a:schemeClr val="accent4">
+                        <a:lumMod val="40000"/>
+                        <a:lumOff val="60000"/>
+                      </a:schemeClr>
+                    </a:solidFill>
+                  </a:ln>
+                </a:rPr>
+                <a:t>.let</a:t>
+              </a:r>
+            </a:p>
+            <a:p>
+              <a:r>
+                <a:rPr lang="en-US" b="1" dirty="0">
+                  <a:ln w="6350">
+                    <a:solidFill>
+                      <a:schemeClr val="accent4">
+                        <a:lumMod val="40000"/>
+                        <a:lumOff val="60000"/>
+                      </a:schemeClr>
+                    </a:solidFill>
+                  </a:ln>
+                </a:rPr>
+                <a:t>.apply</a:t>
+              </a:r>
+            </a:p>
+            <a:p>
+              <a:r>
+                <a:rPr lang="en-US" b="1" dirty="0">
+                  <a:ln w="6350">
+                    <a:solidFill>
+                      <a:schemeClr val="accent4">
+                        <a:lumMod val="40000"/>
+                        <a:lumOff val="60000"/>
+                      </a:schemeClr>
+                    </a:solidFill>
+                  </a:ln>
+                </a:rPr>
+                <a:t>.also</a:t>
+              </a:r>
+            </a:p>
+            <a:p>
+              <a:r>
+                <a:rPr lang="en-US" b="1" dirty="0">
+                  <a:ln w="6350">
+                    <a:solidFill>
+                      <a:schemeClr val="accent4">
+                        <a:lumMod val="40000"/>
+                        <a:lumOff val="60000"/>
+                      </a:schemeClr>
+                    </a:solidFill>
+                  </a:ln>
+                </a:rPr>
+                <a:t>.run</a:t>
+              </a:r>
+            </a:p>
+          </p:txBody>
+        </p:sp>
+        <p:sp>
+          <p:nvSpPr>
+            <p:cNvPr id="40" name="Title 1">
+              <a:extLst>
+                <a:ext uri="{FF2B5EF4-FFF2-40B4-BE49-F238E27FC236}">
+                  <a16:creationId xmlns:a16="http://schemas.microsoft.com/office/drawing/2014/main" id="{8AE514D9-D31A-FF41-9F42-A01DAFD0ECBA}"/>
+                </a:ext>
+              </a:extLst>
+            </p:cNvPr>
+            <p:cNvSpPr txBox="1">
+              <a:spLocks/>
+            </p:cNvSpPr>
+            <p:nvPr/>
+          </p:nvSpPr>
+          <p:spPr>
+            <a:xfrm rot="17734657">
+              <a:off x="1895217" y="3462371"/>
+              <a:ext cx="1655183" cy="632513"/>
+            </a:xfrm>
+            <a:prstGeom prst="rect">
+              <a:avLst/>
+            </a:prstGeom>
+          </p:spPr>
+          <p:txBody>
+            <a:bodyPr vert="horz" lIns="91440" tIns="45720" rIns="91440" bIns="45720" rtlCol="0" anchor="ctr">
+              <a:normAutofit/>
+            </a:bodyPr>
+            <a:lstStyle>
+              <a:lvl1pPr algn="l" defTabSz="914400" rtl="0" eaLnBrk="1" latinLnBrk="0" hangingPunct="1">
+                <a:lnSpc>
+                  <a:spcPct val="90000"/>
+                </a:lnSpc>
+                <a:spcBef>
+                  <a:spcPct val="0"/>
+                </a:spcBef>
+                <a:buNone/>
+                <a:defRPr sz="4400" kern="1200">
+                  <a:solidFill>
+                    <a:schemeClr val="tx1"/>
+                  </a:solidFill>
+                  <a:latin typeface="+mj-lt"/>
+                  <a:ea typeface="+mj-ea"/>
+                  <a:cs typeface="+mj-cs"/>
+                </a:defRPr>
+              </a:lvl1pPr>
+            </a:lstStyle>
+            <a:p>
+              <a:r>
+                <a:rPr lang="en-US" sz="3400" b="1" dirty="0">
+                  <a:ln w="6350">
+                    <a:solidFill>
+                      <a:schemeClr val="accent4">
+                        <a:lumMod val="40000"/>
+                        <a:lumOff val="60000"/>
+                      </a:schemeClr>
+                    </a:solidFill>
+                  </a:ln>
+                </a:rPr>
+                <a:t>with</a:t>
+              </a:r>
+            </a:p>
+          </p:txBody>
+        </p:sp>
+        <p:sp>
+          <p:nvSpPr>
+            <p:cNvPr id="41" name="TextBox 40">
+              <a:extLst>
+                <a:ext uri="{FF2B5EF4-FFF2-40B4-BE49-F238E27FC236}">
+                  <a16:creationId xmlns:a16="http://schemas.microsoft.com/office/drawing/2014/main" id="{7628D0FE-B45B-3346-8EFC-2C3E45A5BEF8}"/>
+                </a:ext>
+              </a:extLst>
+            </p:cNvPr>
+            <p:cNvSpPr txBox="1"/>
+            <p:nvPr/>
+          </p:nvSpPr>
+          <p:spPr>
+            <a:xfrm>
+              <a:off x="2376953" y="2992371"/>
+              <a:ext cx="2513701" cy="523220"/>
+            </a:xfrm>
+            <a:prstGeom prst="rect">
+              <a:avLst/>
+            </a:prstGeom>
+            <a:noFill/>
+          </p:spPr>
+          <p:txBody>
+            <a:bodyPr wrap="none" rtlCol="0">
+              <a:spAutoFit/>
+            </a:bodyPr>
+            <a:lstStyle/>
+            <a:p>
+              <a:r>
+                <a:rPr lang="en-US" sz="2800" b="1" dirty="0">
+                  <a:ln>
+                    <a:solidFill>
+                      <a:schemeClr val="bg1"/>
+                    </a:solidFill>
+                  </a:ln>
+                </a:rPr>
+                <a:t>scope functions</a:t>
+              </a:r>
+            </a:p>
+          </p:txBody>
+        </p:sp>
+        <p:sp>
+          <p:nvSpPr>
+            <p:cNvPr id="43" name="TextBox 42">
+              <a:extLst>
+                <a:ext uri="{FF2B5EF4-FFF2-40B4-BE49-F238E27FC236}">
+                  <a16:creationId xmlns:a16="http://schemas.microsoft.com/office/drawing/2014/main" id="{75806B70-53EA-8B42-905D-37EFBC0A11F5}"/>
+                </a:ext>
+              </a:extLst>
+            </p:cNvPr>
+            <p:cNvSpPr txBox="1"/>
+            <p:nvPr/>
+          </p:nvSpPr>
+          <p:spPr>
+            <a:xfrm>
+              <a:off x="1590165" y="1542849"/>
+              <a:ext cx="1574470" cy="523220"/>
+            </a:xfrm>
+            <a:prstGeom prst="rect">
+              <a:avLst/>
+            </a:prstGeom>
+            <a:noFill/>
+          </p:spPr>
+          <p:txBody>
+            <a:bodyPr wrap="none" rtlCol="0">
+              <a:spAutoFit/>
+            </a:bodyPr>
+            <a:lstStyle/>
+            <a:p>
+              <a:r>
+                <a:rPr lang="en-US" sz="2800" b="1" dirty="0">
+                  <a:ln>
+                    <a:solidFill>
+                      <a:schemeClr val="bg1"/>
+                    </a:solidFill>
+                  </a:ln>
+                </a:rPr>
+                <a:t>functions</a:t>
+              </a:r>
+            </a:p>
+          </p:txBody>
+        </p:sp>
+        <mc:AlternateContent xmlns:mc="http://schemas.openxmlformats.org/markup-compatibility/2006" xmlns:p14="http://schemas.microsoft.com/office/powerpoint/2010/main">
+          <mc:Choice Requires="p14">
+            <p:contentPart p14:bwMode="auto" r:id="rId23">
+              <p14:nvContentPartPr>
+                <p14:cNvPr id="23" name="Ink 22">
+                  <a:extLst>
+                    <a:ext uri="{FF2B5EF4-FFF2-40B4-BE49-F238E27FC236}">
+                      <a16:creationId xmlns:a16="http://schemas.microsoft.com/office/drawing/2014/main" id="{8EFBDA60-C780-1F47-9AF5-5A6D62809E87}"/>
+                    </a:ext>
+                  </a:extLst>
+                </p14:cNvPr>
+                <p14:cNvContentPartPr/>
+                <p14:nvPr/>
+              </p14:nvContentPartPr>
+              <p14:xfrm>
+                <a:off x="697344" y="1470733"/>
+                <a:ext cx="10320062" cy="5131246"/>
+              </p14:xfrm>
+            </p:contentPart>
+          </mc:Choice>
+          <mc:Fallback xmlns="">
+            <p:pic>
+              <p:nvPicPr>
+                <p:cNvPr id="23" name="Ink 22">
+                  <a:extLst>
+                    <a:ext uri="{FF2B5EF4-FFF2-40B4-BE49-F238E27FC236}">
+                      <a16:creationId xmlns:a16="http://schemas.microsoft.com/office/drawing/2014/main" id="{8EFBDA60-C780-1F47-9AF5-5A6D62809E87}"/>
+                    </a:ext>
+                  </a:extLst>
+                </p:cNvPr>
+                <p:cNvPicPr/>
+                <p:nvPr/>
+              </p:nvPicPr>
+              <p:blipFill>
+                <a:blip r:embed="rId24"/>
+                <a:stretch>
+                  <a:fillRect/>
+                </a:stretch>
+              </p:blipFill>
+              <p:spPr>
+                <a:xfrm>
+                  <a:off x="681864" y="1455252"/>
+                  <a:ext cx="10350663" cy="5161847"/>
+                </a:xfrm>
+                <a:prstGeom prst="rect">
+                  <a:avLst/>
+                </a:prstGeom>
+              </p:spPr>
+            </p:pic>
+          </mc:Fallback>
+        </mc:AlternateContent>
       </p:grpSp>
-      <p:sp>
-        <p:nvSpPr>
-          <p:cNvPr id="4" name="Title 1">
-            <a:extLst>
-              <a:ext uri="{FF2B5EF4-FFF2-40B4-BE49-F238E27FC236}">
-                <a16:creationId xmlns:a16="http://schemas.microsoft.com/office/drawing/2014/main" id="{B6D05368-E781-7242-8E99-C8101FB93787}"/>
-              </a:ext>
-            </a:extLst>
-          </p:cNvPr>
-          <p:cNvSpPr txBox="1">
-            <a:spLocks/>
-          </p:cNvSpPr>
-          <p:nvPr/>
-        </p:nvSpPr>
-        <p:spPr>
-          <a:xfrm>
-            <a:off x="5685320" y="2628904"/>
-            <a:ext cx="2596234" cy="2780301"/>
-          </a:xfrm>
-          <a:prstGeom prst="rect">
-            <a:avLst/>
-          </a:prstGeom>
-        </p:spPr>
-        <p:txBody>
-          <a:bodyPr vert="horz" lIns="91440" tIns="45720" rIns="91440" bIns="45720" rtlCol="0" anchor="ctr">
-            <a:normAutofit fontScale="77500" lnSpcReduction="20000"/>
-          </a:bodyPr>
-          <a:lstStyle>
-            <a:lvl1pPr algn="l" defTabSz="914400" rtl="0" eaLnBrk="1" latinLnBrk="0" hangingPunct="1">
-              <a:lnSpc>
-                <a:spcPct val="90000"/>
-              </a:lnSpc>
-              <a:spcBef>
-                <a:spcPct val="0"/>
-              </a:spcBef>
-              <a:buNone/>
-              <a:defRPr sz="4400" kern="1200">
-                <a:solidFill>
-                  <a:schemeClr val="tx1"/>
-                </a:solidFill>
-                <a:latin typeface="+mj-lt"/>
-                <a:ea typeface="+mj-ea"/>
-                <a:cs typeface="+mj-cs"/>
-              </a:defRPr>
-            </a:lvl1pPr>
-          </a:lstStyle>
-          <a:p>
-            <a:r>
-              <a:rPr lang="en-US" b="1" dirty="0">
-                <a:ln w="6350">
-                  <a:solidFill>
-                    <a:srgbClr val="33CCFF"/>
-                  </a:solidFill>
-                </a:ln>
-              </a:rPr>
-              <a:t>.forEach</a:t>
-            </a:r>
-          </a:p>
-          <a:p>
-            <a:r>
-              <a:rPr lang="en-US" b="1" dirty="0">
-                <a:ln w="6350">
-                  <a:solidFill>
-                    <a:srgbClr val="33CCFF"/>
-                  </a:solidFill>
-                </a:ln>
-              </a:rPr>
-              <a:t>.find</a:t>
-            </a:r>
-          </a:p>
-          <a:p>
-            <a:r>
-              <a:rPr lang="en-US" b="1" dirty="0">
-                <a:ln w="6350">
-                  <a:solidFill>
-                    <a:srgbClr val="33CCFF"/>
-                  </a:solidFill>
-                </a:ln>
-              </a:rPr>
-              <a:t>.first</a:t>
-            </a:r>
-          </a:p>
-          <a:p>
-            <a:r>
-              <a:rPr lang="en-US" b="1" dirty="0">
-                <a:ln w="6350">
-                  <a:solidFill>
-                    <a:srgbClr val="33CCFF"/>
-                  </a:solidFill>
-                </a:ln>
-              </a:rPr>
-              <a:t>.map</a:t>
-            </a:r>
-          </a:p>
-          <a:p>
-            <a:r>
-              <a:rPr lang="en-US" b="1" dirty="0">
-                <a:ln w="6350">
-                  <a:solidFill>
-                    <a:srgbClr val="33CCFF"/>
-                  </a:solidFill>
-                </a:ln>
-              </a:rPr>
-              <a:t>.filter</a:t>
-            </a:r>
-          </a:p>
-          <a:p>
-            <a:r>
-              <a:rPr lang="en-US" b="1" dirty="0">
-                <a:ln w="6350">
-                  <a:solidFill>
-                    <a:srgbClr val="33CCFF"/>
-                  </a:solidFill>
-                </a:ln>
-              </a:rPr>
-              <a:t>.toString</a:t>
-            </a:r>
-          </a:p>
-          <a:p>
-            <a:r>
-              <a:rPr lang="en-US" b="1" dirty="0">
-                <a:ln w="6350">
-                  <a:solidFill>
-                    <a:srgbClr val="33CCFF"/>
-                  </a:solidFill>
-                </a:ln>
-              </a:rPr>
-              <a:t>.plus</a:t>
-            </a:r>
-          </a:p>
-        </p:txBody>
-      </p:sp>
-      <p:sp>
-        <p:nvSpPr>
-          <p:cNvPr id="11" name="Title 10">
-            <a:extLst>
-              <a:ext uri="{FF2B5EF4-FFF2-40B4-BE49-F238E27FC236}">
-                <a16:creationId xmlns:a16="http://schemas.microsoft.com/office/drawing/2014/main" id="{0B8220AE-7795-6841-8DD8-635293FC56C4}"/>
-              </a:ext>
-            </a:extLst>
-          </p:cNvPr>
-          <p:cNvSpPr>
-            <a:spLocks noGrp="1"/>
-          </p:cNvSpPr>
-          <p:nvPr>
-            <p:ph type="title"/>
-          </p:nvPr>
-        </p:nvSpPr>
-        <p:spPr/>
-        <p:txBody>
-          <a:bodyPr/>
-          <a:lstStyle/>
-          <a:p>
-            <a:r>
-              <a:rPr lang="en-US" dirty="0"/>
-              <a:t>Extension functions vs. Scope functions</a:t>
-            </a:r>
-          </a:p>
-        </p:txBody>
-      </p:sp>
-      <p:sp>
-        <p:nvSpPr>
-          <p:cNvPr id="39" name="Title 1">
-            <a:extLst>
-              <a:ext uri="{FF2B5EF4-FFF2-40B4-BE49-F238E27FC236}">
-                <a16:creationId xmlns:a16="http://schemas.microsoft.com/office/drawing/2014/main" id="{FDC1CABB-C500-CD47-91A9-8A647A805251}"/>
-              </a:ext>
-            </a:extLst>
-          </p:cNvPr>
-          <p:cNvSpPr txBox="1">
-            <a:spLocks/>
-          </p:cNvSpPr>
-          <p:nvPr/>
-        </p:nvSpPr>
-        <p:spPr>
-          <a:xfrm>
-            <a:off x="3459409" y="3397590"/>
-            <a:ext cx="2026991" cy="1631610"/>
-          </a:xfrm>
-          <a:prstGeom prst="rect">
-            <a:avLst/>
-          </a:prstGeom>
-        </p:spPr>
-        <p:txBody>
-          <a:bodyPr vert="horz" lIns="91440" tIns="45720" rIns="91440" bIns="45720" rtlCol="0" anchor="ctr">
-            <a:normAutofit fontScale="77500" lnSpcReduction="20000"/>
-          </a:bodyPr>
-          <a:lstStyle>
-            <a:lvl1pPr algn="l" defTabSz="914400" rtl="0" eaLnBrk="1" latinLnBrk="0" hangingPunct="1">
-              <a:lnSpc>
-                <a:spcPct val="90000"/>
-              </a:lnSpc>
-              <a:spcBef>
-                <a:spcPct val="0"/>
-              </a:spcBef>
-              <a:buNone/>
-              <a:defRPr sz="4400" kern="1200">
-                <a:solidFill>
-                  <a:schemeClr val="tx1"/>
-                </a:solidFill>
-                <a:latin typeface="+mj-lt"/>
-                <a:ea typeface="+mj-ea"/>
-                <a:cs typeface="+mj-cs"/>
-              </a:defRPr>
-            </a:lvl1pPr>
-          </a:lstStyle>
-          <a:p>
-            <a:r>
-              <a:rPr lang="en-US" b="1" dirty="0">
-                <a:ln w="6350">
-                  <a:solidFill>
-                    <a:schemeClr val="accent4">
-                      <a:lumMod val="40000"/>
-                      <a:lumOff val="60000"/>
-                    </a:schemeClr>
-                  </a:solidFill>
-                </a:ln>
-              </a:rPr>
-              <a:t>.let</a:t>
-            </a:r>
-          </a:p>
-          <a:p>
-            <a:r>
-              <a:rPr lang="en-US" b="1" dirty="0">
-                <a:ln w="6350">
-                  <a:solidFill>
-                    <a:schemeClr val="accent4">
-                      <a:lumMod val="40000"/>
-                      <a:lumOff val="60000"/>
-                    </a:schemeClr>
-                  </a:solidFill>
-                </a:ln>
-              </a:rPr>
-              <a:t>.apply</a:t>
-            </a:r>
-          </a:p>
-          <a:p>
-            <a:r>
-              <a:rPr lang="en-US" b="1" dirty="0">
-                <a:ln w="6350">
-                  <a:solidFill>
-                    <a:schemeClr val="accent4">
-                      <a:lumMod val="40000"/>
-                      <a:lumOff val="60000"/>
-                    </a:schemeClr>
-                  </a:solidFill>
-                </a:ln>
-              </a:rPr>
-              <a:t>.also</a:t>
-            </a:r>
-          </a:p>
-          <a:p>
-            <a:r>
-              <a:rPr lang="en-US" b="1" dirty="0">
-                <a:ln w="6350">
-                  <a:solidFill>
-                    <a:schemeClr val="accent4">
-                      <a:lumMod val="40000"/>
-                      <a:lumOff val="60000"/>
-                    </a:schemeClr>
-                  </a:solidFill>
-                </a:ln>
-              </a:rPr>
-              <a:t>.run</a:t>
-            </a:r>
-          </a:p>
-        </p:txBody>
-      </p:sp>
-      <p:sp>
-        <p:nvSpPr>
-          <p:cNvPr id="40" name="Title 1">
-            <a:extLst>
-              <a:ext uri="{FF2B5EF4-FFF2-40B4-BE49-F238E27FC236}">
-                <a16:creationId xmlns:a16="http://schemas.microsoft.com/office/drawing/2014/main" id="{8AE514D9-D31A-FF41-9F42-A01DAFD0ECBA}"/>
-              </a:ext>
-            </a:extLst>
-          </p:cNvPr>
-          <p:cNvSpPr txBox="1">
-            <a:spLocks/>
-          </p:cNvSpPr>
-          <p:nvPr/>
-        </p:nvSpPr>
-        <p:spPr>
-          <a:xfrm rot="17734657">
-            <a:off x="1895217" y="3462371"/>
-            <a:ext cx="1655183" cy="632513"/>
-          </a:xfrm>
-          <a:prstGeom prst="rect">
-            <a:avLst/>
-          </a:prstGeom>
-        </p:spPr>
-        <p:txBody>
-          <a:bodyPr vert="horz" lIns="91440" tIns="45720" rIns="91440" bIns="45720" rtlCol="0" anchor="ctr">
-            <a:normAutofit/>
-          </a:bodyPr>
-          <a:lstStyle>
-            <a:lvl1pPr algn="l" defTabSz="914400" rtl="0" eaLnBrk="1" latinLnBrk="0" hangingPunct="1">
-              <a:lnSpc>
-                <a:spcPct val="90000"/>
-              </a:lnSpc>
-              <a:spcBef>
-                <a:spcPct val="0"/>
-              </a:spcBef>
-              <a:buNone/>
-              <a:defRPr sz="4400" kern="1200">
-                <a:solidFill>
-                  <a:schemeClr val="tx1"/>
-                </a:solidFill>
-                <a:latin typeface="+mj-lt"/>
-                <a:ea typeface="+mj-ea"/>
-                <a:cs typeface="+mj-cs"/>
-              </a:defRPr>
-            </a:lvl1pPr>
-          </a:lstStyle>
-          <a:p>
-            <a:r>
-              <a:rPr lang="en-US" sz="3400" b="1" dirty="0">
-                <a:ln w="6350">
-                  <a:solidFill>
-                    <a:schemeClr val="accent4">
-                      <a:lumMod val="40000"/>
-                      <a:lumOff val="60000"/>
-                    </a:schemeClr>
-                  </a:solidFill>
-                </a:ln>
-              </a:rPr>
-              <a:t>when</a:t>
-            </a:r>
-          </a:p>
-        </p:txBody>
-      </p:sp>
-      <p:sp>
-        <p:nvSpPr>
-          <p:cNvPr id="41" name="TextBox 40">
-            <a:extLst>
-              <a:ext uri="{FF2B5EF4-FFF2-40B4-BE49-F238E27FC236}">
-                <a16:creationId xmlns:a16="http://schemas.microsoft.com/office/drawing/2014/main" id="{7628D0FE-B45B-3346-8EFC-2C3E45A5BEF8}"/>
-              </a:ext>
-            </a:extLst>
-          </p:cNvPr>
-          <p:cNvSpPr txBox="1"/>
-          <p:nvPr/>
-        </p:nvSpPr>
-        <p:spPr>
-          <a:xfrm>
-            <a:off x="2376953" y="2992371"/>
-            <a:ext cx="2513701" cy="523220"/>
-          </a:xfrm>
-          <a:prstGeom prst="rect">
-            <a:avLst/>
-          </a:prstGeom>
-          <a:noFill/>
-        </p:spPr>
-        <p:txBody>
-          <a:bodyPr wrap="none" rtlCol="0">
-            <a:spAutoFit/>
-          </a:bodyPr>
-          <a:lstStyle/>
-          <a:p>
-            <a:r>
-              <a:rPr lang="en-US" sz="2800" b="1" dirty="0">
-                <a:ln>
-                  <a:solidFill>
-                    <a:schemeClr val="bg1"/>
-                  </a:solidFill>
-                </a:ln>
-              </a:rPr>
-              <a:t>scope functions</a:t>
-            </a:r>
-          </a:p>
-        </p:txBody>
-      </p:sp>
-      <p:sp>
-        <p:nvSpPr>
-          <p:cNvPr id="42" name="TextBox 41">
-            <a:extLst>
-              <a:ext uri="{FF2B5EF4-FFF2-40B4-BE49-F238E27FC236}">
-                <a16:creationId xmlns:a16="http://schemas.microsoft.com/office/drawing/2014/main" id="{1AF46F52-9CF4-9047-8926-74A2FACF7878}"/>
-              </a:ext>
-            </a:extLst>
-          </p:cNvPr>
-          <p:cNvSpPr txBox="1"/>
-          <p:nvPr/>
-        </p:nvSpPr>
-        <p:spPr>
-          <a:xfrm>
-            <a:off x="4369425" y="1929159"/>
-            <a:ext cx="3106556" cy="523220"/>
-          </a:xfrm>
-          <a:prstGeom prst="rect">
-            <a:avLst/>
-          </a:prstGeom>
-          <a:noFill/>
-        </p:spPr>
-        <p:txBody>
-          <a:bodyPr wrap="none" rtlCol="0">
-            <a:spAutoFit/>
-          </a:bodyPr>
-          <a:lstStyle/>
-          <a:p>
-            <a:r>
-              <a:rPr lang="en-US" sz="2800" b="1" dirty="0">
-                <a:ln>
-                  <a:solidFill>
-                    <a:schemeClr val="bg1"/>
-                  </a:solidFill>
-                </a:ln>
-              </a:rPr>
-              <a:t>extension functions</a:t>
-            </a:r>
-          </a:p>
-        </p:txBody>
-      </p:sp>
-      <p:sp>
-        <p:nvSpPr>
-          <p:cNvPr id="43" name="TextBox 42">
-            <a:extLst>
-              <a:ext uri="{FF2B5EF4-FFF2-40B4-BE49-F238E27FC236}">
-                <a16:creationId xmlns:a16="http://schemas.microsoft.com/office/drawing/2014/main" id="{75806B70-53EA-8B42-905D-37EFBC0A11F5}"/>
-              </a:ext>
-            </a:extLst>
-          </p:cNvPr>
-          <p:cNvSpPr txBox="1"/>
-          <p:nvPr/>
-        </p:nvSpPr>
-        <p:spPr>
-          <a:xfrm>
-            <a:off x="1590165" y="1542849"/>
-            <a:ext cx="1574470" cy="523220"/>
-          </a:xfrm>
-          <a:prstGeom prst="rect">
-            <a:avLst/>
-          </a:prstGeom>
-          <a:noFill/>
-        </p:spPr>
-        <p:txBody>
-          <a:bodyPr wrap="none" rtlCol="0">
-            <a:spAutoFit/>
-          </a:bodyPr>
-          <a:lstStyle/>
-          <a:p>
-            <a:r>
-              <a:rPr lang="en-US" sz="2800" b="1" dirty="0">
-                <a:ln>
-                  <a:solidFill>
-                    <a:schemeClr val="bg1"/>
-                  </a:solidFill>
-                </a:ln>
-              </a:rPr>
-              <a:t>functions</a:t>
-            </a:r>
-          </a:p>
-        </p:txBody>
-      </p:sp>
-      <p:sp>
-        <p:nvSpPr>
-          <p:cNvPr id="2" name="Slide Number Placeholder 1">
-            <a:extLst>
-              <a:ext uri="{FF2B5EF4-FFF2-40B4-BE49-F238E27FC236}">
-                <a16:creationId xmlns:a16="http://schemas.microsoft.com/office/drawing/2014/main" id="{E28465EA-401C-F543-9E2A-B770647863D6}"/>
-              </a:ext>
-            </a:extLst>
-          </p:cNvPr>
-          <p:cNvSpPr>
-            <a:spLocks noGrp="1"/>
-          </p:cNvSpPr>
-          <p:nvPr>
-            <p:ph type="sldNum" sz="quarter" idx="12"/>
-          </p:nvPr>
-        </p:nvSpPr>
-        <p:spPr/>
-        <p:txBody>
-          <a:bodyPr/>
-          <a:lstStyle/>
-          <a:p>
-            <a:fld id="{DA2D24A9-AE57-EE40-8DA2-821B06FE2B8A}" type="slidenum">
-              <a:rPr lang="en-US" smtClean="0"/>
-              <a:t>1</a:t>
-            </a:fld>
-            <a:endParaRPr lang="en-US"/>
-          </a:p>
-        </p:txBody>
-      </p:sp>
     </p:spTree>
     <p:extLst>
       <p:ext uri="{BB962C8B-B14F-4D97-AF65-F5344CB8AC3E}">
